--- a/SlidePresBeta.pptx
+++ b/SlidePresBeta.pptx
@@ -10,15 +10,18 @@
     <p:sldId id="267" r:id="rId4"/>
     <p:sldId id="257" r:id="rId5"/>
     <p:sldId id="258" r:id="rId6"/>
-    <p:sldId id="268" r:id="rId7"/>
-    <p:sldId id="260" r:id="rId8"/>
-    <p:sldId id="269" r:id="rId9"/>
-    <p:sldId id="259" r:id="rId10"/>
-    <p:sldId id="264" r:id="rId11"/>
-    <p:sldId id="261" r:id="rId12"/>
-    <p:sldId id="262" r:id="rId13"/>
-    <p:sldId id="263" r:id="rId14"/>
-    <p:sldId id="265" r:id="rId15"/>
+    <p:sldId id="270" r:id="rId7"/>
+    <p:sldId id="271" r:id="rId8"/>
+    <p:sldId id="268" r:id="rId9"/>
+    <p:sldId id="260" r:id="rId10"/>
+    <p:sldId id="269" r:id="rId11"/>
+    <p:sldId id="259" r:id="rId12"/>
+    <p:sldId id="264" r:id="rId13"/>
+    <p:sldId id="261" r:id="rId14"/>
+    <p:sldId id="272" r:id="rId15"/>
+    <p:sldId id="262" r:id="rId16"/>
+    <p:sldId id="263" r:id="rId17"/>
+    <p:sldId id="273" r:id="rId18"/>
   </p:sldIdLst>
   <p:sldSz cx="12192000" cy="6858000"/>
   <p:notesSz cx="6858000" cy="9144000"/>
@@ -141,6 +144,18 @@
 </p:presentation>
 </file>
 
+<file path=ppt/commentAuthors.xml><?xml version="1.0" encoding="utf-8"?>
+<p:cmAuthorLst xmlns:a="http://schemas.openxmlformats.org/drawingml/2006/main" xmlns:r="http://schemas.openxmlformats.org/officeDocument/2006/relationships" xmlns:p="http://schemas.openxmlformats.org/presentationml/2006/main">
+  <p:cmAuthor id="1" name=" " initials="" lastIdx="1" clrIdx="0">
+    <p:extLst>
+      <p:ext uri="{19B8F6BF-5375-455C-9EA6-DF929625EA0E}">
+        <p15:presenceInfo xmlns:p15="http://schemas.microsoft.com/office/powerpoint/2012/main" userId="3ccedf071c2e29bb" providerId="Windows Live"/>
+      </p:ext>
+    </p:extLst>
+  </p:cmAuthor>
+</p:cmAuthorLst>
+</file>
+
 <file path=ppt/slideLayouts/slideLayout1.xml><?xml version="1.0" encoding="utf-8"?>
 <p:sldLayout xmlns:a="http://schemas.openxmlformats.org/drawingml/2006/main" xmlns:r="http://schemas.openxmlformats.org/officeDocument/2006/relationships" xmlns:p="http://schemas.openxmlformats.org/presentationml/2006/main" type="title" preserve="1">
   <p:cSld name="Diapositiva titolo">
@@ -288,7 +303,7 @@
           <a:p>
             <a:fld id="{8F501B9A-A4DC-40A2-9384-191E3898FD43}" type="datetimeFigureOut">
               <a:rPr lang="it-IT" smtClean="0"/>
-              <a:t>21/02/2019</a:t>
+              <a:t>24/02/2019</a:t>
             </a:fld>
             <a:endParaRPr lang="it-IT"/>
           </a:p>
@@ -486,7 +501,7 @@
           <a:p>
             <a:fld id="{8F501B9A-A4DC-40A2-9384-191E3898FD43}" type="datetimeFigureOut">
               <a:rPr lang="it-IT" smtClean="0"/>
-              <a:t>21/02/2019</a:t>
+              <a:t>24/02/2019</a:t>
             </a:fld>
             <a:endParaRPr lang="it-IT"/>
           </a:p>
@@ -694,7 +709,7 @@
           <a:p>
             <a:fld id="{8F501B9A-A4DC-40A2-9384-191E3898FD43}" type="datetimeFigureOut">
               <a:rPr lang="it-IT" smtClean="0"/>
-              <a:t>21/02/2019</a:t>
+              <a:t>24/02/2019</a:t>
             </a:fld>
             <a:endParaRPr lang="it-IT"/>
           </a:p>
@@ -892,7 +907,7 @@
           <a:p>
             <a:fld id="{8F501B9A-A4DC-40A2-9384-191E3898FD43}" type="datetimeFigureOut">
               <a:rPr lang="it-IT" smtClean="0"/>
-              <a:t>21/02/2019</a:t>
+              <a:t>24/02/2019</a:t>
             </a:fld>
             <a:endParaRPr lang="it-IT"/>
           </a:p>
@@ -1167,7 +1182,7 @@
           <a:p>
             <a:fld id="{8F501B9A-A4DC-40A2-9384-191E3898FD43}" type="datetimeFigureOut">
               <a:rPr lang="it-IT" smtClean="0"/>
-              <a:t>21/02/2019</a:t>
+              <a:t>24/02/2019</a:t>
             </a:fld>
             <a:endParaRPr lang="it-IT"/>
           </a:p>
@@ -1432,7 +1447,7 @@
           <a:p>
             <a:fld id="{8F501B9A-A4DC-40A2-9384-191E3898FD43}" type="datetimeFigureOut">
               <a:rPr lang="it-IT" smtClean="0"/>
-              <a:t>21/02/2019</a:t>
+              <a:t>24/02/2019</a:t>
             </a:fld>
             <a:endParaRPr lang="it-IT"/>
           </a:p>
@@ -1844,7 +1859,7 @@
           <a:p>
             <a:fld id="{8F501B9A-A4DC-40A2-9384-191E3898FD43}" type="datetimeFigureOut">
               <a:rPr lang="it-IT" smtClean="0"/>
-              <a:t>21/02/2019</a:t>
+              <a:t>24/02/2019</a:t>
             </a:fld>
             <a:endParaRPr lang="it-IT"/>
           </a:p>
@@ -1985,7 +2000,7 @@
           <a:p>
             <a:fld id="{8F501B9A-A4DC-40A2-9384-191E3898FD43}" type="datetimeFigureOut">
               <a:rPr lang="it-IT" smtClean="0"/>
-              <a:t>21/02/2019</a:t>
+              <a:t>24/02/2019</a:t>
             </a:fld>
             <a:endParaRPr lang="it-IT"/>
           </a:p>
@@ -2098,7 +2113,7 @@
           <a:p>
             <a:fld id="{8F501B9A-A4DC-40A2-9384-191E3898FD43}" type="datetimeFigureOut">
               <a:rPr lang="it-IT" smtClean="0"/>
-              <a:t>21/02/2019</a:t>
+              <a:t>24/02/2019</a:t>
             </a:fld>
             <a:endParaRPr lang="it-IT"/>
           </a:p>
@@ -2409,7 +2424,7 @@
           <a:p>
             <a:fld id="{8F501B9A-A4DC-40A2-9384-191E3898FD43}" type="datetimeFigureOut">
               <a:rPr lang="it-IT" smtClean="0"/>
-              <a:t>21/02/2019</a:t>
+              <a:t>24/02/2019</a:t>
             </a:fld>
             <a:endParaRPr lang="it-IT"/>
           </a:p>
@@ -2697,7 +2712,7 @@
           <a:p>
             <a:fld id="{8F501B9A-A4DC-40A2-9384-191E3898FD43}" type="datetimeFigureOut">
               <a:rPr lang="it-IT" smtClean="0"/>
-              <a:t>21/02/2019</a:t>
+              <a:t>24/02/2019</a:t>
             </a:fld>
             <a:endParaRPr lang="it-IT"/>
           </a:p>
@@ -2938,7 +2953,7 @@
           <a:p>
             <a:fld id="{8F501B9A-A4DC-40A2-9384-191E3898FD43}" type="datetimeFigureOut">
               <a:rPr lang="it-IT" smtClean="0"/>
-              <a:t>21/02/2019</a:t>
+              <a:t>24/02/2019</a:t>
             </a:fld>
             <a:endParaRPr lang="it-IT"/>
           </a:p>
@@ -3474,7 +3489,7 @@
           <p:cNvPr id="2" name="Titolo 1">
             <a:extLst>
               <a:ext uri="{FF2B5EF4-FFF2-40B4-BE49-F238E27FC236}">
-                <a16:creationId xmlns:a16="http://schemas.microsoft.com/office/drawing/2014/main" id="{88A760AD-A7AE-41E6-B31F-B597C7491C57}"/>
+                <a16:creationId xmlns:a16="http://schemas.microsoft.com/office/drawing/2014/main" id="{40E3CDC2-242E-48B7-9CBA-1ED10523E8D6}"/>
               </a:ext>
             </a:extLst>
           </p:cNvPr>
@@ -3492,7 +3507,7 @@
           <a:p>
             <a:r>
               <a:rPr lang="it-IT" dirty="0"/>
-              <a:t>ENVIRONMENT</a:t>
+              <a:t>BLE CONNECTION ROUTINE</a:t>
             </a:r>
           </a:p>
         </p:txBody>
@@ -3502,7 +3517,7 @@
           <p:cNvPr id="3" name="Segnaposto contenuto 2">
             <a:extLst>
               <a:ext uri="{FF2B5EF4-FFF2-40B4-BE49-F238E27FC236}">
-                <a16:creationId xmlns:a16="http://schemas.microsoft.com/office/drawing/2014/main" id="{79149D62-AD19-4502-948C-69969C1924BD}"/>
+                <a16:creationId xmlns:a16="http://schemas.microsoft.com/office/drawing/2014/main" id="{D272D41E-EE78-4C80-8F45-90F534CB9D57}"/>
               </a:ext>
             </a:extLst>
           </p:cNvPr>
@@ -3519,71 +3534,180 @@
           <a:lstStyle/>
           <a:p>
             <a:r>
-              <a:rPr lang="en-US" dirty="0" err="1"/>
-              <a:t>MicroSphere</a:t>
-            </a:r>
-            <a:r>
-              <a:rPr lang="en-US" dirty="0"/>
-              <a:t> is a web application;</a:t>
-            </a:r>
-          </a:p>
-          <a:p>
-            <a:r>
-              <a:rPr lang="en-US" dirty="0"/>
-              <a:t>Languages used for coding are: </a:t>
-            </a:r>
-            <a:r>
-              <a:rPr lang="en-US" dirty="0" err="1"/>
-              <a:t>javascript</a:t>
-            </a:r>
-            <a:r>
-              <a:rPr lang="en-US" dirty="0"/>
-              <a:t>, </a:t>
-            </a:r>
-            <a:r>
-              <a:rPr lang="en-US" dirty="0" err="1"/>
-              <a:t>css</a:t>
-            </a:r>
-            <a:r>
-              <a:rPr lang="en-US" dirty="0"/>
-              <a:t> and html;</a:t>
-            </a:r>
-          </a:p>
-          <a:p>
-            <a:r>
-              <a:rPr lang="en-US" dirty="0"/>
-              <a:t>Google Chrome is needed to launch the program. Google’s browser is the only one supporting experimental browser features, needed for BLE connection;</a:t>
-            </a:r>
-          </a:p>
-          <a:p>
-            <a:r>
-              <a:rPr lang="en-US" dirty="0"/>
-              <a:t>Firmware in </a:t>
-            </a:r>
-            <a:r>
-              <a:rPr lang="en-US" dirty="0" err="1"/>
-              <a:t>Microbit</a:t>
-            </a:r>
-            <a:r>
-              <a:rPr lang="en-US" dirty="0"/>
-              <a:t> is the Lancaster University one, developers of the microprocessor.</a:t>
-            </a:r>
-          </a:p>
-          <a:p>
-            <a:endParaRPr lang="en-US" dirty="0"/>
-          </a:p>
-          <a:p>
-            <a:endParaRPr lang="it-IT" dirty="0"/>
-          </a:p>
-          <a:p>
-            <a:endParaRPr lang="it-IT" dirty="0"/>
+              <a:rPr lang="it-IT" dirty="0" err="1"/>
+              <a:t>Based</a:t>
+            </a:r>
+            <a:r>
+              <a:rPr lang="it-IT" dirty="0"/>
+              <a:t> on client(MB)/server(PC) model, </a:t>
+            </a:r>
+            <a:r>
+              <a:rPr lang="it-IT" dirty="0" err="1"/>
+              <a:t>where</a:t>
+            </a:r>
+            <a:r>
+              <a:rPr lang="it-IT" dirty="0"/>
+              <a:t> the PC </a:t>
+            </a:r>
+            <a:r>
+              <a:rPr lang="it-IT" dirty="0" err="1"/>
+              <a:t>asks</a:t>
+            </a:r>
+            <a:r>
+              <a:rPr lang="it-IT" dirty="0"/>
+              <a:t> for </a:t>
+            </a:r>
+            <a:r>
+              <a:rPr lang="it-IT" dirty="0" err="1"/>
+              <a:t>Micro:bit</a:t>
+            </a:r>
+            <a:r>
+              <a:rPr lang="it-IT" dirty="0"/>
+              <a:t> data; </a:t>
+            </a:r>
+          </a:p>
+          <a:p>
+            <a:r>
+              <a:rPr lang="it-IT" dirty="0"/>
+              <a:t>Bluetooth Low Energy antenna </a:t>
+            </a:r>
+            <a:r>
+              <a:rPr lang="it-IT" dirty="0" err="1"/>
+              <a:t>is</a:t>
+            </a:r>
+            <a:r>
+              <a:rPr lang="it-IT" dirty="0"/>
+              <a:t> </a:t>
+            </a:r>
+            <a:r>
+              <a:rPr lang="it-IT" dirty="0" err="1"/>
+              <a:t>implemented</a:t>
+            </a:r>
+            <a:r>
+              <a:rPr lang="it-IT" dirty="0"/>
+              <a:t> in </a:t>
+            </a:r>
+            <a:r>
+              <a:rPr lang="it-IT" dirty="0" err="1"/>
+              <a:t>Micro:bit</a:t>
+            </a:r>
+            <a:r>
+              <a:rPr lang="it-IT" dirty="0"/>
+              <a:t>;</a:t>
+            </a:r>
+          </a:p>
+          <a:p>
+            <a:r>
+              <a:rPr lang="it-IT" dirty="0"/>
+              <a:t>The firmware </a:t>
+            </a:r>
+            <a:r>
+              <a:rPr lang="it-IT" dirty="0" err="1"/>
+              <a:t>activates</a:t>
+            </a:r>
+            <a:r>
+              <a:rPr lang="it-IT" dirty="0"/>
+              <a:t> the </a:t>
+            </a:r>
+            <a:r>
+              <a:rPr lang="it-IT" dirty="0" err="1"/>
+              <a:t>needed</a:t>
+            </a:r>
+            <a:r>
+              <a:rPr lang="it-IT" dirty="0"/>
+              <a:t> antenna services on start of the </a:t>
+            </a:r>
+            <a:r>
+              <a:rPr lang="it-IT" dirty="0" err="1"/>
+              <a:t>microprocessor</a:t>
+            </a:r>
+            <a:r>
+              <a:rPr lang="it-IT" dirty="0"/>
+              <a:t>;</a:t>
+            </a:r>
+          </a:p>
+          <a:p>
+            <a:r>
+              <a:rPr lang="it-IT" dirty="0"/>
+              <a:t>The code </a:t>
+            </a:r>
+            <a:r>
+              <a:rPr lang="it-IT" dirty="0" err="1"/>
+              <a:t>generates</a:t>
+            </a:r>
+            <a:r>
+              <a:rPr lang="it-IT" dirty="0"/>
+              <a:t> a window to trigger the </a:t>
+            </a:r>
+            <a:r>
+              <a:rPr lang="it-IT" dirty="0" err="1"/>
+              <a:t>search</a:t>
+            </a:r>
+            <a:r>
+              <a:rPr lang="it-IT" dirty="0"/>
+              <a:t> for </a:t>
+            </a:r>
+            <a:r>
+              <a:rPr lang="it-IT" dirty="0" err="1"/>
+              <a:t>available</a:t>
+            </a:r>
+            <a:r>
+              <a:rPr lang="it-IT" dirty="0"/>
+              <a:t> BLE devices;</a:t>
+            </a:r>
+          </a:p>
+          <a:p>
+            <a:r>
+              <a:rPr lang="it-IT" dirty="0"/>
+              <a:t>No </a:t>
+            </a:r>
+            <a:r>
+              <a:rPr lang="it-IT" dirty="0" err="1"/>
+              <a:t>pairing</a:t>
+            </a:r>
+            <a:r>
+              <a:rPr lang="it-IT" dirty="0"/>
+              <a:t> </a:t>
+            </a:r>
+            <a:r>
+              <a:rPr lang="it-IT" dirty="0" err="1"/>
+              <a:t>is</a:t>
+            </a:r>
+            <a:r>
+              <a:rPr lang="it-IT" dirty="0"/>
+              <a:t> </a:t>
+            </a:r>
+            <a:r>
+              <a:rPr lang="it-IT" dirty="0" err="1"/>
+              <a:t>required</a:t>
+            </a:r>
+            <a:r>
+              <a:rPr lang="it-IT" dirty="0"/>
+              <a:t> by firmware, connection </a:t>
+            </a:r>
+            <a:r>
+              <a:rPr lang="it-IT" dirty="0" err="1"/>
+              <a:t>is</a:t>
+            </a:r>
+            <a:r>
+              <a:rPr lang="it-IT" dirty="0"/>
+              <a:t> </a:t>
+            </a:r>
+            <a:r>
+              <a:rPr lang="it-IT" dirty="0" err="1"/>
+              <a:t>established</a:t>
+            </a:r>
+            <a:r>
+              <a:rPr lang="it-IT" dirty="0"/>
+              <a:t>;</a:t>
+            </a:r>
           </a:p>
         </p:txBody>
       </p:sp>
     </p:spTree>
     <p:extLst>
       <p:ext uri="{BB962C8B-B14F-4D97-AF65-F5344CB8AC3E}">
-        <p14:creationId xmlns:p14="http://schemas.microsoft.com/office/powerpoint/2010/main" val="1883481224"/>
+        <p14:creationId xmlns:p14="http://schemas.microsoft.com/office/powerpoint/2010/main" val="956465476"/>
       </p:ext>
     </p:extLst>
   </p:cSld>
@@ -3615,7 +3739,7 @@
           <p:cNvPr id="2" name="Titolo 1">
             <a:extLst>
               <a:ext uri="{FF2B5EF4-FFF2-40B4-BE49-F238E27FC236}">
-                <a16:creationId xmlns:a16="http://schemas.microsoft.com/office/drawing/2014/main" id="{AF6847EA-2B09-47B7-B05C-7729BF43EC65}"/>
+                <a16:creationId xmlns:a16="http://schemas.microsoft.com/office/drawing/2014/main" id="{0740BA19-585A-4429-8AF2-C0D11D567417}"/>
               </a:ext>
             </a:extLst>
           </p:cNvPr>
@@ -3633,7 +3757,7 @@
           <a:p>
             <a:r>
               <a:rPr lang="it-IT" dirty="0"/>
-              <a:t>WAPI SYNTHETISER</a:t>
+              <a:t>PROCEDURE II</a:t>
             </a:r>
           </a:p>
         </p:txBody>
@@ -3643,7 +3767,7 @@
           <p:cNvPr id="3" name="Segnaposto contenuto 2">
             <a:extLst>
               <a:ext uri="{FF2B5EF4-FFF2-40B4-BE49-F238E27FC236}">
-                <a16:creationId xmlns:a16="http://schemas.microsoft.com/office/drawing/2014/main" id="{19E47CC5-0F38-40EA-B297-DD8B53E28268}"/>
+                <a16:creationId xmlns:a16="http://schemas.microsoft.com/office/drawing/2014/main" id="{CFCA187B-5127-4D6C-BF91-79BE8F7E784F}"/>
               </a:ext>
             </a:extLst>
           </p:cNvPr>
@@ -3661,41 +3785,244 @@
           <a:p>
             <a:r>
               <a:rPr lang="it-IT" dirty="0"/>
-              <a:t>Schema a blocchi, in sintesi: spiegazione blocchi e allacciamenti</a:t>
-            </a:r>
-          </a:p>
-          <a:p>
-            <a:r>
-              <a:rPr lang="it-IT" dirty="0" err="1"/>
-              <a:t>Parameters</a:t>
-            </a:r>
-            <a:r>
-              <a:rPr lang="it-IT" dirty="0"/>
-              <a:t> can be </a:t>
-            </a:r>
-            <a:r>
-              <a:rPr lang="it-IT" dirty="0" err="1"/>
-              <a:t>modified</a:t>
-            </a:r>
-            <a:r>
-              <a:rPr lang="it-IT" dirty="0"/>
-              <a:t> on screen. Elenco </a:t>
-            </a:r>
-            <a:r>
-              <a:rPr lang="it-IT" dirty="0" err="1"/>
-              <a:t>parameters</a:t>
-            </a:r>
-            <a:r>
-              <a:rPr lang="it-IT" dirty="0"/>
-              <a:t> magari rimandando nella INTERFACE seconda pagina</a:t>
-            </a:r>
+              <a:t>A </a:t>
+            </a:r>
+            <a:r>
+              <a:rPr lang="it-IT" dirty="0" err="1"/>
+              <a:t>seventh</a:t>
+            </a:r>
+            <a:r>
+              <a:rPr lang="it-IT" dirty="0"/>
+              <a:t> </a:t>
+            </a:r>
+            <a:r>
+              <a:rPr lang="it-IT" dirty="0" err="1"/>
+              <a:t>chord</a:t>
+            </a:r>
+            <a:r>
+              <a:rPr lang="it-IT" dirty="0"/>
+              <a:t> </a:t>
+            </a:r>
+            <a:r>
+              <a:rPr lang="it-IT" dirty="0" err="1"/>
+              <a:t>is</a:t>
+            </a:r>
+            <a:r>
+              <a:rPr lang="it-IT" dirty="0"/>
+              <a:t> </a:t>
+            </a:r>
+            <a:r>
+              <a:rPr lang="it-IT" dirty="0" err="1"/>
+              <a:t>played</a:t>
+            </a:r>
+            <a:r>
+              <a:rPr lang="it-IT" dirty="0"/>
+              <a:t> on the MIDI </a:t>
+            </a:r>
+            <a:r>
+              <a:rPr lang="it-IT" dirty="0" err="1"/>
+              <a:t>keyboard</a:t>
+            </a:r>
+            <a:r>
+              <a:rPr lang="it-IT" dirty="0"/>
+              <a:t>;</a:t>
+            </a:r>
+          </a:p>
+          <a:p>
+            <a:r>
+              <a:rPr lang="it-IT" dirty="0"/>
+              <a:t>MIDI notes are </a:t>
+            </a:r>
+            <a:r>
+              <a:rPr lang="it-IT" dirty="0" err="1"/>
+              <a:t>scanned</a:t>
+            </a:r>
+            <a:r>
+              <a:rPr lang="it-IT" dirty="0"/>
+              <a:t>; </a:t>
+            </a:r>
+          </a:p>
+          <a:p>
+            <a:r>
+              <a:rPr lang="it-IT" dirty="0"/>
+              <a:t>The </a:t>
+            </a:r>
+            <a:r>
+              <a:rPr lang="it-IT" dirty="0" err="1"/>
+              <a:t>lowest</a:t>
+            </a:r>
+            <a:r>
+              <a:rPr lang="it-IT" dirty="0"/>
+              <a:t> </a:t>
+            </a:r>
+            <a:r>
+              <a:rPr lang="it-IT" dirty="0" err="1"/>
+              <a:t>is</a:t>
+            </a:r>
+            <a:r>
+              <a:rPr lang="it-IT" dirty="0"/>
+              <a:t> </a:t>
+            </a:r>
+            <a:r>
+              <a:rPr lang="it-IT" dirty="0" err="1"/>
+              <a:t>supposed</a:t>
+            </a:r>
+            <a:r>
+              <a:rPr lang="it-IT" dirty="0"/>
+              <a:t> </a:t>
+            </a:r>
+            <a:r>
+              <a:rPr lang="it-IT" dirty="0" err="1"/>
+              <a:t>as</a:t>
+            </a:r>
+            <a:r>
+              <a:rPr lang="it-IT" dirty="0"/>
+              <a:t> root;</a:t>
+            </a:r>
+          </a:p>
+          <a:p>
+            <a:r>
+              <a:rPr lang="it-IT" dirty="0"/>
+              <a:t>The </a:t>
+            </a:r>
+            <a:r>
+              <a:rPr lang="it-IT" dirty="0" err="1"/>
+              <a:t>seven</a:t>
+            </a:r>
+            <a:r>
+              <a:rPr lang="it-IT" dirty="0"/>
+              <a:t> </a:t>
+            </a:r>
+            <a:r>
+              <a:rPr lang="it-IT" dirty="0" err="1"/>
+              <a:t>modes</a:t>
+            </a:r>
+            <a:r>
+              <a:rPr lang="it-IT" dirty="0"/>
+              <a:t> are </a:t>
+            </a:r>
+            <a:r>
+              <a:rPr lang="it-IT" dirty="0" err="1"/>
+              <a:t>generated</a:t>
+            </a:r>
+            <a:r>
+              <a:rPr lang="it-IT" dirty="0"/>
+              <a:t> </a:t>
+            </a:r>
+            <a:r>
+              <a:rPr lang="it-IT" dirty="0" err="1"/>
+              <a:t>starting</a:t>
+            </a:r>
+            <a:r>
+              <a:rPr lang="it-IT" dirty="0"/>
+              <a:t> from the root note;</a:t>
+            </a:r>
+          </a:p>
+          <a:p>
+            <a:r>
+              <a:rPr lang="it-IT" dirty="0"/>
+              <a:t>Matches </a:t>
+            </a:r>
+            <a:r>
+              <a:rPr lang="it-IT" dirty="0" err="1"/>
+              <a:t>between</a:t>
+            </a:r>
+            <a:r>
+              <a:rPr lang="it-IT" dirty="0"/>
+              <a:t> the </a:t>
+            </a:r>
+            <a:r>
+              <a:rPr lang="it-IT" dirty="0" err="1"/>
+              <a:t>scales</a:t>
+            </a:r>
+            <a:r>
+              <a:rPr lang="it-IT" dirty="0"/>
+              <a:t> and the </a:t>
+            </a:r>
+            <a:r>
+              <a:rPr lang="it-IT" dirty="0" err="1"/>
+              <a:t>chord</a:t>
+            </a:r>
+            <a:r>
+              <a:rPr lang="it-IT" dirty="0"/>
+              <a:t> notes are </a:t>
+            </a:r>
+            <a:r>
+              <a:rPr lang="it-IT" dirty="0" err="1"/>
+              <a:t>found</a:t>
+            </a:r>
+            <a:r>
+              <a:rPr lang="it-IT" dirty="0"/>
+              <a:t>;</a:t>
+            </a:r>
+          </a:p>
+          <a:p>
+            <a:r>
+              <a:rPr lang="it-IT" dirty="0"/>
+              <a:t>Two </a:t>
+            </a:r>
+            <a:r>
+              <a:rPr lang="it-IT" dirty="0" err="1"/>
+              <a:t>darkest</a:t>
+            </a:r>
+            <a:r>
+              <a:rPr lang="it-IT" dirty="0"/>
+              <a:t> </a:t>
+            </a:r>
+            <a:r>
+              <a:rPr lang="it-IT" dirty="0" err="1"/>
+              <a:t>scales</a:t>
+            </a:r>
+            <a:r>
+              <a:rPr lang="it-IT" dirty="0"/>
+              <a:t> from 2nd </a:t>
+            </a:r>
+            <a:r>
+              <a:rPr lang="it-IT" dirty="0" err="1"/>
+              <a:t>octave</a:t>
+            </a:r>
+            <a:r>
+              <a:rPr lang="it-IT" dirty="0"/>
+              <a:t> to 4th </a:t>
+            </a:r>
+            <a:r>
+              <a:rPr lang="it-IT" dirty="0" err="1"/>
+              <a:t>octave</a:t>
+            </a:r>
+            <a:r>
+              <a:rPr lang="it-IT" dirty="0"/>
+              <a:t> are </a:t>
+            </a:r>
+            <a:r>
+              <a:rPr lang="it-IT" dirty="0" err="1"/>
+              <a:t>returned</a:t>
+            </a:r>
+            <a:r>
+              <a:rPr lang="it-IT" dirty="0"/>
+              <a:t>.</a:t>
+            </a:r>
+          </a:p>
+          <a:p>
+            <a:endParaRPr lang="it-IT" dirty="0"/>
+          </a:p>
+          <a:p>
+            <a:endParaRPr lang="it-IT" dirty="0"/>
+          </a:p>
+          <a:p>
+            <a:pPr marL="0" indent="0">
+              <a:buNone/>
+            </a:pPr>
+            <a:endParaRPr lang="it-IT" u="sng" dirty="0"/>
+          </a:p>
+          <a:p>
+            <a:endParaRPr lang="it-IT" dirty="0"/>
           </a:p>
         </p:txBody>
       </p:sp>
     </p:spTree>
     <p:extLst>
       <p:ext uri="{BB962C8B-B14F-4D97-AF65-F5344CB8AC3E}">
-        <p14:creationId xmlns:p14="http://schemas.microsoft.com/office/powerpoint/2010/main" val="1723380672"/>
+        <p14:creationId xmlns:p14="http://schemas.microsoft.com/office/powerpoint/2010/main" val="711612120"/>
       </p:ext>
     </p:extLst>
   </p:cSld>
@@ -3727,7 +4054,7 @@
           <p:cNvPr id="2" name="Titolo 1">
             <a:extLst>
               <a:ext uri="{FF2B5EF4-FFF2-40B4-BE49-F238E27FC236}">
-                <a16:creationId xmlns:a16="http://schemas.microsoft.com/office/drawing/2014/main" id="{AD1B541A-7727-4028-AE57-42FD57279D25}"/>
+                <a16:creationId xmlns:a16="http://schemas.microsoft.com/office/drawing/2014/main" id="{88A760AD-A7AE-41E6-B31F-B597C7491C57}"/>
               </a:ext>
             </a:extLst>
           </p:cNvPr>
@@ -3745,7 +4072,7 @@
           <a:p>
             <a:r>
               <a:rPr lang="it-IT" dirty="0"/>
-              <a:t>INTERFACE</a:t>
+              <a:t>ENVIRONMENT</a:t>
             </a:r>
           </a:p>
         </p:txBody>
@@ -3755,7 +4082,7 @@
           <p:cNvPr id="3" name="Segnaposto contenuto 2">
             <a:extLst>
               <a:ext uri="{FF2B5EF4-FFF2-40B4-BE49-F238E27FC236}">
-                <a16:creationId xmlns:a16="http://schemas.microsoft.com/office/drawing/2014/main" id="{085BC59A-20CF-4C29-847B-9C2A998BB5D7}"/>
+                <a16:creationId xmlns:a16="http://schemas.microsoft.com/office/drawing/2014/main" id="{79149D62-AD19-4502-948C-69969C1924BD}"/>
               </a:ext>
             </a:extLst>
           </p:cNvPr>
@@ -3768,331 +4095,62 @@
         </p:nvSpPr>
         <p:spPr/>
         <p:txBody>
-          <a:bodyPr>
-            <a:normAutofit/>
-          </a:bodyPr>
-          <a:lstStyle/>
-          <a:p>
-            <a:r>
-              <a:rPr lang="it-IT" dirty="0"/>
-              <a:t>Wide screen: </a:t>
-            </a:r>
-            <a:r>
-              <a:rPr lang="it-IT" dirty="0" err="1"/>
-              <a:t>where</a:t>
-            </a:r>
-            <a:r>
-              <a:rPr lang="it-IT" dirty="0"/>
-              <a:t> </a:t>
-            </a:r>
-            <a:r>
-              <a:rPr lang="it-IT" dirty="0" err="1"/>
-              <a:t>melodic</a:t>
-            </a:r>
-            <a:r>
-              <a:rPr lang="it-IT" dirty="0"/>
-              <a:t> </a:t>
-            </a:r>
-            <a:r>
-              <a:rPr lang="it-IT" dirty="0" err="1"/>
-              <a:t>contour</a:t>
-            </a:r>
-            <a:r>
-              <a:rPr lang="it-IT" dirty="0"/>
-              <a:t> </a:t>
-            </a:r>
-            <a:r>
-              <a:rPr lang="it-IT" dirty="0" err="1"/>
-              <a:t>is</a:t>
-            </a:r>
-            <a:r>
-              <a:rPr lang="it-IT" dirty="0"/>
-              <a:t> </a:t>
-            </a:r>
-            <a:r>
-              <a:rPr lang="it-IT" dirty="0" err="1"/>
-              <a:t>visualized</a:t>
-            </a:r>
-            <a:r>
-              <a:rPr lang="it-IT" dirty="0"/>
-              <a:t>. Head of trace </a:t>
-            </a:r>
-            <a:r>
-              <a:rPr lang="it-IT" dirty="0" err="1"/>
-              <a:t>dimension</a:t>
-            </a:r>
-            <a:r>
-              <a:rPr lang="it-IT" dirty="0"/>
-              <a:t> </a:t>
-            </a:r>
-            <a:r>
-              <a:rPr lang="it-IT" dirty="0" err="1"/>
-              <a:t>varies</a:t>
-            </a:r>
-            <a:r>
-              <a:rPr lang="it-IT" dirty="0"/>
-              <a:t> on </a:t>
-            </a:r>
-            <a:r>
-              <a:rPr lang="it-IT" dirty="0" err="1"/>
-              <a:t>wrist</a:t>
-            </a:r>
-            <a:r>
-              <a:rPr lang="it-IT" dirty="0"/>
-              <a:t> </a:t>
-            </a:r>
-            <a:r>
-              <a:rPr lang="it-IT" dirty="0" err="1"/>
-              <a:t>postion</a:t>
-            </a:r>
-            <a:r>
-              <a:rPr lang="it-IT" dirty="0"/>
+          <a:bodyPr/>
+          <a:lstStyle/>
+          <a:p>
+            <a:r>
+              <a:rPr lang="en-US" dirty="0" err="1"/>
+              <a:t>MicroSphere</a:t>
+            </a:r>
+            <a:r>
+              <a:rPr lang="en-US" dirty="0"/>
+              <a:t> is a web application;</a:t>
+            </a:r>
+          </a:p>
+          <a:p>
+            <a:r>
+              <a:rPr lang="en-US" dirty="0"/>
+              <a:t>Languages used for coding are: </a:t>
+            </a:r>
+            <a:r>
+              <a:rPr lang="en-US" dirty="0" err="1"/>
+              <a:t>javascript</a:t>
+            </a:r>
+            <a:r>
+              <a:rPr lang="en-US" dirty="0"/>
               <a:t>, </a:t>
             </a:r>
             <a:r>
-              <a:rPr lang="it-IT" dirty="0" err="1"/>
-              <a:t>associated</a:t>
-            </a:r>
-            <a:r>
-              <a:rPr lang="it-IT" dirty="0"/>
-              <a:t> with scale </a:t>
-            </a:r>
-            <a:r>
-              <a:rPr lang="it-IT" dirty="0" err="1"/>
-              <a:t>brightness</a:t>
-            </a:r>
-            <a:r>
-              <a:rPr lang="it-IT" dirty="0"/>
-              <a:t>. Head of trace position </a:t>
-            </a:r>
-            <a:r>
-              <a:rPr lang="it-IT" dirty="0" err="1"/>
-              <a:t>depends</a:t>
-            </a:r>
-            <a:r>
-              <a:rPr lang="it-IT" dirty="0"/>
-              <a:t> on </a:t>
-            </a:r>
-            <a:r>
-              <a:rPr lang="it-IT" dirty="0" err="1"/>
-              <a:t>note’s</a:t>
-            </a:r>
-            <a:r>
-              <a:rPr lang="it-IT" dirty="0"/>
-              <a:t> </a:t>
-            </a:r>
-            <a:r>
-              <a:rPr lang="it-IT" dirty="0" err="1"/>
-              <a:t>keyboard</a:t>
-            </a:r>
-            <a:r>
-              <a:rPr lang="it-IT" dirty="0"/>
-              <a:t> position. Trace </a:t>
-            </a:r>
-            <a:r>
-              <a:rPr lang="it-IT" dirty="0" err="1"/>
-              <a:t>depends</a:t>
-            </a:r>
-            <a:r>
-              <a:rPr lang="it-IT" dirty="0"/>
-              <a:t> on </a:t>
-            </a:r>
-            <a:r>
-              <a:rPr lang="it-IT" dirty="0" err="1"/>
-              <a:t>selected</a:t>
-            </a:r>
-            <a:r>
-              <a:rPr lang="it-IT" dirty="0"/>
-              <a:t> scale.</a:t>
-            </a:r>
-          </a:p>
-          <a:p>
-            <a:r>
-              <a:rPr lang="it-IT" dirty="0"/>
-              <a:t>«MIDI» led: on </a:t>
-            </a:r>
-            <a:r>
-              <a:rPr lang="it-IT" dirty="0" err="1"/>
-              <a:t>if</a:t>
-            </a:r>
-            <a:r>
-              <a:rPr lang="it-IT" dirty="0"/>
-              <a:t> MIDI notes are </a:t>
-            </a:r>
-            <a:r>
-              <a:rPr lang="it-IT" dirty="0" err="1"/>
-              <a:t>received</a:t>
-            </a:r>
-            <a:r>
-              <a:rPr lang="it-IT" dirty="0"/>
-              <a:t> from </a:t>
-            </a:r>
-            <a:r>
-              <a:rPr lang="it-IT" dirty="0" err="1"/>
-              <a:t>keyboard</a:t>
-            </a:r>
-            <a:r>
-              <a:rPr lang="it-IT" dirty="0"/>
-              <a:t>;</a:t>
-            </a:r>
-          </a:p>
-          <a:p>
-            <a:r>
-              <a:rPr lang="it-IT" dirty="0"/>
-              <a:t>«</a:t>
-            </a:r>
-            <a:r>
-              <a:rPr lang="it-IT" dirty="0" err="1"/>
-              <a:t>Search</a:t>
-            </a:r>
-            <a:r>
-              <a:rPr lang="it-IT" dirty="0"/>
-              <a:t> device» </a:t>
-            </a:r>
-            <a:r>
-              <a:rPr lang="it-IT" dirty="0" err="1"/>
-              <a:t>button</a:t>
-            </a:r>
-            <a:r>
-              <a:rPr lang="it-IT" dirty="0"/>
-              <a:t>: BLE connection routine </a:t>
-            </a:r>
-            <a:r>
-              <a:rPr lang="it-IT" dirty="0" err="1"/>
-              <a:t>begins</a:t>
-            </a:r>
-            <a:r>
-              <a:rPr lang="it-IT" dirty="0"/>
-              <a:t>;</a:t>
-            </a:r>
-          </a:p>
-          <a:p>
-            <a:r>
-              <a:rPr lang="it-IT" dirty="0"/>
-              <a:t>«</a:t>
-            </a:r>
-            <a:r>
-              <a:rPr lang="it-IT" dirty="0" err="1"/>
-              <a:t>Fullscreen</a:t>
-            </a:r>
-            <a:r>
-              <a:rPr lang="it-IT" dirty="0"/>
-              <a:t>» </a:t>
-            </a:r>
-            <a:r>
-              <a:rPr lang="it-IT" dirty="0" err="1"/>
-              <a:t>button</a:t>
-            </a:r>
-            <a:r>
-              <a:rPr lang="it-IT" dirty="0"/>
-              <a:t>: </a:t>
-            </a:r>
-            <a:r>
-              <a:rPr lang="it-IT" dirty="0" err="1"/>
-              <a:t>visualization</a:t>
-            </a:r>
-            <a:r>
-              <a:rPr lang="it-IT" dirty="0"/>
-              <a:t> page </a:t>
-            </a:r>
-            <a:r>
-              <a:rPr lang="it-IT" dirty="0" err="1"/>
-              <a:t>goes</a:t>
-            </a:r>
-            <a:r>
-              <a:rPr lang="it-IT" dirty="0"/>
-              <a:t> full screen;</a:t>
-            </a:r>
-          </a:p>
-          <a:p>
-            <a:r>
-              <a:rPr lang="it-IT" dirty="0"/>
-              <a:t>«Start» </a:t>
-            </a:r>
-            <a:r>
-              <a:rPr lang="it-IT" dirty="0" err="1"/>
-              <a:t>button</a:t>
-            </a:r>
-            <a:r>
-              <a:rPr lang="it-IT" dirty="0"/>
-              <a:t>: </a:t>
-            </a:r>
-            <a:r>
-              <a:rPr lang="it-IT" dirty="0" err="1"/>
-              <a:t>melodic</a:t>
-            </a:r>
-            <a:r>
-              <a:rPr lang="it-IT" dirty="0"/>
-              <a:t> </a:t>
-            </a:r>
-            <a:r>
-              <a:rPr lang="it-IT" dirty="0" err="1"/>
-              <a:t>contour</a:t>
-            </a:r>
-            <a:r>
-              <a:rPr lang="it-IT" dirty="0"/>
-              <a:t> </a:t>
-            </a:r>
-            <a:r>
-              <a:rPr lang="it-IT" dirty="0" err="1"/>
-              <a:t>visualization</a:t>
-            </a:r>
-            <a:r>
-              <a:rPr lang="it-IT" dirty="0"/>
-              <a:t> </a:t>
-            </a:r>
-            <a:r>
-              <a:rPr lang="it-IT" dirty="0" err="1"/>
-              <a:t>begins</a:t>
-            </a:r>
-            <a:r>
-              <a:rPr lang="it-IT" dirty="0"/>
-              <a:t>;</a:t>
-            </a:r>
-          </a:p>
-          <a:p>
-            <a:r>
-              <a:rPr lang="it-IT" dirty="0"/>
-              <a:t>«Reset» </a:t>
-            </a:r>
-            <a:r>
-              <a:rPr lang="it-IT" dirty="0" err="1"/>
-              <a:t>button</a:t>
-            </a:r>
-            <a:r>
-              <a:rPr lang="it-IT" dirty="0"/>
-              <a:t>: </a:t>
-            </a:r>
-            <a:r>
-              <a:rPr lang="it-IT" dirty="0" err="1"/>
-              <a:t>melodic</a:t>
-            </a:r>
-            <a:r>
-              <a:rPr lang="it-IT" dirty="0"/>
-              <a:t> </a:t>
-            </a:r>
-            <a:r>
-              <a:rPr lang="it-IT" dirty="0" err="1"/>
-              <a:t>contour</a:t>
-            </a:r>
-            <a:r>
-              <a:rPr lang="it-IT" dirty="0"/>
-              <a:t> </a:t>
-            </a:r>
-            <a:r>
-              <a:rPr lang="it-IT" dirty="0" err="1"/>
-              <a:t>visualization</a:t>
-            </a:r>
-            <a:r>
-              <a:rPr lang="it-IT" dirty="0"/>
-              <a:t> resets;</a:t>
-            </a:r>
-          </a:p>
-          <a:p>
-            <a:endParaRPr lang="it-IT" dirty="0"/>
-          </a:p>
-          <a:p>
-            <a:endParaRPr lang="it-IT" dirty="0"/>
+              <a:rPr lang="en-US" dirty="0" err="1"/>
+              <a:t>css</a:t>
+            </a:r>
+            <a:r>
+              <a:rPr lang="en-US" dirty="0"/>
+              <a:t> and html;</a:t>
+            </a:r>
+          </a:p>
+          <a:p>
+            <a:r>
+              <a:rPr lang="en-US" dirty="0"/>
+              <a:t>Google Chrome is needed to launch the program. Google’s browser is the only one supporting experimental browser features, needed for BLE connection;</a:t>
+            </a:r>
+          </a:p>
+          <a:p>
+            <a:r>
+              <a:rPr lang="en-US" dirty="0"/>
+              <a:t>Firmware in </a:t>
+            </a:r>
+            <a:r>
+              <a:rPr lang="en-US" dirty="0" err="1"/>
+              <a:t>Microbit</a:t>
+            </a:r>
+            <a:r>
+              <a:rPr lang="en-US" dirty="0"/>
+              <a:t> is the Lancaster University one, developers of the microprocessor.</a:t>
+            </a:r>
+          </a:p>
+          <a:p>
+            <a:endParaRPr lang="en-US" dirty="0"/>
           </a:p>
           <a:p>
             <a:endParaRPr lang="it-IT" dirty="0"/>
@@ -4105,7 +4163,7 @@
     </p:spTree>
     <p:extLst>
       <p:ext uri="{BB962C8B-B14F-4D97-AF65-F5344CB8AC3E}">
-        <p14:creationId xmlns:p14="http://schemas.microsoft.com/office/powerpoint/2010/main" val="648862868"/>
+        <p14:creationId xmlns:p14="http://schemas.microsoft.com/office/powerpoint/2010/main" val="1883481224"/>
       </p:ext>
     </p:extLst>
   </p:cSld>
@@ -4137,7 +4195,7 @@
           <p:cNvPr id="2" name="Titolo 1">
             <a:extLst>
               <a:ext uri="{FF2B5EF4-FFF2-40B4-BE49-F238E27FC236}">
-                <a16:creationId xmlns:a16="http://schemas.microsoft.com/office/drawing/2014/main" id="{9E00D50B-E546-4A97-8E91-3B5BBF9863BA}"/>
+                <a16:creationId xmlns:a16="http://schemas.microsoft.com/office/drawing/2014/main" id="{AF6847EA-2B09-47B7-B05C-7729BF43EC65}"/>
               </a:ext>
             </a:extLst>
           </p:cNvPr>
@@ -4148,294 +4206,64 @@
             <p:ph type="title"/>
           </p:nvPr>
         </p:nvSpPr>
-        <p:spPr/>
-        <p:txBody>
-          <a:bodyPr/>
-          <a:lstStyle/>
-          <a:p>
-            <a:r>
-              <a:rPr lang="it-IT" dirty="0"/>
-              <a:t>INTERFACE</a:t>
-            </a:r>
-          </a:p>
-        </p:txBody>
-      </p:sp>
-      <p:sp>
-        <p:nvSpPr>
-          <p:cNvPr id="3" name="Segnaposto contenuto 2">
-            <a:extLst>
-              <a:ext uri="{FF2B5EF4-FFF2-40B4-BE49-F238E27FC236}">
-                <a16:creationId xmlns:a16="http://schemas.microsoft.com/office/drawing/2014/main" id="{E89F8880-69B1-44C5-A746-0CAE59B7F1F0}"/>
-              </a:ext>
-            </a:extLst>
-          </p:cNvPr>
-          <p:cNvSpPr>
-            <a:spLocks noGrp="1"/>
-          </p:cNvSpPr>
-          <p:nvPr>
-            <p:ph idx="1"/>
-          </p:nvPr>
-        </p:nvSpPr>
         <p:spPr>
           <a:xfrm>
-            <a:off x="838200" y="1825625"/>
-            <a:ext cx="10515600" cy="4351338"/>
+            <a:off x="2581275" y="2766218"/>
+            <a:ext cx="7029450" cy="1325563"/>
           </a:xfrm>
         </p:spPr>
         <p:txBody>
-          <a:bodyPr>
-            <a:normAutofit fontScale="85000" lnSpcReduction="20000"/>
+          <a:bodyPr/>
+          <a:lstStyle/>
+          <a:p>
+            <a:pPr algn="ctr"/>
+            <a:r>
+              <a:rPr lang="it-IT" dirty="0"/>
+              <a:t>WAPI SYNTHETISER</a:t>
+            </a:r>
+          </a:p>
+        </p:txBody>
+      </p:sp>
+      <p:sp>
+        <p:nvSpPr>
+          <p:cNvPr id="4" name="CasellaDiTesto 3">
+            <a:extLst>
+              <a:ext uri="{FF2B5EF4-FFF2-40B4-BE49-F238E27FC236}">
+                <a16:creationId xmlns:a16="http://schemas.microsoft.com/office/drawing/2014/main" id="{B341C5D7-3BF3-4886-8A32-E61ACDEF8E11}"/>
+              </a:ext>
+            </a:extLst>
+          </p:cNvPr>
+          <p:cNvSpPr txBox="1"/>
+          <p:nvPr/>
+        </p:nvSpPr>
+        <p:spPr>
+          <a:xfrm>
+            <a:off x="3438525" y="3762375"/>
+            <a:ext cx="5257800" cy="369332"/>
+          </a:xfrm>
+          <a:prstGeom prst="rect">
+            <a:avLst/>
+          </a:prstGeom>
+          <a:noFill/>
+        </p:spPr>
+        <p:txBody>
+          <a:bodyPr wrap="square" rtlCol="0">
+            <a:spAutoFit/>
           </a:bodyPr>
           <a:lstStyle/>
           <a:p>
-            <a:r>
-              <a:rPr lang="it-IT" dirty="0"/>
-              <a:t>A </a:t>
-            </a:r>
-            <a:r>
-              <a:rPr lang="it-IT" dirty="0" err="1"/>
-              <a:t>keyboard</a:t>
-            </a:r>
-            <a:r>
-              <a:rPr lang="it-IT" dirty="0"/>
-              <a:t> from X </a:t>
-            </a:r>
-            <a:r>
-              <a:rPr lang="it-IT" dirty="0" err="1"/>
-              <a:t>octave</a:t>
-            </a:r>
-            <a:r>
-              <a:rPr lang="it-IT" dirty="0"/>
-              <a:t> to Y </a:t>
-            </a:r>
-            <a:r>
-              <a:rPr lang="it-IT" dirty="0" err="1"/>
-              <a:t>octave</a:t>
-            </a:r>
-            <a:r>
-              <a:rPr lang="it-IT" dirty="0"/>
-              <a:t> displays </a:t>
-            </a:r>
-            <a:r>
-              <a:rPr lang="it-IT" dirty="0" err="1"/>
-              <a:t>which</a:t>
-            </a:r>
-            <a:r>
-              <a:rPr lang="it-IT" dirty="0"/>
-              <a:t> piano notes are </a:t>
-            </a:r>
-            <a:r>
-              <a:rPr lang="it-IT" dirty="0" err="1"/>
-              <a:t>played</a:t>
-            </a:r>
-            <a:r>
-              <a:rPr lang="it-IT" dirty="0"/>
-              <a:t>.</a:t>
-            </a:r>
-          </a:p>
-          <a:p>
-            <a:pPr marL="0" indent="0">
-              <a:buNone/>
-            </a:pPr>
-            <a:endParaRPr lang="it-IT" dirty="0"/>
-          </a:p>
-          <a:p>
-            <a:pPr marL="0" indent="0">
-              <a:buNone/>
-            </a:pPr>
-            <a:r>
-              <a:rPr lang="it-IT" sz="3600" dirty="0">
-                <a:latin typeface="+mj-lt"/>
-              </a:rPr>
-              <a:t>INTERFACE: CONTROL PANEL</a:t>
-            </a:r>
-          </a:p>
-          <a:p>
-            <a:r>
-              <a:rPr lang="it-IT" sz="3600" dirty="0">
-                <a:latin typeface="+mj-lt"/>
-              </a:rPr>
-              <a:t>«</a:t>
-            </a:r>
-            <a:r>
-              <a:rPr lang="it-IT" sz="3600" dirty="0" err="1">
-                <a:latin typeface="+mj-lt"/>
-              </a:rPr>
-              <a:t>Osc</a:t>
-            </a:r>
-            <a:r>
-              <a:rPr lang="it-IT" sz="3600" dirty="0">
-                <a:latin typeface="+mj-lt"/>
-              </a:rPr>
-              <a:t>. </a:t>
-            </a:r>
-            <a:r>
-              <a:rPr lang="it-IT" sz="3600" dirty="0" err="1">
-                <a:latin typeface="+mj-lt"/>
-              </a:rPr>
-              <a:t>Waveform</a:t>
-            </a:r>
-            <a:r>
-              <a:rPr lang="it-IT" sz="3600" dirty="0">
-                <a:latin typeface="+mj-lt"/>
-              </a:rPr>
-              <a:t>» slider </a:t>
-            </a:r>
-          </a:p>
-          <a:p>
-            <a:r>
-              <a:rPr lang="it-IT" sz="3600" dirty="0">
-                <a:latin typeface="+mj-lt"/>
-              </a:rPr>
-              <a:t>«</a:t>
-            </a:r>
-            <a:r>
-              <a:rPr lang="it-IT" sz="3600" dirty="0" err="1">
-                <a:latin typeface="+mj-lt"/>
-              </a:rPr>
-              <a:t>Mod</a:t>
-            </a:r>
-            <a:r>
-              <a:rPr lang="it-IT" sz="3600" dirty="0">
-                <a:latin typeface="+mj-lt"/>
-              </a:rPr>
-              <a:t> </a:t>
-            </a:r>
-            <a:r>
-              <a:rPr lang="it-IT" sz="3600" dirty="0" err="1">
-                <a:latin typeface="+mj-lt"/>
-              </a:rPr>
-              <a:t>waveform</a:t>
-            </a:r>
-            <a:r>
-              <a:rPr lang="it-IT" sz="3600" dirty="0">
-                <a:latin typeface="+mj-lt"/>
-              </a:rPr>
-              <a:t>» slider</a:t>
-            </a:r>
-          </a:p>
-          <a:p>
-            <a:r>
-              <a:rPr lang="it-IT" sz="3600" dirty="0">
-                <a:latin typeface="+mj-lt"/>
-              </a:rPr>
-              <a:t>«Master» fader</a:t>
-            </a:r>
-          </a:p>
-          <a:p>
-            <a:r>
-              <a:rPr lang="it-IT" sz="3600" dirty="0">
-                <a:latin typeface="+mj-lt"/>
-              </a:rPr>
-              <a:t> «</a:t>
-            </a:r>
-            <a:r>
-              <a:rPr lang="it-IT" sz="3600" dirty="0" err="1">
-                <a:latin typeface="+mj-lt"/>
-              </a:rPr>
-              <a:t>Distortion</a:t>
-            </a:r>
-            <a:r>
-              <a:rPr lang="it-IT" sz="3600" dirty="0">
-                <a:latin typeface="+mj-lt"/>
-              </a:rPr>
-              <a:t>» controls: </a:t>
-            </a:r>
-            <a:r>
-              <a:rPr lang="it-IT" sz="3600" dirty="0" err="1">
-                <a:latin typeface="+mj-lt"/>
-              </a:rPr>
-              <a:t>drove</a:t>
-            </a:r>
-            <a:r>
-              <a:rPr lang="it-IT" sz="3600" dirty="0">
-                <a:latin typeface="+mj-lt"/>
-              </a:rPr>
-              <a:t>, </a:t>
-            </a:r>
-            <a:r>
-              <a:rPr lang="it-IT" sz="3600" dirty="0" err="1">
-                <a:latin typeface="+mj-lt"/>
-              </a:rPr>
-              <a:t>dist</a:t>
-            </a:r>
-            <a:r>
-              <a:rPr lang="it-IT" sz="3600" dirty="0">
-                <a:latin typeface="+mj-lt"/>
-              </a:rPr>
-              <a:t> curve, q </a:t>
-            </a:r>
-            <a:r>
-              <a:rPr lang="it-IT" sz="3600" dirty="0" err="1">
-                <a:latin typeface="+mj-lt"/>
-              </a:rPr>
-              <a:t>factor</a:t>
-            </a:r>
-            <a:r>
-              <a:rPr lang="it-IT" sz="3600" dirty="0">
-                <a:latin typeface="+mj-lt"/>
-              </a:rPr>
-              <a:t>, </a:t>
-            </a:r>
-            <a:r>
-              <a:rPr lang="it-IT" sz="3600" dirty="0" err="1">
-                <a:latin typeface="+mj-lt"/>
-              </a:rPr>
-              <a:t>oversample</a:t>
-            </a:r>
-            <a:r>
-              <a:rPr lang="it-IT" sz="3600" dirty="0">
-                <a:latin typeface="+mj-lt"/>
-              </a:rPr>
-              <a:t>…. Space: delay time, delay gain, </a:t>
-            </a:r>
-            <a:r>
-              <a:rPr lang="it-IT" sz="3600" dirty="0" err="1">
-                <a:latin typeface="+mj-lt"/>
-              </a:rPr>
-              <a:t>reverb</a:t>
-            </a:r>
-            <a:endParaRPr lang="it-IT" sz="3600" dirty="0">
-              <a:latin typeface="+mj-lt"/>
-            </a:endParaRPr>
-          </a:p>
-          <a:p>
-            <a:pPr marL="0" indent="0">
-              <a:buNone/>
-            </a:pPr>
-            <a:endParaRPr lang="it-IT" sz="4400" dirty="0">
-              <a:latin typeface="+mj-lt"/>
-            </a:endParaRPr>
-          </a:p>
-          <a:p>
-            <a:r>
-              <a:rPr lang="it-IT" dirty="0"/>
-              <a:t>Elenco parametri synth e </a:t>
-            </a:r>
-            <a:r>
-              <a:rPr lang="it-IT" dirty="0" err="1"/>
-              <a:t>ultrabreve</a:t>
-            </a:r>
-            <a:r>
-              <a:rPr lang="it-IT" dirty="0"/>
-              <a:t> spiegazione</a:t>
-            </a:r>
-          </a:p>
-          <a:p>
-            <a:endParaRPr lang="it-IT" dirty="0"/>
-          </a:p>
-          <a:p>
-            <a:pPr marL="0" indent="0">
-              <a:buNone/>
-            </a:pPr>
-            <a:endParaRPr lang="it-IT" dirty="0"/>
+            <a:pPr algn="ctr"/>
+            <a:r>
+              <a:rPr lang="it-IT" dirty="0"/>
+              <a:t>BLOCK DIAGRAM</a:t>
+            </a:r>
           </a:p>
         </p:txBody>
       </p:sp>
     </p:spTree>
     <p:extLst>
       <p:ext uri="{BB962C8B-B14F-4D97-AF65-F5344CB8AC3E}">
-        <p14:creationId xmlns:p14="http://schemas.microsoft.com/office/powerpoint/2010/main" val="513937650"/>
+        <p14:creationId xmlns:p14="http://schemas.microsoft.com/office/powerpoint/2010/main" val="1723380672"/>
       </p:ext>
     </p:extLst>
   </p:cSld>
@@ -4464,10 +4292,2839 @@
       </p:grpSpPr>
       <p:sp>
         <p:nvSpPr>
+          <p:cNvPr id="10" name="Terminatore 9">
+            <a:extLst>
+              <a:ext uri="{FF2B5EF4-FFF2-40B4-BE49-F238E27FC236}">
+                <a16:creationId xmlns:a16="http://schemas.microsoft.com/office/drawing/2014/main" id="{F6ADCFE4-A4BA-4456-844D-E3F04FC070C9}"/>
+              </a:ext>
+            </a:extLst>
+          </p:cNvPr>
+          <p:cNvSpPr/>
+          <p:nvPr/>
+        </p:nvSpPr>
+        <p:spPr>
+          <a:xfrm>
+            <a:off x="123826" y="1590675"/>
+            <a:ext cx="1485900" cy="695325"/>
+          </a:xfrm>
+          <a:prstGeom prst="flowChartTerminator">
+            <a:avLst/>
+          </a:prstGeom>
+        </p:spPr>
+        <p:style>
+          <a:lnRef idx="2">
+            <a:schemeClr val="accent1">
+              <a:shade val="50000"/>
+            </a:schemeClr>
+          </a:lnRef>
+          <a:fillRef idx="1">
+            <a:schemeClr val="accent1"/>
+          </a:fillRef>
+          <a:effectRef idx="0">
+            <a:schemeClr val="accent1"/>
+          </a:effectRef>
+          <a:fontRef idx="minor">
+            <a:schemeClr val="lt1"/>
+          </a:fontRef>
+        </p:style>
+        <p:txBody>
+          <a:bodyPr rtlCol="0" anchor="ctr"/>
+          <a:lstStyle/>
+          <a:p>
+            <a:pPr algn="ctr"/>
+            <a:endParaRPr lang="it-IT"/>
+          </a:p>
+        </p:txBody>
+      </p:sp>
+      <p:sp>
+        <p:nvSpPr>
+          <p:cNvPr id="11" name="Elaborazione 10">
+            <a:extLst>
+              <a:ext uri="{FF2B5EF4-FFF2-40B4-BE49-F238E27FC236}">
+                <a16:creationId xmlns:a16="http://schemas.microsoft.com/office/drawing/2014/main" id="{6BD5B463-AC76-46FB-AA0F-A149F1417466}"/>
+              </a:ext>
+            </a:extLst>
+          </p:cNvPr>
+          <p:cNvSpPr/>
+          <p:nvPr/>
+        </p:nvSpPr>
+        <p:spPr>
+          <a:xfrm>
+            <a:off x="121442" y="2857500"/>
+            <a:ext cx="1485901" cy="790575"/>
+          </a:xfrm>
+          <a:prstGeom prst="flowChartProcess">
+            <a:avLst/>
+          </a:prstGeom>
+        </p:spPr>
+        <p:style>
+          <a:lnRef idx="2">
+            <a:schemeClr val="accent1">
+              <a:shade val="50000"/>
+            </a:schemeClr>
+          </a:lnRef>
+          <a:fillRef idx="1">
+            <a:schemeClr val="accent1"/>
+          </a:fillRef>
+          <a:effectRef idx="0">
+            <a:schemeClr val="accent1"/>
+          </a:effectRef>
+          <a:fontRef idx="minor">
+            <a:schemeClr val="lt1"/>
+          </a:fontRef>
+        </p:style>
+        <p:txBody>
+          <a:bodyPr rtlCol="0" anchor="ctr"/>
+          <a:lstStyle/>
+          <a:p>
+            <a:pPr algn="ctr"/>
+            <a:endParaRPr lang="it-IT"/>
+          </a:p>
+        </p:txBody>
+      </p:sp>
+      <p:sp>
+        <p:nvSpPr>
+          <p:cNvPr id="12" name="Elaborazione 11">
+            <a:extLst>
+              <a:ext uri="{FF2B5EF4-FFF2-40B4-BE49-F238E27FC236}">
+                <a16:creationId xmlns:a16="http://schemas.microsoft.com/office/drawing/2014/main" id="{80F1E56D-33E5-4B5A-B21C-A72E70810E2A}"/>
+              </a:ext>
+            </a:extLst>
+          </p:cNvPr>
+          <p:cNvSpPr/>
+          <p:nvPr/>
+        </p:nvSpPr>
+        <p:spPr>
+          <a:xfrm>
+            <a:off x="2095500" y="323849"/>
+            <a:ext cx="1485900" cy="695326"/>
+          </a:xfrm>
+          <a:prstGeom prst="flowChartProcess">
+            <a:avLst/>
+          </a:prstGeom>
+        </p:spPr>
+        <p:style>
+          <a:lnRef idx="2">
+            <a:schemeClr val="accent1">
+              <a:shade val="50000"/>
+            </a:schemeClr>
+          </a:lnRef>
+          <a:fillRef idx="1">
+            <a:schemeClr val="accent1"/>
+          </a:fillRef>
+          <a:effectRef idx="0">
+            <a:schemeClr val="accent1"/>
+          </a:effectRef>
+          <a:fontRef idx="minor">
+            <a:schemeClr val="lt1"/>
+          </a:fontRef>
+        </p:style>
+        <p:txBody>
+          <a:bodyPr rtlCol="0" anchor="ctr"/>
+          <a:lstStyle/>
+          <a:p>
+            <a:pPr algn="ctr"/>
+            <a:endParaRPr lang="it-IT"/>
+          </a:p>
+        </p:txBody>
+      </p:sp>
+      <p:sp>
+        <p:nvSpPr>
+          <p:cNvPr id="13" name="Terminatore 12">
+            <a:extLst>
+              <a:ext uri="{FF2B5EF4-FFF2-40B4-BE49-F238E27FC236}">
+                <a16:creationId xmlns:a16="http://schemas.microsoft.com/office/drawing/2014/main" id="{C3D9668B-BC1A-444F-A8FA-480FBACBB343}"/>
+              </a:ext>
+            </a:extLst>
+          </p:cNvPr>
+          <p:cNvSpPr/>
+          <p:nvPr/>
+        </p:nvSpPr>
+        <p:spPr>
+          <a:xfrm>
+            <a:off x="2095500" y="1590675"/>
+            <a:ext cx="1485900" cy="695325"/>
+          </a:xfrm>
+          <a:prstGeom prst="flowChartTerminator">
+            <a:avLst/>
+          </a:prstGeom>
+        </p:spPr>
+        <p:style>
+          <a:lnRef idx="2">
+            <a:schemeClr val="accent1">
+              <a:shade val="50000"/>
+            </a:schemeClr>
+          </a:lnRef>
+          <a:fillRef idx="1">
+            <a:schemeClr val="accent1"/>
+          </a:fillRef>
+          <a:effectRef idx="0">
+            <a:schemeClr val="accent1"/>
+          </a:effectRef>
+          <a:fontRef idx="minor">
+            <a:schemeClr val="lt1"/>
+          </a:fontRef>
+        </p:style>
+        <p:txBody>
+          <a:bodyPr rtlCol="0" anchor="ctr"/>
+          <a:lstStyle/>
+          <a:p>
+            <a:pPr algn="ctr"/>
+            <a:endParaRPr lang="it-IT"/>
+          </a:p>
+        </p:txBody>
+      </p:sp>
+      <p:sp>
+        <p:nvSpPr>
+          <p:cNvPr id="15" name="Decisione 14">
+            <a:extLst>
+              <a:ext uri="{FF2B5EF4-FFF2-40B4-BE49-F238E27FC236}">
+                <a16:creationId xmlns:a16="http://schemas.microsoft.com/office/drawing/2014/main" id="{BFF80E72-C4A4-4E5D-BD73-4C877F61916D}"/>
+              </a:ext>
+            </a:extLst>
+          </p:cNvPr>
+          <p:cNvSpPr/>
+          <p:nvPr/>
+        </p:nvSpPr>
+        <p:spPr>
+          <a:xfrm>
+            <a:off x="2043112" y="2857500"/>
+            <a:ext cx="1485900" cy="790575"/>
+          </a:xfrm>
+          <a:prstGeom prst="flowChartDecision">
+            <a:avLst/>
+          </a:prstGeom>
+        </p:spPr>
+        <p:style>
+          <a:lnRef idx="2">
+            <a:schemeClr val="accent1">
+              <a:shade val="50000"/>
+            </a:schemeClr>
+          </a:lnRef>
+          <a:fillRef idx="1">
+            <a:schemeClr val="accent1"/>
+          </a:fillRef>
+          <a:effectRef idx="0">
+            <a:schemeClr val="accent1"/>
+          </a:effectRef>
+          <a:fontRef idx="minor">
+            <a:schemeClr val="lt1"/>
+          </a:fontRef>
+        </p:style>
+        <p:txBody>
+          <a:bodyPr rtlCol="0" anchor="ctr"/>
+          <a:lstStyle/>
+          <a:p>
+            <a:pPr algn="ctr"/>
+            <a:endParaRPr lang="it-IT"/>
+          </a:p>
+        </p:txBody>
+      </p:sp>
+      <p:sp>
+        <p:nvSpPr>
+          <p:cNvPr id="16" name="Elaborazione 15">
+            <a:extLst>
+              <a:ext uri="{FF2B5EF4-FFF2-40B4-BE49-F238E27FC236}">
+                <a16:creationId xmlns:a16="http://schemas.microsoft.com/office/drawing/2014/main" id="{0865DFB9-FA79-4C97-B415-66DF4E5351FC}"/>
+              </a:ext>
+            </a:extLst>
+          </p:cNvPr>
+          <p:cNvSpPr/>
+          <p:nvPr/>
+        </p:nvSpPr>
+        <p:spPr>
+          <a:xfrm>
+            <a:off x="4105274" y="1633536"/>
+            <a:ext cx="1485901" cy="609600"/>
+          </a:xfrm>
+          <a:prstGeom prst="flowChartProcess">
+            <a:avLst/>
+          </a:prstGeom>
+        </p:spPr>
+        <p:style>
+          <a:lnRef idx="2">
+            <a:schemeClr val="accent1">
+              <a:shade val="50000"/>
+            </a:schemeClr>
+          </a:lnRef>
+          <a:fillRef idx="1">
+            <a:schemeClr val="accent1"/>
+          </a:fillRef>
+          <a:effectRef idx="0">
+            <a:schemeClr val="accent1"/>
+          </a:effectRef>
+          <a:fontRef idx="minor">
+            <a:schemeClr val="lt1"/>
+          </a:fontRef>
+        </p:style>
+        <p:txBody>
+          <a:bodyPr rtlCol="0" anchor="ctr"/>
+          <a:lstStyle/>
+          <a:p>
+            <a:pPr algn="ctr"/>
+            <a:endParaRPr lang="it-IT"/>
+          </a:p>
+        </p:txBody>
+      </p:sp>
+      <p:sp>
+        <p:nvSpPr>
+          <p:cNvPr id="17" name="Preparazione 16">
+            <a:extLst>
+              <a:ext uri="{FF2B5EF4-FFF2-40B4-BE49-F238E27FC236}">
+                <a16:creationId xmlns:a16="http://schemas.microsoft.com/office/drawing/2014/main" id="{9BCF927D-25FA-4755-B79B-8CC46AAE1258}"/>
+              </a:ext>
+            </a:extLst>
+          </p:cNvPr>
+          <p:cNvSpPr/>
+          <p:nvPr/>
+        </p:nvSpPr>
+        <p:spPr>
+          <a:xfrm>
+            <a:off x="6115049" y="1633536"/>
+            <a:ext cx="1638302" cy="609600"/>
+          </a:xfrm>
+          <a:prstGeom prst="flowChartPreparation">
+            <a:avLst/>
+          </a:prstGeom>
+        </p:spPr>
+        <p:style>
+          <a:lnRef idx="2">
+            <a:schemeClr val="accent1">
+              <a:shade val="50000"/>
+            </a:schemeClr>
+          </a:lnRef>
+          <a:fillRef idx="1">
+            <a:schemeClr val="accent1"/>
+          </a:fillRef>
+          <a:effectRef idx="0">
+            <a:schemeClr val="accent1"/>
+          </a:effectRef>
+          <a:fontRef idx="minor">
+            <a:schemeClr val="lt1"/>
+          </a:fontRef>
+        </p:style>
+        <p:txBody>
+          <a:bodyPr rtlCol="0" anchor="ctr"/>
+          <a:lstStyle/>
+          <a:p>
+            <a:pPr algn="ctr"/>
+            <a:endParaRPr lang="it-IT"/>
+          </a:p>
+        </p:txBody>
+      </p:sp>
+      <p:sp>
+        <p:nvSpPr>
+          <p:cNvPr id="18" name="Preparazione 17">
+            <a:extLst>
+              <a:ext uri="{FF2B5EF4-FFF2-40B4-BE49-F238E27FC236}">
+                <a16:creationId xmlns:a16="http://schemas.microsoft.com/office/drawing/2014/main" id="{F5805F1B-728B-483A-B322-48D8E9825936}"/>
+              </a:ext>
+            </a:extLst>
+          </p:cNvPr>
+          <p:cNvSpPr/>
+          <p:nvPr/>
+        </p:nvSpPr>
+        <p:spPr>
+          <a:xfrm>
+            <a:off x="8277225" y="1633536"/>
+            <a:ext cx="1638302" cy="614364"/>
+          </a:xfrm>
+          <a:prstGeom prst="flowChartPreparation">
+            <a:avLst/>
+          </a:prstGeom>
+        </p:spPr>
+        <p:style>
+          <a:lnRef idx="2">
+            <a:schemeClr val="accent1">
+              <a:shade val="50000"/>
+            </a:schemeClr>
+          </a:lnRef>
+          <a:fillRef idx="1">
+            <a:schemeClr val="accent1"/>
+          </a:fillRef>
+          <a:effectRef idx="0">
+            <a:schemeClr val="accent1"/>
+          </a:effectRef>
+          <a:fontRef idx="minor">
+            <a:schemeClr val="lt1"/>
+          </a:fontRef>
+        </p:style>
+        <p:txBody>
+          <a:bodyPr rtlCol="0" anchor="ctr"/>
+          <a:lstStyle/>
+          <a:p>
+            <a:pPr algn="ctr"/>
+            <a:endParaRPr lang="it-IT"/>
+          </a:p>
+        </p:txBody>
+      </p:sp>
+      <p:sp>
+        <p:nvSpPr>
+          <p:cNvPr id="19" name="Elaborazione 18">
+            <a:extLst>
+              <a:ext uri="{FF2B5EF4-FFF2-40B4-BE49-F238E27FC236}">
+                <a16:creationId xmlns:a16="http://schemas.microsoft.com/office/drawing/2014/main" id="{FC3DD231-1C60-4D2D-8CAC-EADEDF2C2567}"/>
+              </a:ext>
+            </a:extLst>
+          </p:cNvPr>
+          <p:cNvSpPr/>
+          <p:nvPr/>
+        </p:nvSpPr>
+        <p:spPr>
+          <a:xfrm>
+            <a:off x="10439401" y="1633536"/>
+            <a:ext cx="1524000" cy="614364"/>
+          </a:xfrm>
+          <a:prstGeom prst="flowChartProcess">
+            <a:avLst/>
+          </a:prstGeom>
+        </p:spPr>
+        <p:style>
+          <a:lnRef idx="2">
+            <a:schemeClr val="accent1">
+              <a:shade val="50000"/>
+            </a:schemeClr>
+          </a:lnRef>
+          <a:fillRef idx="1">
+            <a:schemeClr val="accent1"/>
+          </a:fillRef>
+          <a:effectRef idx="0">
+            <a:schemeClr val="accent1"/>
+          </a:effectRef>
+          <a:fontRef idx="minor">
+            <a:schemeClr val="lt1"/>
+          </a:fontRef>
+        </p:style>
+        <p:txBody>
+          <a:bodyPr rtlCol="0" anchor="ctr"/>
+          <a:lstStyle/>
+          <a:p>
+            <a:pPr algn="ctr"/>
+            <a:endParaRPr lang="it-IT"/>
+          </a:p>
+        </p:txBody>
+      </p:sp>
+      <p:sp>
+        <p:nvSpPr>
+          <p:cNvPr id="20" name="Elaborazione 19">
+            <a:extLst>
+              <a:ext uri="{FF2B5EF4-FFF2-40B4-BE49-F238E27FC236}">
+                <a16:creationId xmlns:a16="http://schemas.microsoft.com/office/drawing/2014/main" id="{8BB6FFA2-6C88-472D-B4E0-A1F891DA03AB}"/>
+              </a:ext>
+            </a:extLst>
+          </p:cNvPr>
+          <p:cNvSpPr/>
+          <p:nvPr/>
+        </p:nvSpPr>
+        <p:spPr>
+          <a:xfrm>
+            <a:off x="4090986" y="2862259"/>
+            <a:ext cx="1485901" cy="790575"/>
+          </a:xfrm>
+          <a:prstGeom prst="flowChartProcess">
+            <a:avLst/>
+          </a:prstGeom>
+        </p:spPr>
+        <p:style>
+          <a:lnRef idx="2">
+            <a:schemeClr val="accent1">
+              <a:shade val="50000"/>
+            </a:schemeClr>
+          </a:lnRef>
+          <a:fillRef idx="1">
+            <a:schemeClr val="accent1"/>
+          </a:fillRef>
+          <a:effectRef idx="0">
+            <a:schemeClr val="accent1"/>
+          </a:effectRef>
+          <a:fontRef idx="minor">
+            <a:schemeClr val="lt1"/>
+          </a:fontRef>
+        </p:style>
+        <p:txBody>
+          <a:bodyPr rtlCol="0" anchor="ctr"/>
+          <a:lstStyle/>
+          <a:p>
+            <a:pPr algn="ctr"/>
+            <a:endParaRPr lang="it-IT"/>
+          </a:p>
+        </p:txBody>
+      </p:sp>
+      <p:sp>
+        <p:nvSpPr>
+          <p:cNvPr id="21" name="Elaborazione 20">
+            <a:extLst>
+              <a:ext uri="{FF2B5EF4-FFF2-40B4-BE49-F238E27FC236}">
+                <a16:creationId xmlns:a16="http://schemas.microsoft.com/office/drawing/2014/main" id="{AECC0EBA-4A92-4E63-BCEF-A636AA3BD124}"/>
+              </a:ext>
+            </a:extLst>
+          </p:cNvPr>
+          <p:cNvSpPr/>
+          <p:nvPr/>
+        </p:nvSpPr>
+        <p:spPr>
+          <a:xfrm>
+            <a:off x="6115049" y="2857497"/>
+            <a:ext cx="1638302" cy="790575"/>
+          </a:xfrm>
+          <a:prstGeom prst="flowChartProcess">
+            <a:avLst/>
+          </a:prstGeom>
+        </p:spPr>
+        <p:style>
+          <a:lnRef idx="2">
+            <a:schemeClr val="accent1">
+              <a:shade val="50000"/>
+            </a:schemeClr>
+          </a:lnRef>
+          <a:fillRef idx="1">
+            <a:schemeClr val="accent1"/>
+          </a:fillRef>
+          <a:effectRef idx="0">
+            <a:schemeClr val="accent1"/>
+          </a:effectRef>
+          <a:fontRef idx="minor">
+            <a:schemeClr val="lt1"/>
+          </a:fontRef>
+        </p:style>
+        <p:txBody>
+          <a:bodyPr rtlCol="0" anchor="ctr"/>
+          <a:lstStyle/>
+          <a:p>
+            <a:pPr algn="ctr"/>
+            <a:endParaRPr lang="it-IT"/>
+          </a:p>
+        </p:txBody>
+      </p:sp>
+      <p:sp>
+        <p:nvSpPr>
+          <p:cNvPr id="22" name="Elaborazione 21">
+            <a:extLst>
+              <a:ext uri="{FF2B5EF4-FFF2-40B4-BE49-F238E27FC236}">
+                <a16:creationId xmlns:a16="http://schemas.microsoft.com/office/drawing/2014/main" id="{EF83B2A5-0F2D-483F-9FB6-BEE358886A16}"/>
+              </a:ext>
+            </a:extLst>
+          </p:cNvPr>
+          <p:cNvSpPr/>
+          <p:nvPr/>
+        </p:nvSpPr>
+        <p:spPr>
+          <a:xfrm>
+            <a:off x="8277225" y="2862259"/>
+            <a:ext cx="1638302" cy="790575"/>
+          </a:xfrm>
+          <a:prstGeom prst="flowChartProcess">
+            <a:avLst/>
+          </a:prstGeom>
+        </p:spPr>
+        <p:style>
+          <a:lnRef idx="2">
+            <a:schemeClr val="accent1">
+              <a:shade val="50000"/>
+            </a:schemeClr>
+          </a:lnRef>
+          <a:fillRef idx="1">
+            <a:schemeClr val="accent1"/>
+          </a:fillRef>
+          <a:effectRef idx="0">
+            <a:schemeClr val="accent1"/>
+          </a:effectRef>
+          <a:fontRef idx="minor">
+            <a:schemeClr val="lt1"/>
+          </a:fontRef>
+        </p:style>
+        <p:txBody>
+          <a:bodyPr rtlCol="0" anchor="ctr"/>
+          <a:lstStyle/>
+          <a:p>
+            <a:pPr algn="ctr"/>
+            <a:endParaRPr lang="it-IT"/>
+          </a:p>
+        </p:txBody>
+      </p:sp>
+      <p:sp>
+        <p:nvSpPr>
+          <p:cNvPr id="23" name="Elaborazione 22">
+            <a:extLst>
+              <a:ext uri="{FF2B5EF4-FFF2-40B4-BE49-F238E27FC236}">
+                <a16:creationId xmlns:a16="http://schemas.microsoft.com/office/drawing/2014/main" id="{AE8B4581-A27D-4E64-901A-A32125C2B4B8}"/>
+              </a:ext>
+            </a:extLst>
+          </p:cNvPr>
+          <p:cNvSpPr/>
+          <p:nvPr/>
+        </p:nvSpPr>
+        <p:spPr>
+          <a:xfrm>
+            <a:off x="10434640" y="2857499"/>
+            <a:ext cx="1524000" cy="790575"/>
+          </a:xfrm>
+          <a:prstGeom prst="flowChartProcess">
+            <a:avLst/>
+          </a:prstGeom>
+        </p:spPr>
+        <p:style>
+          <a:lnRef idx="2">
+            <a:schemeClr val="accent1">
+              <a:shade val="50000"/>
+            </a:schemeClr>
+          </a:lnRef>
+          <a:fillRef idx="1">
+            <a:schemeClr val="accent1"/>
+          </a:fillRef>
+          <a:effectRef idx="0">
+            <a:schemeClr val="accent1"/>
+          </a:effectRef>
+          <a:fontRef idx="minor">
+            <a:schemeClr val="lt1"/>
+          </a:fontRef>
+        </p:style>
+        <p:txBody>
+          <a:bodyPr rtlCol="0" anchor="ctr"/>
+          <a:lstStyle/>
+          <a:p>
+            <a:pPr algn="ctr"/>
+            <a:endParaRPr lang="it-IT"/>
+          </a:p>
+        </p:txBody>
+      </p:sp>
+      <p:sp>
+        <p:nvSpPr>
+          <p:cNvPr id="24" name="Elaborazione 23">
+            <a:extLst>
+              <a:ext uri="{FF2B5EF4-FFF2-40B4-BE49-F238E27FC236}">
+                <a16:creationId xmlns:a16="http://schemas.microsoft.com/office/drawing/2014/main" id="{2FEB3933-1708-43A4-AD2E-4EF71A661778}"/>
+              </a:ext>
+            </a:extLst>
+          </p:cNvPr>
+          <p:cNvSpPr/>
+          <p:nvPr/>
+        </p:nvSpPr>
+        <p:spPr>
+          <a:xfrm>
+            <a:off x="6115049" y="323849"/>
+            <a:ext cx="1631158" cy="695326"/>
+          </a:xfrm>
+          <a:prstGeom prst="flowChartProcess">
+            <a:avLst/>
+          </a:prstGeom>
+        </p:spPr>
+        <p:style>
+          <a:lnRef idx="2">
+            <a:schemeClr val="accent1">
+              <a:shade val="50000"/>
+            </a:schemeClr>
+          </a:lnRef>
+          <a:fillRef idx="1">
+            <a:schemeClr val="accent1"/>
+          </a:fillRef>
+          <a:effectRef idx="0">
+            <a:schemeClr val="accent1"/>
+          </a:effectRef>
+          <a:fontRef idx="minor">
+            <a:schemeClr val="lt1"/>
+          </a:fontRef>
+        </p:style>
+        <p:txBody>
+          <a:bodyPr rtlCol="0" anchor="ctr"/>
+          <a:lstStyle/>
+          <a:p>
+            <a:pPr algn="ctr"/>
+            <a:endParaRPr lang="it-IT"/>
+          </a:p>
+        </p:txBody>
+      </p:sp>
+      <p:sp>
+        <p:nvSpPr>
+          <p:cNvPr id="25" name="Elaborazione 24">
+            <a:extLst>
+              <a:ext uri="{FF2B5EF4-FFF2-40B4-BE49-F238E27FC236}">
+                <a16:creationId xmlns:a16="http://schemas.microsoft.com/office/drawing/2014/main" id="{FD5E282E-F3D5-4D69-9123-76F25455BEE7}"/>
+              </a:ext>
+            </a:extLst>
+          </p:cNvPr>
+          <p:cNvSpPr/>
+          <p:nvPr/>
+        </p:nvSpPr>
+        <p:spPr>
+          <a:xfrm>
+            <a:off x="8270081" y="323850"/>
+            <a:ext cx="1645444" cy="695326"/>
+          </a:xfrm>
+          <a:prstGeom prst="flowChartProcess">
+            <a:avLst/>
+          </a:prstGeom>
+        </p:spPr>
+        <p:style>
+          <a:lnRef idx="2">
+            <a:schemeClr val="accent1">
+              <a:shade val="50000"/>
+            </a:schemeClr>
+          </a:lnRef>
+          <a:fillRef idx="1">
+            <a:schemeClr val="accent1"/>
+          </a:fillRef>
+          <a:effectRef idx="0">
+            <a:schemeClr val="accent1"/>
+          </a:effectRef>
+          <a:fontRef idx="minor">
+            <a:schemeClr val="lt1"/>
+          </a:fontRef>
+        </p:style>
+        <p:txBody>
+          <a:bodyPr rtlCol="0" anchor="ctr"/>
+          <a:lstStyle/>
+          <a:p>
+            <a:pPr algn="ctr"/>
+            <a:endParaRPr lang="it-IT"/>
+          </a:p>
+        </p:txBody>
+      </p:sp>
+      <p:sp>
+        <p:nvSpPr>
+          <p:cNvPr id="26" name="Elaborazione 25">
+            <a:extLst>
+              <a:ext uri="{FF2B5EF4-FFF2-40B4-BE49-F238E27FC236}">
+                <a16:creationId xmlns:a16="http://schemas.microsoft.com/office/drawing/2014/main" id="{E790F882-07E9-417C-AB31-3AAD4E023B29}"/>
+              </a:ext>
+            </a:extLst>
+          </p:cNvPr>
+          <p:cNvSpPr/>
+          <p:nvPr/>
+        </p:nvSpPr>
+        <p:spPr>
+          <a:xfrm>
+            <a:off x="10434640" y="4257673"/>
+            <a:ext cx="1524000" cy="790575"/>
+          </a:xfrm>
+          <a:prstGeom prst="flowChartProcess">
+            <a:avLst/>
+          </a:prstGeom>
+        </p:spPr>
+        <p:style>
+          <a:lnRef idx="2">
+            <a:schemeClr val="accent1">
+              <a:shade val="50000"/>
+            </a:schemeClr>
+          </a:lnRef>
+          <a:fillRef idx="1">
+            <a:schemeClr val="accent1"/>
+          </a:fillRef>
+          <a:effectRef idx="0">
+            <a:schemeClr val="accent1"/>
+          </a:effectRef>
+          <a:fontRef idx="minor">
+            <a:schemeClr val="lt1"/>
+          </a:fontRef>
+        </p:style>
+        <p:txBody>
+          <a:bodyPr rtlCol="0" anchor="ctr"/>
+          <a:lstStyle/>
+          <a:p>
+            <a:pPr algn="ctr"/>
+            <a:endParaRPr lang="it-IT"/>
+          </a:p>
+        </p:txBody>
+      </p:sp>
+      <p:sp>
+        <p:nvSpPr>
+          <p:cNvPr id="27" name="Elaborazione alternativa 26">
+            <a:extLst>
+              <a:ext uri="{FF2B5EF4-FFF2-40B4-BE49-F238E27FC236}">
+                <a16:creationId xmlns:a16="http://schemas.microsoft.com/office/drawing/2014/main" id="{9E1E1267-34D7-49D3-84F5-4FB500BCCCE4}"/>
+              </a:ext>
+            </a:extLst>
+          </p:cNvPr>
+          <p:cNvSpPr/>
+          <p:nvPr/>
+        </p:nvSpPr>
+        <p:spPr>
+          <a:xfrm>
+            <a:off x="10434640" y="5657847"/>
+            <a:ext cx="1524000" cy="790575"/>
+          </a:xfrm>
+          <a:prstGeom prst="flowChartAlternateProcess">
+            <a:avLst/>
+          </a:prstGeom>
+        </p:spPr>
+        <p:style>
+          <a:lnRef idx="2">
+            <a:schemeClr val="accent1">
+              <a:shade val="50000"/>
+            </a:schemeClr>
+          </a:lnRef>
+          <a:fillRef idx="1">
+            <a:schemeClr val="accent1"/>
+          </a:fillRef>
+          <a:effectRef idx="0">
+            <a:schemeClr val="accent1"/>
+          </a:effectRef>
+          <a:fontRef idx="minor">
+            <a:schemeClr val="lt1"/>
+          </a:fontRef>
+        </p:style>
+        <p:txBody>
+          <a:bodyPr rtlCol="0" anchor="ctr"/>
+          <a:lstStyle/>
+          <a:p>
+            <a:pPr algn="ctr"/>
+            <a:endParaRPr lang="it-IT"/>
+          </a:p>
+        </p:txBody>
+      </p:sp>
+      <p:cxnSp>
+        <p:nvCxnSpPr>
+          <p:cNvPr id="29" name="Connettore 2 28">
+            <a:extLst>
+              <a:ext uri="{FF2B5EF4-FFF2-40B4-BE49-F238E27FC236}">
+                <a16:creationId xmlns:a16="http://schemas.microsoft.com/office/drawing/2014/main" id="{BFE86655-6268-42D2-BCE8-251C6A46219D}"/>
+              </a:ext>
+            </a:extLst>
+          </p:cNvPr>
+          <p:cNvCxnSpPr>
+            <a:stCxn id="13" idx="0"/>
+            <a:endCxn id="12" idx="2"/>
+          </p:cNvCxnSpPr>
+          <p:nvPr/>
+        </p:nvCxnSpPr>
+        <p:spPr>
+          <a:xfrm flipV="1">
+            <a:off x="2838450" y="1019175"/>
+            <a:ext cx="0" cy="571500"/>
+          </a:xfrm>
+          <a:prstGeom prst="straightConnector1">
+            <a:avLst/>
+          </a:prstGeom>
+          <a:ln>
+            <a:tailEnd type="triangle"/>
+          </a:ln>
+        </p:spPr>
+        <p:style>
+          <a:lnRef idx="1">
+            <a:schemeClr val="accent1"/>
+          </a:lnRef>
+          <a:fillRef idx="0">
+            <a:schemeClr val="accent1"/>
+          </a:fillRef>
+          <a:effectRef idx="0">
+            <a:schemeClr val="accent1"/>
+          </a:effectRef>
+          <a:fontRef idx="minor">
+            <a:schemeClr val="tx1"/>
+          </a:fontRef>
+        </p:style>
+      </p:cxnSp>
+      <p:cxnSp>
+        <p:nvCxnSpPr>
+          <p:cNvPr id="33" name="Connettore 2 32">
+            <a:extLst>
+              <a:ext uri="{FF2B5EF4-FFF2-40B4-BE49-F238E27FC236}">
+                <a16:creationId xmlns:a16="http://schemas.microsoft.com/office/drawing/2014/main" id="{E73FF683-6082-419D-ACDC-888BC14C2D4F}"/>
+              </a:ext>
+            </a:extLst>
+          </p:cNvPr>
+          <p:cNvCxnSpPr>
+            <a:stCxn id="12" idx="1"/>
+            <a:endCxn id="10" idx="0"/>
+          </p:cNvCxnSpPr>
+          <p:nvPr/>
+        </p:nvCxnSpPr>
+        <p:spPr>
+          <a:xfrm flipH="1">
+            <a:off x="866776" y="671512"/>
+            <a:ext cx="1228724" cy="919163"/>
+          </a:xfrm>
+          <a:prstGeom prst="straightConnector1">
+            <a:avLst/>
+          </a:prstGeom>
+          <a:ln>
+            <a:tailEnd type="triangle"/>
+          </a:ln>
+        </p:spPr>
+        <p:style>
+          <a:lnRef idx="1">
+            <a:schemeClr val="accent1"/>
+          </a:lnRef>
+          <a:fillRef idx="0">
+            <a:schemeClr val="accent1"/>
+          </a:fillRef>
+          <a:effectRef idx="0">
+            <a:schemeClr val="accent1"/>
+          </a:effectRef>
+          <a:fontRef idx="minor">
+            <a:schemeClr val="tx1"/>
+          </a:fontRef>
+        </p:style>
+      </p:cxnSp>
+      <p:cxnSp>
+        <p:nvCxnSpPr>
+          <p:cNvPr id="35" name="Connettore 2 34">
+            <a:extLst>
+              <a:ext uri="{FF2B5EF4-FFF2-40B4-BE49-F238E27FC236}">
+                <a16:creationId xmlns:a16="http://schemas.microsoft.com/office/drawing/2014/main" id="{33B31983-8247-484E-A7B6-F4398709BD5A}"/>
+              </a:ext>
+            </a:extLst>
+          </p:cNvPr>
+          <p:cNvCxnSpPr>
+            <a:cxnSpLocks/>
+            <a:stCxn id="10" idx="2"/>
+            <a:endCxn id="11" idx="0"/>
+          </p:cNvCxnSpPr>
+          <p:nvPr/>
+        </p:nvCxnSpPr>
+        <p:spPr>
+          <a:xfrm flipH="1">
+            <a:off x="864393" y="2286000"/>
+            <a:ext cx="2383" cy="571500"/>
+          </a:xfrm>
+          <a:prstGeom prst="straightConnector1">
+            <a:avLst/>
+          </a:prstGeom>
+          <a:ln>
+            <a:tailEnd type="triangle"/>
+          </a:ln>
+        </p:spPr>
+        <p:style>
+          <a:lnRef idx="1">
+            <a:schemeClr val="accent1"/>
+          </a:lnRef>
+          <a:fillRef idx="0">
+            <a:schemeClr val="accent1"/>
+          </a:fillRef>
+          <a:effectRef idx="0">
+            <a:schemeClr val="accent1"/>
+          </a:effectRef>
+          <a:fontRef idx="minor">
+            <a:schemeClr val="tx1"/>
+          </a:fontRef>
+        </p:style>
+      </p:cxnSp>
+      <p:cxnSp>
+        <p:nvCxnSpPr>
+          <p:cNvPr id="39" name="Connettore 2 38">
+            <a:extLst>
+              <a:ext uri="{FF2B5EF4-FFF2-40B4-BE49-F238E27FC236}">
+                <a16:creationId xmlns:a16="http://schemas.microsoft.com/office/drawing/2014/main" id="{177612D0-B5E7-4A09-84DC-3DA42DDBF045}"/>
+              </a:ext>
+            </a:extLst>
+          </p:cNvPr>
+          <p:cNvCxnSpPr>
+            <a:cxnSpLocks/>
+            <a:stCxn id="11" idx="3"/>
+            <a:endCxn id="15" idx="1"/>
+          </p:cNvCxnSpPr>
+          <p:nvPr/>
+        </p:nvCxnSpPr>
+        <p:spPr>
+          <a:xfrm>
+            <a:off x="1607343" y="3252788"/>
+            <a:ext cx="435769" cy="0"/>
+          </a:xfrm>
+          <a:prstGeom prst="straightConnector1">
+            <a:avLst/>
+          </a:prstGeom>
+          <a:ln>
+            <a:tailEnd type="triangle"/>
+          </a:ln>
+        </p:spPr>
+        <p:style>
+          <a:lnRef idx="1">
+            <a:schemeClr val="accent1"/>
+          </a:lnRef>
+          <a:fillRef idx="0">
+            <a:schemeClr val="accent1"/>
+          </a:fillRef>
+          <a:effectRef idx="0">
+            <a:schemeClr val="accent1"/>
+          </a:effectRef>
+          <a:fontRef idx="minor">
+            <a:schemeClr val="tx1"/>
+          </a:fontRef>
+        </p:style>
+      </p:cxnSp>
+      <p:cxnSp>
+        <p:nvCxnSpPr>
+          <p:cNvPr id="41" name="Connettore 2 40">
+            <a:extLst>
+              <a:ext uri="{FF2B5EF4-FFF2-40B4-BE49-F238E27FC236}">
+                <a16:creationId xmlns:a16="http://schemas.microsoft.com/office/drawing/2014/main" id="{8020A257-0E7A-4995-901A-20AA33305921}"/>
+              </a:ext>
+            </a:extLst>
+          </p:cNvPr>
+          <p:cNvCxnSpPr>
+            <a:stCxn id="15" idx="3"/>
+            <a:endCxn id="20" idx="1"/>
+          </p:cNvCxnSpPr>
+          <p:nvPr/>
+        </p:nvCxnSpPr>
+        <p:spPr>
+          <a:xfrm>
+            <a:off x="3529012" y="3252788"/>
+            <a:ext cx="561974" cy="4759"/>
+          </a:xfrm>
+          <a:prstGeom prst="straightConnector1">
+            <a:avLst/>
+          </a:prstGeom>
+          <a:ln>
+            <a:tailEnd type="triangle"/>
+          </a:ln>
+        </p:spPr>
+        <p:style>
+          <a:lnRef idx="1">
+            <a:schemeClr val="accent1"/>
+          </a:lnRef>
+          <a:fillRef idx="0">
+            <a:schemeClr val="accent1"/>
+          </a:fillRef>
+          <a:effectRef idx="0">
+            <a:schemeClr val="accent1"/>
+          </a:effectRef>
+          <a:fontRef idx="minor">
+            <a:schemeClr val="tx1"/>
+          </a:fontRef>
+        </p:style>
+      </p:cxnSp>
+      <p:cxnSp>
+        <p:nvCxnSpPr>
+          <p:cNvPr id="43" name="Connettore 2 42">
+            <a:extLst>
+              <a:ext uri="{FF2B5EF4-FFF2-40B4-BE49-F238E27FC236}">
+                <a16:creationId xmlns:a16="http://schemas.microsoft.com/office/drawing/2014/main" id="{636CC4D8-BED8-4636-83BB-982E22497A74}"/>
+              </a:ext>
+            </a:extLst>
+          </p:cNvPr>
+          <p:cNvCxnSpPr>
+            <a:stCxn id="16" idx="1"/>
+            <a:endCxn id="15" idx="0"/>
+          </p:cNvCxnSpPr>
+          <p:nvPr/>
+        </p:nvCxnSpPr>
+        <p:spPr>
+          <a:xfrm flipH="1">
+            <a:off x="2786062" y="1938336"/>
+            <a:ext cx="1319212" cy="919164"/>
+          </a:xfrm>
+          <a:prstGeom prst="straightConnector1">
+            <a:avLst/>
+          </a:prstGeom>
+          <a:ln>
+            <a:tailEnd type="triangle"/>
+          </a:ln>
+        </p:spPr>
+        <p:style>
+          <a:lnRef idx="1">
+            <a:schemeClr val="accent1"/>
+          </a:lnRef>
+          <a:fillRef idx="0">
+            <a:schemeClr val="accent1"/>
+          </a:fillRef>
+          <a:effectRef idx="0">
+            <a:schemeClr val="accent1"/>
+          </a:effectRef>
+          <a:fontRef idx="minor">
+            <a:schemeClr val="tx1"/>
+          </a:fontRef>
+        </p:style>
+      </p:cxnSp>
+      <p:cxnSp>
+        <p:nvCxnSpPr>
+          <p:cNvPr id="45" name="Connettore 2 44">
+            <a:extLst>
+              <a:ext uri="{FF2B5EF4-FFF2-40B4-BE49-F238E27FC236}">
+                <a16:creationId xmlns:a16="http://schemas.microsoft.com/office/drawing/2014/main" id="{D7AED450-FE20-49DE-9591-EAED5A028C8C}"/>
+              </a:ext>
+            </a:extLst>
+          </p:cNvPr>
+          <p:cNvCxnSpPr>
+            <a:stCxn id="13" idx="3"/>
+            <a:endCxn id="16" idx="1"/>
+          </p:cNvCxnSpPr>
+          <p:nvPr/>
+        </p:nvCxnSpPr>
+        <p:spPr>
+          <a:xfrm flipV="1">
+            <a:off x="3581400" y="1938336"/>
+            <a:ext cx="523874" cy="2"/>
+          </a:xfrm>
+          <a:prstGeom prst="straightConnector1">
+            <a:avLst/>
+          </a:prstGeom>
+          <a:ln>
+            <a:tailEnd type="triangle"/>
+          </a:ln>
+        </p:spPr>
+        <p:style>
+          <a:lnRef idx="1">
+            <a:schemeClr val="accent1"/>
+          </a:lnRef>
+          <a:fillRef idx="0">
+            <a:schemeClr val="accent1"/>
+          </a:fillRef>
+          <a:effectRef idx="0">
+            <a:schemeClr val="accent1"/>
+          </a:effectRef>
+          <a:fontRef idx="minor">
+            <a:schemeClr val="tx1"/>
+          </a:fontRef>
+        </p:style>
+      </p:cxnSp>
+      <p:cxnSp>
+        <p:nvCxnSpPr>
+          <p:cNvPr id="47" name="Connettore 2 46">
+            <a:extLst>
+              <a:ext uri="{FF2B5EF4-FFF2-40B4-BE49-F238E27FC236}">
+                <a16:creationId xmlns:a16="http://schemas.microsoft.com/office/drawing/2014/main" id="{E237A19F-F49C-48EF-84E2-E204B01BB8F0}"/>
+              </a:ext>
+            </a:extLst>
+          </p:cNvPr>
+          <p:cNvCxnSpPr>
+            <a:stCxn id="20" idx="3"/>
+            <a:endCxn id="21" idx="1"/>
+          </p:cNvCxnSpPr>
+          <p:nvPr/>
+        </p:nvCxnSpPr>
+        <p:spPr>
+          <a:xfrm flipV="1">
+            <a:off x="5576887" y="3252785"/>
+            <a:ext cx="538162" cy="4762"/>
+          </a:xfrm>
+          <a:prstGeom prst="straightConnector1">
+            <a:avLst/>
+          </a:prstGeom>
+          <a:ln>
+            <a:tailEnd type="triangle"/>
+          </a:ln>
+        </p:spPr>
+        <p:style>
+          <a:lnRef idx="1">
+            <a:schemeClr val="accent1"/>
+          </a:lnRef>
+          <a:fillRef idx="0">
+            <a:schemeClr val="accent1"/>
+          </a:fillRef>
+          <a:effectRef idx="0">
+            <a:schemeClr val="accent1"/>
+          </a:effectRef>
+          <a:fontRef idx="minor">
+            <a:schemeClr val="tx1"/>
+          </a:fontRef>
+        </p:style>
+      </p:cxnSp>
+      <p:cxnSp>
+        <p:nvCxnSpPr>
+          <p:cNvPr id="58" name="Connettore 2 57">
+            <a:extLst>
+              <a:ext uri="{FF2B5EF4-FFF2-40B4-BE49-F238E27FC236}">
+                <a16:creationId xmlns:a16="http://schemas.microsoft.com/office/drawing/2014/main" id="{C74A3891-407E-4E75-9205-29CC8534CD61}"/>
+              </a:ext>
+            </a:extLst>
+          </p:cNvPr>
+          <p:cNvCxnSpPr>
+            <a:stCxn id="21" idx="0"/>
+            <a:endCxn id="17" idx="2"/>
+          </p:cNvCxnSpPr>
+          <p:nvPr/>
+        </p:nvCxnSpPr>
+        <p:spPr>
+          <a:xfrm flipV="1">
+            <a:off x="6934200" y="2243136"/>
+            <a:ext cx="0" cy="614361"/>
+          </a:xfrm>
+          <a:prstGeom prst="straightConnector1">
+            <a:avLst/>
+          </a:prstGeom>
+          <a:ln>
+            <a:tailEnd type="triangle"/>
+          </a:ln>
+        </p:spPr>
+        <p:style>
+          <a:lnRef idx="1">
+            <a:schemeClr val="accent1"/>
+          </a:lnRef>
+          <a:fillRef idx="0">
+            <a:schemeClr val="accent1"/>
+          </a:fillRef>
+          <a:effectRef idx="0">
+            <a:schemeClr val="accent1"/>
+          </a:effectRef>
+          <a:fontRef idx="minor">
+            <a:schemeClr val="tx1"/>
+          </a:fontRef>
+        </p:style>
+      </p:cxnSp>
+      <p:cxnSp>
+        <p:nvCxnSpPr>
+          <p:cNvPr id="62" name="Connettore 2 61">
+            <a:extLst>
+              <a:ext uri="{FF2B5EF4-FFF2-40B4-BE49-F238E27FC236}">
+                <a16:creationId xmlns:a16="http://schemas.microsoft.com/office/drawing/2014/main" id="{9914E1FE-EAE2-4318-B776-3A3B2002BAAD}"/>
+              </a:ext>
+            </a:extLst>
+          </p:cNvPr>
+          <p:cNvCxnSpPr>
+            <a:stCxn id="17" idx="0"/>
+            <a:endCxn id="24" idx="2"/>
+          </p:cNvCxnSpPr>
+          <p:nvPr/>
+        </p:nvCxnSpPr>
+        <p:spPr>
+          <a:xfrm flipH="1" flipV="1">
+            <a:off x="6930628" y="1019175"/>
+            <a:ext cx="3572" cy="614361"/>
+          </a:xfrm>
+          <a:prstGeom prst="straightConnector1">
+            <a:avLst/>
+          </a:prstGeom>
+          <a:ln>
+            <a:tailEnd type="triangle"/>
+          </a:ln>
+        </p:spPr>
+        <p:style>
+          <a:lnRef idx="1">
+            <a:schemeClr val="accent1"/>
+          </a:lnRef>
+          <a:fillRef idx="0">
+            <a:schemeClr val="accent1"/>
+          </a:fillRef>
+          <a:effectRef idx="0">
+            <a:schemeClr val="accent1"/>
+          </a:effectRef>
+          <a:fontRef idx="minor">
+            <a:schemeClr val="tx1"/>
+          </a:fontRef>
+        </p:style>
+      </p:cxnSp>
+      <p:cxnSp>
+        <p:nvCxnSpPr>
+          <p:cNvPr id="64" name="Connettore 2 63">
+            <a:extLst>
+              <a:ext uri="{FF2B5EF4-FFF2-40B4-BE49-F238E27FC236}">
+                <a16:creationId xmlns:a16="http://schemas.microsoft.com/office/drawing/2014/main" id="{81393E80-6B44-4730-9F9D-15E798827E5D}"/>
+              </a:ext>
+            </a:extLst>
+          </p:cNvPr>
+          <p:cNvCxnSpPr>
+            <a:stCxn id="24" idx="3"/>
+            <a:endCxn id="25" idx="1"/>
+          </p:cNvCxnSpPr>
+          <p:nvPr/>
+        </p:nvCxnSpPr>
+        <p:spPr>
+          <a:xfrm>
+            <a:off x="7746207" y="671512"/>
+            <a:ext cx="523874" cy="1"/>
+          </a:xfrm>
+          <a:prstGeom prst="straightConnector1">
+            <a:avLst/>
+          </a:prstGeom>
+          <a:ln>
+            <a:headEnd type="triangle"/>
+            <a:tailEnd type="triangle"/>
+          </a:ln>
+        </p:spPr>
+        <p:style>
+          <a:lnRef idx="1">
+            <a:schemeClr val="accent1"/>
+          </a:lnRef>
+          <a:fillRef idx="0">
+            <a:schemeClr val="accent1"/>
+          </a:fillRef>
+          <a:effectRef idx="0">
+            <a:schemeClr val="accent1"/>
+          </a:effectRef>
+          <a:fontRef idx="minor">
+            <a:schemeClr val="tx1"/>
+          </a:fontRef>
+        </p:style>
+      </p:cxnSp>
+      <p:cxnSp>
+        <p:nvCxnSpPr>
+          <p:cNvPr id="66" name="Connettore 2 65">
+            <a:extLst>
+              <a:ext uri="{FF2B5EF4-FFF2-40B4-BE49-F238E27FC236}">
+                <a16:creationId xmlns:a16="http://schemas.microsoft.com/office/drawing/2014/main" id="{7DFBAE85-C067-45F0-987D-A3793A40DA64}"/>
+              </a:ext>
+            </a:extLst>
+          </p:cNvPr>
+          <p:cNvCxnSpPr>
+            <a:stCxn id="24" idx="2"/>
+            <a:endCxn id="18" idx="0"/>
+          </p:cNvCxnSpPr>
+          <p:nvPr/>
+        </p:nvCxnSpPr>
+        <p:spPr>
+          <a:xfrm>
+            <a:off x="6930628" y="1019175"/>
+            <a:ext cx="2165748" cy="614361"/>
+          </a:xfrm>
+          <a:prstGeom prst="straightConnector1">
+            <a:avLst/>
+          </a:prstGeom>
+          <a:ln>
+            <a:tailEnd type="triangle"/>
+          </a:ln>
+        </p:spPr>
+        <p:style>
+          <a:lnRef idx="1">
+            <a:schemeClr val="accent1"/>
+          </a:lnRef>
+          <a:fillRef idx="0">
+            <a:schemeClr val="accent1"/>
+          </a:fillRef>
+          <a:effectRef idx="0">
+            <a:schemeClr val="accent1"/>
+          </a:effectRef>
+          <a:fontRef idx="minor">
+            <a:schemeClr val="tx1"/>
+          </a:fontRef>
+        </p:style>
+      </p:cxnSp>
+      <p:cxnSp>
+        <p:nvCxnSpPr>
+          <p:cNvPr id="79" name="Connettore 2 78">
+            <a:extLst>
+              <a:ext uri="{FF2B5EF4-FFF2-40B4-BE49-F238E27FC236}">
+                <a16:creationId xmlns:a16="http://schemas.microsoft.com/office/drawing/2014/main" id="{B961F2BB-B091-4A3C-99CE-DCA54797FE45}"/>
+              </a:ext>
+            </a:extLst>
+          </p:cNvPr>
+          <p:cNvCxnSpPr>
+            <a:stCxn id="22" idx="3"/>
+            <a:endCxn id="23" idx="1"/>
+          </p:cNvCxnSpPr>
+          <p:nvPr/>
+        </p:nvCxnSpPr>
+        <p:spPr>
+          <a:xfrm flipV="1">
+            <a:off x="9915527" y="3252787"/>
+            <a:ext cx="519113" cy="4760"/>
+          </a:xfrm>
+          <a:prstGeom prst="straightConnector1">
+            <a:avLst/>
+          </a:prstGeom>
+          <a:ln>
+            <a:tailEnd type="triangle"/>
+          </a:ln>
+        </p:spPr>
+        <p:style>
+          <a:lnRef idx="1">
+            <a:schemeClr val="accent1"/>
+          </a:lnRef>
+          <a:fillRef idx="0">
+            <a:schemeClr val="accent1"/>
+          </a:fillRef>
+          <a:effectRef idx="0">
+            <a:schemeClr val="accent1"/>
+          </a:effectRef>
+          <a:fontRef idx="minor">
+            <a:schemeClr val="tx1"/>
+          </a:fontRef>
+        </p:style>
+      </p:cxnSp>
+      <p:cxnSp>
+        <p:nvCxnSpPr>
+          <p:cNvPr id="81" name="Connettore 2 80">
+            <a:extLst>
+              <a:ext uri="{FF2B5EF4-FFF2-40B4-BE49-F238E27FC236}">
+                <a16:creationId xmlns:a16="http://schemas.microsoft.com/office/drawing/2014/main" id="{2706AF70-50BD-4804-8E5E-FEA2CD09BBBF}"/>
+              </a:ext>
+            </a:extLst>
+          </p:cNvPr>
+          <p:cNvCxnSpPr>
+            <a:stCxn id="18" idx="3"/>
+            <a:endCxn id="19" idx="1"/>
+          </p:cNvCxnSpPr>
+          <p:nvPr/>
+        </p:nvCxnSpPr>
+        <p:spPr>
+          <a:xfrm>
+            <a:off x="9915527" y="1940718"/>
+            <a:ext cx="523874" cy="0"/>
+          </a:xfrm>
+          <a:prstGeom prst="straightConnector1">
+            <a:avLst/>
+          </a:prstGeom>
+          <a:ln>
+            <a:tailEnd type="triangle"/>
+          </a:ln>
+        </p:spPr>
+        <p:style>
+          <a:lnRef idx="1">
+            <a:schemeClr val="accent1"/>
+          </a:lnRef>
+          <a:fillRef idx="0">
+            <a:schemeClr val="accent1"/>
+          </a:fillRef>
+          <a:effectRef idx="0">
+            <a:schemeClr val="accent1"/>
+          </a:effectRef>
+          <a:fontRef idx="minor">
+            <a:schemeClr val="tx1"/>
+          </a:fontRef>
+        </p:style>
+      </p:cxnSp>
+      <p:cxnSp>
+        <p:nvCxnSpPr>
+          <p:cNvPr id="83" name="Connettore 2 82">
+            <a:extLst>
+              <a:ext uri="{FF2B5EF4-FFF2-40B4-BE49-F238E27FC236}">
+                <a16:creationId xmlns:a16="http://schemas.microsoft.com/office/drawing/2014/main" id="{6EF8645D-04E2-4D2D-9D79-9504568BBA71}"/>
+              </a:ext>
+            </a:extLst>
+          </p:cNvPr>
+          <p:cNvCxnSpPr>
+            <a:stCxn id="19" idx="2"/>
+            <a:endCxn id="23" idx="0"/>
+          </p:cNvCxnSpPr>
+          <p:nvPr/>
+        </p:nvCxnSpPr>
+        <p:spPr>
+          <a:xfrm flipH="1">
+            <a:off x="11196640" y="2247900"/>
+            <a:ext cx="4761" cy="609599"/>
+          </a:xfrm>
+          <a:prstGeom prst="straightConnector1">
+            <a:avLst/>
+          </a:prstGeom>
+          <a:ln>
+            <a:tailEnd type="triangle"/>
+          </a:ln>
+        </p:spPr>
+        <p:style>
+          <a:lnRef idx="1">
+            <a:schemeClr val="accent1"/>
+          </a:lnRef>
+          <a:fillRef idx="0">
+            <a:schemeClr val="accent1"/>
+          </a:fillRef>
+          <a:effectRef idx="0">
+            <a:schemeClr val="accent1"/>
+          </a:effectRef>
+          <a:fontRef idx="minor">
+            <a:schemeClr val="tx1"/>
+          </a:fontRef>
+        </p:style>
+      </p:cxnSp>
+      <p:cxnSp>
+        <p:nvCxnSpPr>
+          <p:cNvPr id="85" name="Connettore 2 84">
+            <a:extLst>
+              <a:ext uri="{FF2B5EF4-FFF2-40B4-BE49-F238E27FC236}">
+                <a16:creationId xmlns:a16="http://schemas.microsoft.com/office/drawing/2014/main" id="{A76D7137-0778-4418-8A4E-9CFAA090414B}"/>
+              </a:ext>
+            </a:extLst>
+          </p:cNvPr>
+          <p:cNvCxnSpPr>
+            <a:stCxn id="23" idx="2"/>
+            <a:endCxn id="26" idx="0"/>
+          </p:cNvCxnSpPr>
+          <p:nvPr/>
+        </p:nvCxnSpPr>
+        <p:spPr>
+          <a:xfrm>
+            <a:off x="11196640" y="3648074"/>
+            <a:ext cx="0" cy="609599"/>
+          </a:xfrm>
+          <a:prstGeom prst="straightConnector1">
+            <a:avLst/>
+          </a:prstGeom>
+          <a:ln>
+            <a:tailEnd type="triangle"/>
+          </a:ln>
+        </p:spPr>
+        <p:style>
+          <a:lnRef idx="1">
+            <a:schemeClr val="accent1"/>
+          </a:lnRef>
+          <a:fillRef idx="0">
+            <a:schemeClr val="accent1"/>
+          </a:fillRef>
+          <a:effectRef idx="0">
+            <a:schemeClr val="accent1"/>
+          </a:effectRef>
+          <a:fontRef idx="minor">
+            <a:schemeClr val="tx1"/>
+          </a:fontRef>
+        </p:style>
+      </p:cxnSp>
+      <p:cxnSp>
+        <p:nvCxnSpPr>
+          <p:cNvPr id="87" name="Connettore 2 86">
+            <a:extLst>
+              <a:ext uri="{FF2B5EF4-FFF2-40B4-BE49-F238E27FC236}">
+                <a16:creationId xmlns:a16="http://schemas.microsoft.com/office/drawing/2014/main" id="{64F976D4-1449-4D63-910B-9472EDA4AC0D}"/>
+              </a:ext>
+            </a:extLst>
+          </p:cNvPr>
+          <p:cNvCxnSpPr>
+            <a:stCxn id="26" idx="2"/>
+            <a:endCxn id="27" idx="0"/>
+          </p:cNvCxnSpPr>
+          <p:nvPr/>
+        </p:nvCxnSpPr>
+        <p:spPr>
+          <a:xfrm>
+            <a:off x="11196640" y="5048248"/>
+            <a:ext cx="0" cy="609599"/>
+          </a:xfrm>
+          <a:prstGeom prst="straightConnector1">
+            <a:avLst/>
+          </a:prstGeom>
+          <a:ln>
+            <a:tailEnd type="triangle"/>
+          </a:ln>
+        </p:spPr>
+        <p:style>
+          <a:lnRef idx="1">
+            <a:schemeClr val="accent1"/>
+          </a:lnRef>
+          <a:fillRef idx="0">
+            <a:schemeClr val="accent1"/>
+          </a:fillRef>
+          <a:effectRef idx="0">
+            <a:schemeClr val="accent1"/>
+          </a:effectRef>
+          <a:fontRef idx="minor">
+            <a:schemeClr val="tx1"/>
+          </a:fontRef>
+        </p:style>
+      </p:cxnSp>
+      <p:cxnSp>
+        <p:nvCxnSpPr>
+          <p:cNvPr id="96" name="Connettore curvo 95">
+            <a:extLst>
+              <a:ext uri="{FF2B5EF4-FFF2-40B4-BE49-F238E27FC236}">
+                <a16:creationId xmlns:a16="http://schemas.microsoft.com/office/drawing/2014/main" id="{74688FAA-7F1F-42E5-89E7-C087D26547B6}"/>
+              </a:ext>
+            </a:extLst>
+          </p:cNvPr>
+          <p:cNvCxnSpPr/>
+          <p:nvPr/>
+        </p:nvCxnSpPr>
+        <p:spPr>
+          <a:xfrm rot="16200000" flipH="1">
+            <a:off x="7100889" y="1290636"/>
+            <a:ext cx="1838322" cy="1295400"/>
+          </a:xfrm>
+          <a:prstGeom prst="curvedConnector3">
+            <a:avLst/>
+          </a:prstGeom>
+          <a:ln>
+            <a:tailEnd type="triangle"/>
+          </a:ln>
+        </p:spPr>
+        <p:style>
+          <a:lnRef idx="1">
+            <a:schemeClr val="accent1"/>
+          </a:lnRef>
+          <a:fillRef idx="0">
+            <a:schemeClr val="accent1"/>
+          </a:fillRef>
+          <a:effectRef idx="0">
+            <a:schemeClr val="accent1"/>
+          </a:effectRef>
+          <a:fontRef idx="minor">
+            <a:schemeClr val="tx1"/>
+          </a:fontRef>
+        </p:style>
+      </p:cxnSp>
+      <p:sp>
+        <p:nvSpPr>
+          <p:cNvPr id="102" name="CasellaDiTesto 101">
+            <a:extLst>
+              <a:ext uri="{FF2B5EF4-FFF2-40B4-BE49-F238E27FC236}">
+                <a16:creationId xmlns:a16="http://schemas.microsoft.com/office/drawing/2014/main" id="{0B724246-5305-460B-955D-4EDAAA7D7120}"/>
+              </a:ext>
+            </a:extLst>
+          </p:cNvPr>
+          <p:cNvSpPr txBox="1"/>
+          <p:nvPr/>
+        </p:nvSpPr>
+        <p:spPr>
+          <a:xfrm>
+            <a:off x="2216944" y="348346"/>
+            <a:ext cx="1228724" cy="646331"/>
+          </a:xfrm>
+          <a:prstGeom prst="rect">
+            <a:avLst/>
+          </a:prstGeom>
+          <a:noFill/>
+        </p:spPr>
+        <p:txBody>
+          <a:bodyPr wrap="square" rtlCol="0">
+            <a:spAutoFit/>
+          </a:bodyPr>
+          <a:lstStyle/>
+          <a:p>
+            <a:pPr algn="ctr"/>
+            <a:r>
+              <a:rPr lang="it-IT" dirty="0"/>
+              <a:t>Gain Modulator</a:t>
+            </a:r>
+          </a:p>
+        </p:txBody>
+      </p:sp>
+      <p:sp>
+        <p:nvSpPr>
+          <p:cNvPr id="105" name="CasellaDiTesto 104">
+            <a:extLst>
+              <a:ext uri="{FF2B5EF4-FFF2-40B4-BE49-F238E27FC236}">
+                <a16:creationId xmlns:a16="http://schemas.microsoft.com/office/drawing/2014/main" id="{42739388-94A2-44E7-B105-8CAD2897EBC9}"/>
+              </a:ext>
+            </a:extLst>
+          </p:cNvPr>
+          <p:cNvSpPr txBox="1"/>
+          <p:nvPr/>
+        </p:nvSpPr>
+        <p:spPr>
+          <a:xfrm>
+            <a:off x="327125" y="1742597"/>
+            <a:ext cx="1079302" cy="369332"/>
+          </a:xfrm>
+          <a:prstGeom prst="rect">
+            <a:avLst/>
+          </a:prstGeom>
+          <a:noFill/>
+        </p:spPr>
+        <p:txBody>
+          <a:bodyPr wrap="square" rtlCol="0">
+            <a:spAutoFit/>
+          </a:bodyPr>
+          <a:lstStyle/>
+          <a:p>
+            <a:pPr algn="ctr"/>
+            <a:r>
+              <a:rPr lang="it-IT" dirty="0" err="1"/>
+              <a:t>Oscillator</a:t>
+            </a:r>
+            <a:endParaRPr lang="it-IT" dirty="0"/>
+          </a:p>
+        </p:txBody>
+      </p:sp>
+      <p:sp>
+        <p:nvSpPr>
+          <p:cNvPr id="120" name="CasellaDiTesto 119">
+            <a:extLst>
+              <a:ext uri="{FF2B5EF4-FFF2-40B4-BE49-F238E27FC236}">
+                <a16:creationId xmlns:a16="http://schemas.microsoft.com/office/drawing/2014/main" id="{7EE823D9-87C0-46E7-9183-0C78CB5BC562}"/>
+              </a:ext>
+            </a:extLst>
+          </p:cNvPr>
+          <p:cNvSpPr txBox="1"/>
+          <p:nvPr/>
+        </p:nvSpPr>
+        <p:spPr>
+          <a:xfrm>
+            <a:off x="276679" y="2929622"/>
+            <a:ext cx="1142088" cy="646331"/>
+          </a:xfrm>
+          <a:prstGeom prst="rect">
+            <a:avLst/>
+          </a:prstGeom>
+          <a:noFill/>
+        </p:spPr>
+        <p:txBody>
+          <a:bodyPr wrap="square" rtlCol="0">
+            <a:spAutoFit/>
+          </a:bodyPr>
+          <a:lstStyle/>
+          <a:p>
+            <a:pPr algn="ctr"/>
+            <a:r>
+              <a:rPr lang="it-IT" dirty="0" err="1"/>
+              <a:t>Oscillator</a:t>
+            </a:r>
+            <a:r>
+              <a:rPr lang="it-IT" dirty="0"/>
+              <a:t> Gain</a:t>
+            </a:r>
+          </a:p>
+        </p:txBody>
+      </p:sp>
+      <p:sp>
+        <p:nvSpPr>
+          <p:cNvPr id="121" name="CasellaDiTesto 120">
+            <a:extLst>
+              <a:ext uri="{FF2B5EF4-FFF2-40B4-BE49-F238E27FC236}">
+                <a16:creationId xmlns:a16="http://schemas.microsoft.com/office/drawing/2014/main" id="{3542E384-EC59-4A94-B987-C03102054728}"/>
+              </a:ext>
+            </a:extLst>
+          </p:cNvPr>
+          <p:cNvSpPr txBox="1"/>
+          <p:nvPr/>
+        </p:nvSpPr>
+        <p:spPr>
+          <a:xfrm>
+            <a:off x="2390772" y="3059668"/>
+            <a:ext cx="790577" cy="369332"/>
+          </a:xfrm>
+          <a:prstGeom prst="rect">
+            <a:avLst/>
+          </a:prstGeom>
+          <a:noFill/>
+        </p:spPr>
+        <p:txBody>
+          <a:bodyPr wrap="square" rtlCol="0">
+            <a:spAutoFit/>
+          </a:bodyPr>
+          <a:lstStyle/>
+          <a:p>
+            <a:pPr algn="ctr"/>
+            <a:r>
+              <a:rPr lang="it-IT" dirty="0"/>
+              <a:t>Filter</a:t>
+            </a:r>
+          </a:p>
+        </p:txBody>
+      </p:sp>
+      <p:sp>
+        <p:nvSpPr>
+          <p:cNvPr id="125" name="CasellaDiTesto 124">
+            <a:extLst>
+              <a:ext uri="{FF2B5EF4-FFF2-40B4-BE49-F238E27FC236}">
+                <a16:creationId xmlns:a16="http://schemas.microsoft.com/office/drawing/2014/main" id="{A0C63098-276A-4B44-850A-83197A0C8B23}"/>
+              </a:ext>
+            </a:extLst>
+          </p:cNvPr>
+          <p:cNvSpPr txBox="1"/>
+          <p:nvPr/>
+        </p:nvSpPr>
+        <p:spPr>
+          <a:xfrm>
+            <a:off x="4219575" y="2947987"/>
+            <a:ext cx="1219200" cy="646331"/>
+          </a:xfrm>
+          <a:prstGeom prst="rect">
+            <a:avLst/>
+          </a:prstGeom>
+          <a:noFill/>
+        </p:spPr>
+        <p:txBody>
+          <a:bodyPr wrap="square" rtlCol="0">
+            <a:spAutoFit/>
+          </a:bodyPr>
+          <a:lstStyle/>
+          <a:p>
+            <a:pPr algn="ctr"/>
+            <a:r>
+              <a:rPr lang="it-IT" dirty="0" err="1"/>
+              <a:t>Envelope</a:t>
+            </a:r>
+            <a:endParaRPr lang="it-IT" dirty="0"/>
+          </a:p>
+          <a:p>
+            <a:pPr algn="ctr"/>
+            <a:r>
+              <a:rPr lang="it-IT" dirty="0"/>
+              <a:t>(Gain)</a:t>
+            </a:r>
+          </a:p>
+        </p:txBody>
+      </p:sp>
+      <p:sp>
+        <p:nvSpPr>
+          <p:cNvPr id="126" name="CasellaDiTesto 125">
+            <a:extLst>
+              <a:ext uri="{FF2B5EF4-FFF2-40B4-BE49-F238E27FC236}">
+                <a16:creationId xmlns:a16="http://schemas.microsoft.com/office/drawing/2014/main" id="{8524E490-2DA2-49FA-B9F2-627C0E35E28D}"/>
+              </a:ext>
+            </a:extLst>
+          </p:cNvPr>
+          <p:cNvSpPr txBox="1"/>
+          <p:nvPr/>
+        </p:nvSpPr>
+        <p:spPr>
+          <a:xfrm>
+            <a:off x="4179392" y="1626063"/>
+            <a:ext cx="1319212" cy="646331"/>
+          </a:xfrm>
+          <a:prstGeom prst="rect">
+            <a:avLst/>
+          </a:prstGeom>
+          <a:noFill/>
+        </p:spPr>
+        <p:txBody>
+          <a:bodyPr wrap="square" rtlCol="0">
+            <a:spAutoFit/>
+          </a:bodyPr>
+          <a:lstStyle/>
+          <a:p>
+            <a:pPr algn="ctr"/>
+            <a:r>
+              <a:rPr lang="it-IT" dirty="0" err="1"/>
+              <a:t>Mod</a:t>
+            </a:r>
+            <a:r>
+              <a:rPr lang="it-IT" dirty="0"/>
+              <a:t>. Filter Gain</a:t>
+            </a:r>
+          </a:p>
+        </p:txBody>
+      </p:sp>
+      <p:sp>
+        <p:nvSpPr>
+          <p:cNvPr id="127" name="CasellaDiTesto 126">
+            <a:extLst>
+              <a:ext uri="{FF2B5EF4-FFF2-40B4-BE49-F238E27FC236}">
+                <a16:creationId xmlns:a16="http://schemas.microsoft.com/office/drawing/2014/main" id="{770C41BD-F875-4ACB-8F87-716385308C01}"/>
+              </a:ext>
+            </a:extLst>
+          </p:cNvPr>
+          <p:cNvSpPr txBox="1"/>
+          <p:nvPr/>
+        </p:nvSpPr>
+        <p:spPr>
+          <a:xfrm>
+            <a:off x="6257925" y="2929622"/>
+            <a:ext cx="1400172" cy="646331"/>
+          </a:xfrm>
+          <a:prstGeom prst="rect">
+            <a:avLst/>
+          </a:prstGeom>
+          <a:noFill/>
+        </p:spPr>
+        <p:txBody>
+          <a:bodyPr wrap="square" rtlCol="0">
+            <a:spAutoFit/>
+          </a:bodyPr>
+          <a:lstStyle/>
+          <a:p>
+            <a:r>
+              <a:rPr lang="it-IT" dirty="0" err="1"/>
+              <a:t>Effect</a:t>
+            </a:r>
+            <a:r>
+              <a:rPr lang="it-IT" dirty="0"/>
+              <a:t> Chain??</a:t>
+            </a:r>
+          </a:p>
+        </p:txBody>
+      </p:sp>
+      <p:sp>
+        <p:nvSpPr>
+          <p:cNvPr id="128" name="CasellaDiTesto 127">
+            <a:extLst>
+              <a:ext uri="{FF2B5EF4-FFF2-40B4-BE49-F238E27FC236}">
+                <a16:creationId xmlns:a16="http://schemas.microsoft.com/office/drawing/2014/main" id="{8B7C3B79-AA4E-4852-B54A-C6A9BC798EAD}"/>
+              </a:ext>
+            </a:extLst>
+          </p:cNvPr>
+          <p:cNvSpPr txBox="1"/>
+          <p:nvPr/>
+        </p:nvSpPr>
+        <p:spPr>
+          <a:xfrm>
+            <a:off x="6375349" y="1736286"/>
+            <a:ext cx="1165323" cy="369332"/>
+          </a:xfrm>
+          <a:prstGeom prst="rect">
+            <a:avLst/>
+          </a:prstGeom>
+          <a:noFill/>
+        </p:spPr>
+        <p:txBody>
+          <a:bodyPr wrap="square" rtlCol="0">
+            <a:spAutoFit/>
+          </a:bodyPr>
+          <a:lstStyle/>
+          <a:p>
+            <a:pPr algn="ctr"/>
+            <a:r>
+              <a:rPr lang="it-IT" dirty="0" err="1"/>
+              <a:t>Distortion</a:t>
+            </a:r>
+            <a:endParaRPr lang="it-IT" dirty="0"/>
+          </a:p>
+        </p:txBody>
+      </p:sp>
+      <p:sp>
+        <p:nvSpPr>
+          <p:cNvPr id="130" name="CasellaDiTesto 129">
+            <a:extLst>
+              <a:ext uri="{FF2B5EF4-FFF2-40B4-BE49-F238E27FC236}">
+                <a16:creationId xmlns:a16="http://schemas.microsoft.com/office/drawing/2014/main" id="{6362ACDE-5389-417B-9469-F47A30D1BC39}"/>
+              </a:ext>
+            </a:extLst>
+          </p:cNvPr>
+          <p:cNvSpPr txBox="1"/>
+          <p:nvPr/>
+        </p:nvSpPr>
+        <p:spPr>
+          <a:xfrm>
+            <a:off x="6230542" y="485641"/>
+            <a:ext cx="1400172" cy="369332"/>
+          </a:xfrm>
+          <a:prstGeom prst="rect">
+            <a:avLst/>
+          </a:prstGeom>
+          <a:noFill/>
+        </p:spPr>
+        <p:txBody>
+          <a:bodyPr wrap="square" rtlCol="0">
+            <a:spAutoFit/>
+          </a:bodyPr>
+          <a:lstStyle/>
+          <a:p>
+            <a:pPr algn="ctr"/>
+            <a:r>
+              <a:rPr lang="it-IT" dirty="0"/>
+              <a:t>Delay</a:t>
+            </a:r>
+          </a:p>
+        </p:txBody>
+      </p:sp>
+      <p:sp>
+        <p:nvSpPr>
+          <p:cNvPr id="134" name="Documento 133">
+            <a:extLst>
+              <a:ext uri="{FF2B5EF4-FFF2-40B4-BE49-F238E27FC236}">
+                <a16:creationId xmlns:a16="http://schemas.microsoft.com/office/drawing/2014/main" id="{0B19368A-DB1D-438C-A53A-7B0E4B4ADF95}"/>
+              </a:ext>
+            </a:extLst>
+          </p:cNvPr>
+          <p:cNvSpPr/>
+          <p:nvPr/>
+        </p:nvSpPr>
+        <p:spPr>
+          <a:xfrm>
+            <a:off x="6115049" y="2857497"/>
+            <a:ext cx="1626397" cy="976322"/>
+          </a:xfrm>
+          <a:prstGeom prst="flowChartDocument">
+            <a:avLst/>
+          </a:prstGeom>
+        </p:spPr>
+        <p:style>
+          <a:lnRef idx="2">
+            <a:schemeClr val="accent1">
+              <a:shade val="50000"/>
+            </a:schemeClr>
+          </a:lnRef>
+          <a:fillRef idx="1">
+            <a:schemeClr val="accent1"/>
+          </a:fillRef>
+          <a:effectRef idx="0">
+            <a:schemeClr val="accent1"/>
+          </a:effectRef>
+          <a:fontRef idx="minor">
+            <a:schemeClr val="lt1"/>
+          </a:fontRef>
+        </p:style>
+        <p:txBody>
+          <a:bodyPr rtlCol="0" anchor="ctr"/>
+          <a:lstStyle/>
+          <a:p>
+            <a:pPr algn="ctr"/>
+            <a:endParaRPr lang="it-IT"/>
+          </a:p>
+        </p:txBody>
+      </p:sp>
+      <p:sp>
+        <p:nvSpPr>
+          <p:cNvPr id="135" name="CasellaDiTesto 134">
+            <a:extLst>
+              <a:ext uri="{FF2B5EF4-FFF2-40B4-BE49-F238E27FC236}">
+                <a16:creationId xmlns:a16="http://schemas.microsoft.com/office/drawing/2014/main" id="{23BAF7AB-B3CC-44FA-97EF-AA93C93707E6}"/>
+              </a:ext>
+            </a:extLst>
+          </p:cNvPr>
+          <p:cNvSpPr txBox="1"/>
+          <p:nvPr/>
+        </p:nvSpPr>
+        <p:spPr>
+          <a:xfrm>
+            <a:off x="6230542" y="3068118"/>
+            <a:ext cx="1427555" cy="369332"/>
+          </a:xfrm>
+          <a:prstGeom prst="rect">
+            <a:avLst/>
+          </a:prstGeom>
+          <a:noFill/>
+        </p:spPr>
+        <p:txBody>
+          <a:bodyPr wrap="square" rtlCol="0">
+            <a:spAutoFit/>
+          </a:bodyPr>
+          <a:lstStyle/>
+          <a:p>
+            <a:pPr algn="ctr"/>
+            <a:r>
+              <a:rPr lang="it-IT" dirty="0" err="1"/>
+              <a:t>Effect</a:t>
+            </a:r>
+            <a:r>
+              <a:rPr lang="it-IT" dirty="0"/>
+              <a:t> Chain</a:t>
+            </a:r>
+          </a:p>
+        </p:txBody>
+      </p:sp>
+      <p:sp>
+        <p:nvSpPr>
+          <p:cNvPr id="136" name="CasellaDiTesto 135">
+            <a:extLst>
+              <a:ext uri="{FF2B5EF4-FFF2-40B4-BE49-F238E27FC236}">
+                <a16:creationId xmlns:a16="http://schemas.microsoft.com/office/drawing/2014/main" id="{47AAAB89-BFD7-4CC2-BB99-1FB520D4B921}"/>
+              </a:ext>
+            </a:extLst>
+          </p:cNvPr>
+          <p:cNvSpPr txBox="1"/>
+          <p:nvPr/>
+        </p:nvSpPr>
+        <p:spPr>
+          <a:xfrm>
+            <a:off x="2231394" y="1633536"/>
+            <a:ext cx="1205046" cy="646331"/>
+          </a:xfrm>
+          <a:prstGeom prst="rect">
+            <a:avLst/>
+          </a:prstGeom>
+          <a:noFill/>
+        </p:spPr>
+        <p:txBody>
+          <a:bodyPr wrap="square" rtlCol="0">
+            <a:spAutoFit/>
+          </a:bodyPr>
+          <a:lstStyle/>
+          <a:p>
+            <a:pPr algn="ctr"/>
+            <a:r>
+              <a:rPr lang="it-IT" dirty="0"/>
+              <a:t>Modulator</a:t>
+            </a:r>
+          </a:p>
+          <a:p>
+            <a:pPr algn="ctr"/>
+            <a:r>
+              <a:rPr lang="it-IT" dirty="0" err="1"/>
+              <a:t>Oscillator</a:t>
+            </a:r>
+            <a:endParaRPr lang="it-IT" dirty="0"/>
+          </a:p>
+        </p:txBody>
+      </p:sp>
+      <p:sp>
+        <p:nvSpPr>
+          <p:cNvPr id="137" name="CasellaDiTesto 136">
+            <a:extLst>
+              <a:ext uri="{FF2B5EF4-FFF2-40B4-BE49-F238E27FC236}">
+                <a16:creationId xmlns:a16="http://schemas.microsoft.com/office/drawing/2014/main" id="{3D5394B6-39F4-400C-A635-6D67983815FE}"/>
+              </a:ext>
+            </a:extLst>
+          </p:cNvPr>
+          <p:cNvSpPr txBox="1"/>
+          <p:nvPr/>
+        </p:nvSpPr>
+        <p:spPr>
+          <a:xfrm>
+            <a:off x="8382000" y="485641"/>
+            <a:ext cx="1457325" cy="369332"/>
+          </a:xfrm>
+          <a:prstGeom prst="rect">
+            <a:avLst/>
+          </a:prstGeom>
+          <a:noFill/>
+        </p:spPr>
+        <p:txBody>
+          <a:bodyPr wrap="square" rtlCol="0">
+            <a:spAutoFit/>
+          </a:bodyPr>
+          <a:lstStyle/>
+          <a:p>
+            <a:pPr algn="ctr"/>
+            <a:r>
+              <a:rPr lang="it-IT" dirty="0"/>
+              <a:t>Gain Delay</a:t>
+            </a:r>
+          </a:p>
+        </p:txBody>
+      </p:sp>
+      <p:sp>
+        <p:nvSpPr>
+          <p:cNvPr id="138" name="CasellaDiTesto 137">
+            <a:extLst>
+              <a:ext uri="{FF2B5EF4-FFF2-40B4-BE49-F238E27FC236}">
+                <a16:creationId xmlns:a16="http://schemas.microsoft.com/office/drawing/2014/main" id="{7B853688-82A0-4AC1-AE96-CEBBCDF82B24}"/>
+              </a:ext>
+            </a:extLst>
+          </p:cNvPr>
+          <p:cNvSpPr txBox="1"/>
+          <p:nvPr/>
+        </p:nvSpPr>
+        <p:spPr>
+          <a:xfrm>
+            <a:off x="8526512" y="1736286"/>
+            <a:ext cx="1127078" cy="369332"/>
+          </a:xfrm>
+          <a:prstGeom prst="rect">
+            <a:avLst/>
+          </a:prstGeom>
+          <a:noFill/>
+        </p:spPr>
+        <p:txBody>
+          <a:bodyPr wrap="square" rtlCol="0">
+            <a:spAutoFit/>
+          </a:bodyPr>
+          <a:lstStyle/>
+          <a:p>
+            <a:r>
+              <a:rPr lang="it-IT" dirty="0"/>
+              <a:t>Convolver</a:t>
+            </a:r>
+          </a:p>
+        </p:txBody>
+      </p:sp>
+      <p:sp>
+        <p:nvSpPr>
+          <p:cNvPr id="139" name="CasellaDiTesto 138">
+            <a:extLst>
+              <a:ext uri="{FF2B5EF4-FFF2-40B4-BE49-F238E27FC236}">
+                <a16:creationId xmlns:a16="http://schemas.microsoft.com/office/drawing/2014/main" id="{569119AB-5CFF-4CC6-B9BB-F32C463B4BEC}"/>
+              </a:ext>
+            </a:extLst>
+          </p:cNvPr>
+          <p:cNvSpPr txBox="1"/>
+          <p:nvPr/>
+        </p:nvSpPr>
+        <p:spPr>
+          <a:xfrm>
+            <a:off x="8391527" y="3045383"/>
+            <a:ext cx="1533525" cy="369332"/>
+          </a:xfrm>
+          <a:prstGeom prst="rect">
+            <a:avLst/>
+          </a:prstGeom>
+          <a:noFill/>
+        </p:spPr>
+        <p:txBody>
+          <a:bodyPr wrap="square" rtlCol="0">
+            <a:spAutoFit/>
+          </a:bodyPr>
+          <a:lstStyle/>
+          <a:p>
+            <a:r>
+              <a:rPr lang="it-IT" dirty="0"/>
+              <a:t>Rev. Dry Gain</a:t>
+            </a:r>
+          </a:p>
+        </p:txBody>
+      </p:sp>
+      <p:sp>
+        <p:nvSpPr>
+          <p:cNvPr id="140" name="CasellaDiTesto 139">
+            <a:extLst>
+              <a:ext uri="{FF2B5EF4-FFF2-40B4-BE49-F238E27FC236}">
+                <a16:creationId xmlns:a16="http://schemas.microsoft.com/office/drawing/2014/main" id="{88D04450-B439-443A-A105-F1E71A3E56D5}"/>
+              </a:ext>
+            </a:extLst>
+          </p:cNvPr>
+          <p:cNvSpPr txBox="1"/>
+          <p:nvPr/>
+        </p:nvSpPr>
+        <p:spPr>
+          <a:xfrm>
+            <a:off x="10384634" y="1764028"/>
+            <a:ext cx="1633534" cy="369332"/>
+          </a:xfrm>
+          <a:prstGeom prst="rect">
+            <a:avLst/>
+          </a:prstGeom>
+          <a:noFill/>
+        </p:spPr>
+        <p:txBody>
+          <a:bodyPr wrap="square" rtlCol="0">
+            <a:spAutoFit/>
+          </a:bodyPr>
+          <a:lstStyle/>
+          <a:p>
+            <a:pPr algn="ctr"/>
+            <a:r>
+              <a:rPr lang="it-IT" dirty="0"/>
+              <a:t>Rev. </a:t>
+            </a:r>
+            <a:r>
+              <a:rPr lang="it-IT" dirty="0" err="1"/>
+              <a:t>Wet</a:t>
+            </a:r>
+            <a:r>
+              <a:rPr lang="it-IT" dirty="0"/>
+              <a:t> Gain</a:t>
+            </a:r>
+          </a:p>
+        </p:txBody>
+      </p:sp>
+      <p:sp>
+        <p:nvSpPr>
+          <p:cNvPr id="144" name="CasellaDiTesto 143">
+            <a:extLst>
+              <a:ext uri="{FF2B5EF4-FFF2-40B4-BE49-F238E27FC236}">
+                <a16:creationId xmlns:a16="http://schemas.microsoft.com/office/drawing/2014/main" id="{BB6557C6-AAEC-408A-9C95-581C91541E06}"/>
+              </a:ext>
+            </a:extLst>
+          </p:cNvPr>
+          <p:cNvSpPr txBox="1"/>
+          <p:nvPr/>
+        </p:nvSpPr>
+        <p:spPr>
+          <a:xfrm>
+            <a:off x="10507268" y="3059668"/>
+            <a:ext cx="1378744" cy="369332"/>
+          </a:xfrm>
+          <a:prstGeom prst="rect">
+            <a:avLst/>
+          </a:prstGeom>
+          <a:noFill/>
+        </p:spPr>
+        <p:txBody>
+          <a:bodyPr wrap="square" rtlCol="0">
+            <a:spAutoFit/>
+          </a:bodyPr>
+          <a:lstStyle/>
+          <a:p>
+            <a:pPr algn="ctr"/>
+            <a:r>
+              <a:rPr lang="it-IT" dirty="0"/>
+              <a:t>Master Gain</a:t>
+            </a:r>
+          </a:p>
+        </p:txBody>
+      </p:sp>
+      <p:sp>
+        <p:nvSpPr>
+          <p:cNvPr id="145" name="CasellaDiTesto 144">
+            <a:extLst>
+              <a:ext uri="{FF2B5EF4-FFF2-40B4-BE49-F238E27FC236}">
+                <a16:creationId xmlns:a16="http://schemas.microsoft.com/office/drawing/2014/main" id="{6D98F22A-6073-4CCF-8D3A-8314F63C3517}"/>
+              </a:ext>
+            </a:extLst>
+          </p:cNvPr>
+          <p:cNvSpPr txBox="1"/>
+          <p:nvPr/>
+        </p:nvSpPr>
+        <p:spPr>
+          <a:xfrm>
+            <a:off x="10507268" y="4467227"/>
+            <a:ext cx="1378724" cy="369332"/>
+          </a:xfrm>
+          <a:prstGeom prst="rect">
+            <a:avLst/>
+          </a:prstGeom>
+          <a:noFill/>
+        </p:spPr>
+        <p:txBody>
+          <a:bodyPr wrap="square" rtlCol="0">
+            <a:spAutoFit/>
+          </a:bodyPr>
+          <a:lstStyle/>
+          <a:p>
+            <a:pPr algn="ctr"/>
+            <a:r>
+              <a:rPr lang="it-IT" dirty="0" err="1"/>
+              <a:t>Compressor</a:t>
+            </a:r>
+            <a:endParaRPr lang="it-IT" dirty="0"/>
+          </a:p>
+        </p:txBody>
+      </p:sp>
+      <p:sp>
+        <p:nvSpPr>
+          <p:cNvPr id="146" name="CasellaDiTesto 145">
+            <a:extLst>
+              <a:ext uri="{FF2B5EF4-FFF2-40B4-BE49-F238E27FC236}">
+                <a16:creationId xmlns:a16="http://schemas.microsoft.com/office/drawing/2014/main" id="{00D62CF8-44C7-4DC0-A980-3DCB778675B1}"/>
+              </a:ext>
+            </a:extLst>
+          </p:cNvPr>
+          <p:cNvSpPr txBox="1"/>
+          <p:nvPr/>
+        </p:nvSpPr>
+        <p:spPr>
+          <a:xfrm>
+            <a:off x="10507268" y="5860008"/>
+            <a:ext cx="1378724" cy="369332"/>
+          </a:xfrm>
+          <a:prstGeom prst="rect">
+            <a:avLst/>
+          </a:prstGeom>
+          <a:noFill/>
+        </p:spPr>
+        <p:txBody>
+          <a:bodyPr wrap="square" rtlCol="0">
+            <a:spAutoFit/>
+          </a:bodyPr>
+          <a:lstStyle/>
+          <a:p>
+            <a:pPr algn="ctr"/>
+            <a:r>
+              <a:rPr lang="it-IT" dirty="0"/>
+              <a:t>Analyzer</a:t>
+            </a:r>
+          </a:p>
+        </p:txBody>
+      </p:sp>
+      <p:cxnSp>
+        <p:nvCxnSpPr>
+          <p:cNvPr id="148" name="Connettore 2 147">
+            <a:extLst>
+              <a:ext uri="{FF2B5EF4-FFF2-40B4-BE49-F238E27FC236}">
+                <a16:creationId xmlns:a16="http://schemas.microsoft.com/office/drawing/2014/main" id="{079A14AE-1190-4BDB-9A9A-DE27AD77208B}"/>
+              </a:ext>
+            </a:extLst>
+          </p:cNvPr>
+          <p:cNvCxnSpPr>
+            <a:cxnSpLocks/>
+            <a:stCxn id="27" idx="1"/>
+          </p:cNvCxnSpPr>
+          <p:nvPr/>
+        </p:nvCxnSpPr>
+        <p:spPr>
+          <a:xfrm flipH="1">
+            <a:off x="8358190" y="6053135"/>
+            <a:ext cx="2076450" cy="5823"/>
+          </a:xfrm>
+          <a:prstGeom prst="straightConnector1">
+            <a:avLst/>
+          </a:prstGeom>
+          <a:ln>
+            <a:tailEnd type="triangle"/>
+          </a:ln>
+        </p:spPr>
+        <p:style>
+          <a:lnRef idx="1">
+            <a:schemeClr val="accent1"/>
+          </a:lnRef>
+          <a:fillRef idx="0">
+            <a:schemeClr val="accent1"/>
+          </a:fillRef>
+          <a:effectRef idx="0">
+            <a:schemeClr val="accent1"/>
+          </a:effectRef>
+          <a:fontRef idx="minor">
+            <a:schemeClr val="tx1"/>
+          </a:fontRef>
+        </p:style>
+      </p:cxnSp>
+      <p:sp>
+        <p:nvSpPr>
+          <p:cNvPr id="151" name="CasellaDiTesto 150">
+            <a:extLst>
+              <a:ext uri="{FF2B5EF4-FFF2-40B4-BE49-F238E27FC236}">
+                <a16:creationId xmlns:a16="http://schemas.microsoft.com/office/drawing/2014/main" id="{806A4859-0666-4D4C-ACD3-000C7AC10B6C}"/>
+              </a:ext>
+            </a:extLst>
+          </p:cNvPr>
+          <p:cNvSpPr txBox="1"/>
+          <p:nvPr/>
+        </p:nvSpPr>
+        <p:spPr>
+          <a:xfrm>
+            <a:off x="6227859" y="5868468"/>
+            <a:ext cx="2298653" cy="369332"/>
+          </a:xfrm>
+          <a:prstGeom prst="rect">
+            <a:avLst/>
+          </a:prstGeom>
+          <a:noFill/>
+        </p:spPr>
+        <p:txBody>
+          <a:bodyPr wrap="square" rtlCol="0">
+            <a:spAutoFit/>
+          </a:bodyPr>
+          <a:lstStyle/>
+          <a:p>
+            <a:r>
+              <a:rPr lang="it-IT" dirty="0" err="1"/>
+              <a:t>Context</a:t>
+            </a:r>
+            <a:r>
+              <a:rPr lang="it-IT" dirty="0"/>
+              <a:t> </a:t>
+            </a:r>
+            <a:r>
+              <a:rPr lang="it-IT" dirty="0" err="1"/>
+              <a:t>Destination</a:t>
+            </a:r>
+            <a:endParaRPr lang="it-IT" dirty="0"/>
+          </a:p>
+        </p:txBody>
+      </p:sp>
+      <p:sp>
+        <p:nvSpPr>
+          <p:cNvPr id="152" name="CasellaDiTesto 151">
+            <a:extLst>
+              <a:ext uri="{FF2B5EF4-FFF2-40B4-BE49-F238E27FC236}">
+                <a16:creationId xmlns:a16="http://schemas.microsoft.com/office/drawing/2014/main" id="{A6070A32-178F-4976-A31E-6E6EAEBB93D5}"/>
+              </a:ext>
+            </a:extLst>
+          </p:cNvPr>
+          <p:cNvSpPr txBox="1"/>
+          <p:nvPr/>
+        </p:nvSpPr>
+        <p:spPr>
+          <a:xfrm>
+            <a:off x="3882654" y="3833819"/>
+            <a:ext cx="2194298" cy="1107996"/>
+          </a:xfrm>
+          <a:prstGeom prst="rect">
+            <a:avLst/>
+          </a:prstGeom>
+          <a:noFill/>
+        </p:spPr>
+        <p:txBody>
+          <a:bodyPr wrap="square" rtlCol="0">
+            <a:spAutoFit/>
+          </a:bodyPr>
+          <a:lstStyle/>
+          <a:p>
+            <a:r>
+              <a:rPr lang="it-IT" dirty="0"/>
+              <a:t>- </a:t>
+            </a:r>
+            <a:r>
+              <a:rPr lang="it-IT" dirty="0" err="1"/>
+              <a:t>C</a:t>
+            </a:r>
+            <a:r>
+              <a:rPr lang="it-IT" sz="1600" dirty="0" err="1"/>
+              <a:t>urrent</a:t>
+            </a:r>
+            <a:r>
+              <a:rPr lang="it-IT" sz="1600" dirty="0"/>
+              <a:t> </a:t>
+            </a:r>
+            <a:r>
+              <a:rPr lang="it-IT" sz="1600" dirty="0" err="1"/>
+              <a:t>Env</a:t>
+            </a:r>
+            <a:r>
+              <a:rPr lang="it-IT" sz="1600" dirty="0"/>
+              <a:t>. </a:t>
+            </a:r>
+            <a:r>
+              <a:rPr lang="it-IT" sz="1600" dirty="0" err="1"/>
+              <a:t>Decay</a:t>
+            </a:r>
+            <a:endParaRPr lang="it-IT" sz="1600" dirty="0"/>
+          </a:p>
+          <a:p>
+            <a:r>
+              <a:rPr lang="it-IT" sz="1600" dirty="0"/>
+              <a:t>- </a:t>
+            </a:r>
+            <a:r>
+              <a:rPr lang="it-IT" sz="1600" dirty="0" err="1"/>
+              <a:t>Current</a:t>
+            </a:r>
+            <a:r>
+              <a:rPr lang="it-IT" sz="1600" dirty="0"/>
+              <a:t> </a:t>
+            </a:r>
+            <a:r>
+              <a:rPr lang="it-IT" sz="1600" dirty="0" err="1"/>
+              <a:t>Env</a:t>
+            </a:r>
+            <a:r>
+              <a:rPr lang="it-IT" sz="1600" dirty="0"/>
+              <a:t>. </a:t>
+            </a:r>
+            <a:r>
+              <a:rPr lang="it-IT" sz="1600" dirty="0" err="1"/>
+              <a:t>Sustain</a:t>
+            </a:r>
+            <a:endParaRPr lang="it-IT" sz="1600" dirty="0"/>
+          </a:p>
+          <a:p>
+            <a:r>
+              <a:rPr lang="it-IT" sz="1600" dirty="0"/>
+              <a:t>- </a:t>
+            </a:r>
+            <a:r>
+              <a:rPr lang="it-IT" sz="1600" dirty="0" err="1"/>
+              <a:t>Current</a:t>
+            </a:r>
+            <a:r>
+              <a:rPr lang="it-IT" sz="1600" dirty="0"/>
+              <a:t> </a:t>
+            </a:r>
+            <a:r>
+              <a:rPr lang="it-IT" sz="1600" dirty="0" err="1"/>
+              <a:t>Env</a:t>
+            </a:r>
+            <a:r>
+              <a:rPr lang="it-IT" sz="1600" dirty="0"/>
+              <a:t>. </a:t>
+            </a:r>
+          </a:p>
+          <a:p>
+            <a:r>
+              <a:rPr lang="it-IT" sz="1600" dirty="0"/>
+              <a:t>- </a:t>
+            </a:r>
+            <a:r>
+              <a:rPr lang="it-IT" sz="1600" dirty="0" err="1"/>
+              <a:t>Env</a:t>
+            </a:r>
+            <a:endParaRPr lang="it-IT" dirty="0"/>
+          </a:p>
+        </p:txBody>
+      </p:sp>
+      <p:sp>
+        <p:nvSpPr>
+          <p:cNvPr id="154" name="CasellaDiTesto 153">
+            <a:extLst>
+              <a:ext uri="{FF2B5EF4-FFF2-40B4-BE49-F238E27FC236}">
+                <a16:creationId xmlns:a16="http://schemas.microsoft.com/office/drawing/2014/main" id="{BA70F0F0-6744-421E-A42E-61BE8A14F80C}"/>
+              </a:ext>
+            </a:extLst>
+          </p:cNvPr>
+          <p:cNvSpPr txBox="1"/>
+          <p:nvPr/>
+        </p:nvSpPr>
+        <p:spPr>
+          <a:xfrm>
+            <a:off x="2028827" y="3837209"/>
+            <a:ext cx="1604957" cy="1107996"/>
+          </a:xfrm>
+          <a:prstGeom prst="rect">
+            <a:avLst/>
+          </a:prstGeom>
+          <a:noFill/>
+        </p:spPr>
+        <p:txBody>
+          <a:bodyPr wrap="square" rtlCol="0">
+            <a:spAutoFit/>
+          </a:bodyPr>
+          <a:lstStyle/>
+          <a:p>
+            <a:r>
+              <a:rPr lang="it-IT" dirty="0"/>
+              <a:t>- </a:t>
+            </a:r>
+            <a:r>
+              <a:rPr lang="it-IT" sz="1600" dirty="0" err="1"/>
+              <a:t>Type</a:t>
+            </a:r>
+            <a:endParaRPr lang="it-IT" sz="1600" dirty="0"/>
+          </a:p>
+          <a:p>
+            <a:r>
+              <a:rPr lang="it-IT" sz="1600" dirty="0"/>
+              <a:t>- </a:t>
+            </a:r>
+            <a:r>
+              <a:rPr lang="it-IT" sz="1600" dirty="0" err="1"/>
+              <a:t>Oscillator</a:t>
+            </a:r>
+            <a:r>
+              <a:rPr lang="it-IT" sz="1600" dirty="0"/>
+              <a:t> </a:t>
+            </a:r>
+            <a:r>
+              <a:rPr lang="it-IT" sz="1600" dirty="0" err="1"/>
+              <a:t>value</a:t>
+            </a:r>
+            <a:endParaRPr lang="it-IT" sz="1600" dirty="0"/>
+          </a:p>
+          <a:p>
+            <a:r>
+              <a:rPr lang="it-IT" sz="1600" dirty="0"/>
+              <a:t>- Frequency</a:t>
+            </a:r>
+          </a:p>
+          <a:p>
+            <a:r>
+              <a:rPr lang="it-IT" sz="1600" dirty="0"/>
+              <a:t>- </a:t>
+            </a:r>
+            <a:r>
+              <a:rPr lang="it-IT" sz="1600" dirty="0" err="1"/>
+              <a:t>Detune</a:t>
+            </a:r>
+            <a:endParaRPr lang="it-IT" dirty="0"/>
+          </a:p>
+        </p:txBody>
+      </p:sp>
+      <p:sp>
+        <p:nvSpPr>
+          <p:cNvPr id="155" name="CasellaDiTesto 154">
+            <a:extLst>
+              <a:ext uri="{FF2B5EF4-FFF2-40B4-BE49-F238E27FC236}">
+                <a16:creationId xmlns:a16="http://schemas.microsoft.com/office/drawing/2014/main" id="{7F145896-B9C9-4303-B933-9367887A55F4}"/>
+              </a:ext>
+            </a:extLst>
+          </p:cNvPr>
+          <p:cNvSpPr txBox="1"/>
+          <p:nvPr/>
+        </p:nvSpPr>
+        <p:spPr>
+          <a:xfrm>
+            <a:off x="73988" y="2245162"/>
+            <a:ext cx="1345405" cy="584775"/>
+          </a:xfrm>
+          <a:prstGeom prst="rect">
+            <a:avLst/>
+          </a:prstGeom>
+          <a:noFill/>
+        </p:spPr>
+        <p:txBody>
+          <a:bodyPr wrap="square" rtlCol="0">
+            <a:spAutoFit/>
+          </a:bodyPr>
+          <a:lstStyle/>
+          <a:p>
+            <a:r>
+              <a:rPr lang="it-IT" sz="1600" dirty="0"/>
+              <a:t>- </a:t>
+            </a:r>
+            <a:r>
+              <a:rPr lang="it-IT" sz="1600" dirty="0" err="1"/>
+              <a:t>Freq</a:t>
+            </a:r>
+            <a:r>
+              <a:rPr lang="it-IT" sz="1600" dirty="0"/>
+              <a:t>.</a:t>
+            </a:r>
+          </a:p>
+          <a:p>
+            <a:r>
+              <a:rPr lang="it-IT" sz="1600" dirty="0"/>
+              <a:t>- </a:t>
+            </a:r>
+            <a:r>
+              <a:rPr lang="it-IT" sz="1600" dirty="0" err="1"/>
+              <a:t>Type</a:t>
+            </a:r>
+            <a:endParaRPr lang="it-IT" sz="1600" dirty="0"/>
+          </a:p>
+        </p:txBody>
+      </p:sp>
+      <p:sp>
+        <p:nvSpPr>
+          <p:cNvPr id="156" name="CasellaDiTesto 155">
+            <a:extLst>
+              <a:ext uri="{FF2B5EF4-FFF2-40B4-BE49-F238E27FC236}">
+                <a16:creationId xmlns:a16="http://schemas.microsoft.com/office/drawing/2014/main" id="{82C5D6F4-4749-4928-981E-F317473336D6}"/>
+              </a:ext>
+            </a:extLst>
+          </p:cNvPr>
+          <p:cNvSpPr txBox="1"/>
+          <p:nvPr/>
+        </p:nvSpPr>
+        <p:spPr>
+          <a:xfrm rot="19385990">
+            <a:off x="578952" y="738775"/>
+            <a:ext cx="1811913" cy="292388"/>
+          </a:xfrm>
+          <a:prstGeom prst="rect">
+            <a:avLst/>
+          </a:prstGeom>
+          <a:noFill/>
+        </p:spPr>
+        <p:txBody>
+          <a:bodyPr wrap="square" rtlCol="0">
+            <a:spAutoFit/>
+          </a:bodyPr>
+          <a:lstStyle/>
+          <a:p>
+            <a:r>
+              <a:rPr lang="it-IT" sz="1300" dirty="0"/>
+              <a:t>Connect (</a:t>
+            </a:r>
+            <a:r>
+              <a:rPr lang="it-IT" sz="1300" dirty="0" err="1"/>
+              <a:t>Osc</a:t>
+            </a:r>
+            <a:r>
+              <a:rPr lang="it-IT" sz="1300" dirty="0"/>
+              <a:t>. </a:t>
+            </a:r>
+            <a:r>
+              <a:rPr lang="it-IT" sz="1300" dirty="0" err="1"/>
+              <a:t>Freq</a:t>
+            </a:r>
+            <a:r>
+              <a:rPr lang="it-IT" sz="1300" dirty="0"/>
+              <a:t>)</a:t>
+            </a:r>
+          </a:p>
+        </p:txBody>
+      </p:sp>
+      <p:sp>
+        <p:nvSpPr>
+          <p:cNvPr id="157" name="CasellaDiTesto 156">
+            <a:extLst>
+              <a:ext uri="{FF2B5EF4-FFF2-40B4-BE49-F238E27FC236}">
+                <a16:creationId xmlns:a16="http://schemas.microsoft.com/office/drawing/2014/main" id="{36723D85-1C22-490A-BDFA-44D4A015D0D4}"/>
+              </a:ext>
+            </a:extLst>
+          </p:cNvPr>
+          <p:cNvSpPr txBox="1"/>
+          <p:nvPr/>
+        </p:nvSpPr>
+        <p:spPr>
+          <a:xfrm>
+            <a:off x="4015603" y="1277479"/>
+            <a:ext cx="1897560" cy="307777"/>
+          </a:xfrm>
+          <a:prstGeom prst="rect">
+            <a:avLst/>
+          </a:prstGeom>
+          <a:noFill/>
+        </p:spPr>
+        <p:txBody>
+          <a:bodyPr wrap="square" rtlCol="0">
+            <a:spAutoFit/>
+          </a:bodyPr>
+          <a:lstStyle/>
+          <a:p>
+            <a:r>
+              <a:rPr lang="it-IT" sz="1400" dirty="0"/>
+              <a:t>Gain = </a:t>
+            </a:r>
+            <a:r>
+              <a:rPr lang="it-IT" sz="1400" dirty="0" err="1"/>
+              <a:t>FilerGain</a:t>
+            </a:r>
+            <a:r>
+              <a:rPr lang="it-IT" sz="1400" dirty="0"/>
+              <a:t> * 24</a:t>
+            </a:r>
+          </a:p>
+        </p:txBody>
+      </p:sp>
+      <p:sp>
+        <p:nvSpPr>
+          <p:cNvPr id="158" name="CasellaDiTesto 157">
+            <a:extLst>
+              <a:ext uri="{FF2B5EF4-FFF2-40B4-BE49-F238E27FC236}">
+                <a16:creationId xmlns:a16="http://schemas.microsoft.com/office/drawing/2014/main" id="{56233CC7-F126-48AD-936C-DC6F6975E815}"/>
+              </a:ext>
+            </a:extLst>
+          </p:cNvPr>
+          <p:cNvSpPr txBox="1"/>
+          <p:nvPr/>
+        </p:nvSpPr>
+        <p:spPr>
+          <a:xfrm rot="19466055">
+            <a:off x="2642338" y="2104586"/>
+            <a:ext cx="2419338" cy="261610"/>
+          </a:xfrm>
+          <a:prstGeom prst="rect">
+            <a:avLst/>
+          </a:prstGeom>
+          <a:noFill/>
+        </p:spPr>
+        <p:txBody>
+          <a:bodyPr wrap="square" rtlCol="0">
+            <a:spAutoFit/>
+          </a:bodyPr>
+          <a:lstStyle/>
+          <a:p>
+            <a:r>
+              <a:rPr lang="it-IT" sz="1100" dirty="0"/>
+              <a:t>Connect (Filter </a:t>
+            </a:r>
+            <a:r>
+              <a:rPr lang="it-IT" sz="1100" dirty="0" err="1"/>
+              <a:t>Detune</a:t>
+            </a:r>
+            <a:r>
+              <a:rPr lang="it-IT" sz="1100" dirty="0"/>
+              <a:t>)</a:t>
+            </a:r>
+          </a:p>
+        </p:txBody>
+      </p:sp>
+      <p:sp>
+        <p:nvSpPr>
+          <p:cNvPr id="159" name="CasellaDiTesto 158">
+            <a:extLst>
+              <a:ext uri="{FF2B5EF4-FFF2-40B4-BE49-F238E27FC236}">
+                <a16:creationId xmlns:a16="http://schemas.microsoft.com/office/drawing/2014/main" id="{66F4342A-3899-446B-ACB1-5AF45507CA63}"/>
+              </a:ext>
+            </a:extLst>
+          </p:cNvPr>
+          <p:cNvSpPr txBox="1"/>
+          <p:nvPr/>
+        </p:nvSpPr>
+        <p:spPr>
+          <a:xfrm>
+            <a:off x="1964271" y="2269812"/>
+            <a:ext cx="2047455" cy="584775"/>
+          </a:xfrm>
+          <a:prstGeom prst="rect">
+            <a:avLst/>
+          </a:prstGeom>
+          <a:noFill/>
+        </p:spPr>
+        <p:txBody>
+          <a:bodyPr wrap="square" rtlCol="0">
+            <a:spAutoFit/>
+          </a:bodyPr>
+          <a:lstStyle/>
+          <a:p>
+            <a:r>
+              <a:rPr lang="it-IT" sz="1600" dirty="0"/>
+              <a:t>- </a:t>
+            </a:r>
+            <a:r>
+              <a:rPr lang="it-IT" sz="1600" dirty="0" err="1"/>
+              <a:t>Freq</a:t>
+            </a:r>
+            <a:r>
+              <a:rPr lang="it-IT" sz="1600" dirty="0"/>
+              <a:t>.</a:t>
+            </a:r>
+          </a:p>
+          <a:p>
+            <a:r>
+              <a:rPr lang="it-IT" sz="1600" dirty="0"/>
+              <a:t>- </a:t>
+            </a:r>
+            <a:r>
+              <a:rPr lang="it-IT" sz="1600" dirty="0" err="1"/>
+              <a:t>Type</a:t>
+            </a:r>
+            <a:endParaRPr lang="it-IT" sz="1600" dirty="0"/>
+          </a:p>
+        </p:txBody>
+      </p:sp>
+    </p:spTree>
+    <p:extLst>
+      <p:ext uri="{BB962C8B-B14F-4D97-AF65-F5344CB8AC3E}">
+        <p14:creationId xmlns:p14="http://schemas.microsoft.com/office/powerpoint/2010/main" val="4192298921"/>
+      </p:ext>
+    </p:extLst>
+  </p:cSld>
+  <p:clrMapOvr>
+    <a:masterClrMapping/>
+  </p:clrMapOvr>
+</p:sld>
+</file>
+
+<file path=ppt/slides/slide15.xml><?xml version="1.0" encoding="utf-8"?>
+<p:sld xmlns:a="http://schemas.openxmlformats.org/drawingml/2006/main" xmlns:r="http://schemas.openxmlformats.org/officeDocument/2006/relationships" xmlns:p="http://schemas.openxmlformats.org/presentationml/2006/main">
+  <p:cSld>
+    <p:spTree>
+      <p:nvGrpSpPr>
+        <p:cNvPr id="1" name=""/>
+        <p:cNvGrpSpPr/>
+        <p:nvPr/>
+      </p:nvGrpSpPr>
+      <p:grpSpPr>
+        <a:xfrm>
+          <a:off x="0" y="0"/>
+          <a:ext cx="0" cy="0"/>
+          <a:chOff x="0" y="0"/>
+          <a:chExt cx="0" cy="0"/>
+        </a:xfrm>
+      </p:grpSpPr>
+      <p:sp>
+        <p:nvSpPr>
           <p:cNvPr id="2" name="Titolo 1">
             <a:extLst>
               <a:ext uri="{FF2B5EF4-FFF2-40B4-BE49-F238E27FC236}">
-                <a16:creationId xmlns:a16="http://schemas.microsoft.com/office/drawing/2014/main" id="{B3E64D82-CE6B-4D78-919F-F448E8ADB3E8}"/>
+                <a16:creationId xmlns:a16="http://schemas.microsoft.com/office/drawing/2014/main" id="{AD1B541A-7727-4028-AE57-42FD57279D25}"/>
               </a:ext>
             </a:extLst>
           </p:cNvPr>
@@ -4485,7 +7142,7 @@
           <a:p>
             <a:r>
               <a:rPr lang="it-IT" dirty="0"/>
-              <a:t>MANCANO</a:t>
+              <a:t>INTERFACE</a:t>
             </a:r>
           </a:p>
         </p:txBody>
@@ -4495,7 +7152,7 @@
           <p:cNvPr id="3" name="Segnaposto contenuto 2">
             <a:extLst>
               <a:ext uri="{FF2B5EF4-FFF2-40B4-BE49-F238E27FC236}">
-                <a16:creationId xmlns:a16="http://schemas.microsoft.com/office/drawing/2014/main" id="{27F6DF2F-8351-4AB0-96E3-627F39B10FED}"/>
+                <a16:creationId xmlns:a16="http://schemas.microsoft.com/office/drawing/2014/main" id="{085BC59A-20CF-4C29-847B-9C2A998BB5D7}"/>
               </a:ext>
             </a:extLst>
           </p:cNvPr>
@@ -4509,94 +7166,332 @@
         <p:spPr/>
         <p:txBody>
           <a:bodyPr>
-            <a:normAutofit lnSpcReduction="10000"/>
+            <a:normAutofit/>
           </a:bodyPr>
           <a:lstStyle/>
           <a:p>
             <a:r>
               <a:rPr lang="it-IT" dirty="0"/>
-              <a:t>Synth schema blocchi e </a:t>
-            </a:r>
-            <a:r>
-              <a:rPr lang="it-IT" dirty="0" err="1"/>
-              <a:t>spiegaz</a:t>
-            </a:r>
+              <a:t>Wide screen: </a:t>
+            </a:r>
+            <a:r>
+              <a:rPr lang="it-IT" dirty="0" err="1"/>
+              <a:t>where</a:t>
+            </a:r>
+            <a:r>
+              <a:rPr lang="it-IT" dirty="0"/>
+              <a:t> </a:t>
+            </a:r>
+            <a:r>
+              <a:rPr lang="it-IT" dirty="0" err="1"/>
+              <a:t>melodic</a:t>
+            </a:r>
+            <a:r>
+              <a:rPr lang="it-IT" dirty="0"/>
+              <a:t> </a:t>
+            </a:r>
+            <a:r>
+              <a:rPr lang="it-IT" dirty="0" err="1"/>
+              <a:t>contour</a:t>
+            </a:r>
+            <a:r>
+              <a:rPr lang="it-IT" dirty="0"/>
+              <a:t> </a:t>
+            </a:r>
+            <a:r>
+              <a:rPr lang="it-IT" dirty="0" err="1"/>
+              <a:t>is</a:t>
+            </a:r>
+            <a:r>
+              <a:rPr lang="it-IT" dirty="0"/>
+              <a:t> </a:t>
+            </a:r>
+            <a:r>
+              <a:rPr lang="it-IT" dirty="0" err="1"/>
+              <a:t>visualized</a:t>
+            </a:r>
+            <a:r>
+              <a:rPr lang="it-IT" dirty="0"/>
+              <a:t>. Head of trace </a:t>
+            </a:r>
+            <a:r>
+              <a:rPr lang="it-IT" dirty="0" err="1"/>
+              <a:t>dimension</a:t>
+            </a:r>
+            <a:r>
+              <a:rPr lang="it-IT" dirty="0"/>
+              <a:t> </a:t>
+            </a:r>
+            <a:r>
+              <a:rPr lang="it-IT" dirty="0" err="1"/>
+              <a:t>varies</a:t>
+            </a:r>
+            <a:r>
+              <a:rPr lang="it-IT" dirty="0"/>
+              <a:t> on </a:t>
+            </a:r>
+            <a:r>
+              <a:rPr lang="it-IT" dirty="0" err="1"/>
+              <a:t>wrist</a:t>
+            </a:r>
+            <a:r>
+              <a:rPr lang="it-IT" dirty="0"/>
+              <a:t> </a:t>
+            </a:r>
+            <a:r>
+              <a:rPr lang="it-IT" dirty="0" err="1"/>
+              <a:t>postion</a:t>
+            </a:r>
+            <a:r>
+              <a:rPr lang="it-IT" dirty="0"/>
+              <a:t>, </a:t>
+            </a:r>
+            <a:r>
+              <a:rPr lang="it-IT" dirty="0" err="1"/>
+              <a:t>associated</a:t>
+            </a:r>
+            <a:r>
+              <a:rPr lang="it-IT" dirty="0"/>
+              <a:t> with scale </a:t>
+            </a:r>
+            <a:r>
+              <a:rPr lang="it-IT" dirty="0" err="1"/>
+              <a:t>brightness</a:t>
+            </a:r>
+            <a:r>
+              <a:rPr lang="it-IT" dirty="0"/>
+              <a:t>. Head of trace position </a:t>
+            </a:r>
+            <a:r>
+              <a:rPr lang="it-IT" dirty="0" err="1"/>
+              <a:t>depends</a:t>
+            </a:r>
+            <a:r>
+              <a:rPr lang="it-IT" dirty="0"/>
+              <a:t> on </a:t>
+            </a:r>
+            <a:r>
+              <a:rPr lang="it-IT" dirty="0" err="1"/>
+              <a:t>note’s</a:t>
+            </a:r>
+            <a:r>
+              <a:rPr lang="it-IT" dirty="0"/>
+              <a:t> </a:t>
+            </a:r>
+            <a:r>
+              <a:rPr lang="it-IT" dirty="0" err="1"/>
+              <a:t>keyboard</a:t>
+            </a:r>
+            <a:r>
+              <a:rPr lang="it-IT" dirty="0"/>
+              <a:t> position. Trace </a:t>
+            </a:r>
+            <a:r>
+              <a:rPr lang="it-IT" dirty="0" err="1"/>
+              <a:t>depends</a:t>
+            </a:r>
+            <a:r>
+              <a:rPr lang="it-IT" dirty="0"/>
+              <a:t> on </a:t>
+            </a:r>
+            <a:r>
+              <a:rPr lang="it-IT" dirty="0" err="1"/>
+              <a:t>selected</a:t>
+            </a:r>
+            <a:r>
+              <a:rPr lang="it-IT" dirty="0"/>
+              <a:t> scale.</a:t>
+            </a:r>
+          </a:p>
+          <a:p>
+            <a:r>
+              <a:rPr lang="it-IT" dirty="0"/>
+              <a:t>«MIDI» led: on </a:t>
+            </a:r>
+            <a:r>
+              <a:rPr lang="it-IT" dirty="0" err="1"/>
+              <a:t>if</a:t>
+            </a:r>
+            <a:r>
+              <a:rPr lang="it-IT" dirty="0"/>
+              <a:t> MIDI notes are </a:t>
+            </a:r>
+            <a:r>
+              <a:rPr lang="it-IT" dirty="0" err="1"/>
+              <a:t>received</a:t>
+            </a:r>
+            <a:r>
+              <a:rPr lang="it-IT" dirty="0"/>
+              <a:t> from </a:t>
+            </a:r>
+            <a:r>
+              <a:rPr lang="it-IT" dirty="0" err="1"/>
+              <a:t>keyboard</a:t>
+            </a:r>
+            <a:r>
+              <a:rPr lang="it-IT" dirty="0"/>
+              <a:t>;</a:t>
+            </a:r>
+          </a:p>
+          <a:p>
+            <a:r>
+              <a:rPr lang="it-IT" dirty="0"/>
+              <a:t>«</a:t>
+            </a:r>
+            <a:r>
+              <a:rPr lang="it-IT" dirty="0" err="1"/>
+              <a:t>Search</a:t>
+            </a:r>
+            <a:r>
+              <a:rPr lang="it-IT" dirty="0"/>
+              <a:t> device» </a:t>
+            </a:r>
+            <a:r>
+              <a:rPr lang="it-IT" dirty="0" err="1"/>
+              <a:t>button</a:t>
+            </a:r>
+            <a:r>
+              <a:rPr lang="it-IT" dirty="0"/>
+              <a:t>: BLE connection routine </a:t>
+            </a:r>
+            <a:r>
+              <a:rPr lang="it-IT" dirty="0" err="1"/>
+              <a:t>begins</a:t>
+            </a:r>
+            <a:r>
+              <a:rPr lang="it-IT" dirty="0"/>
+              <a:t>;</a:t>
+            </a:r>
+          </a:p>
+          <a:p>
+            <a:r>
+              <a:rPr lang="it-IT" dirty="0"/>
+              <a:t>«</a:t>
+            </a:r>
+            <a:r>
+              <a:rPr lang="it-IT" dirty="0" err="1"/>
+              <a:t>Fullscreen</a:t>
+            </a:r>
+            <a:r>
+              <a:rPr lang="it-IT" dirty="0"/>
+              <a:t>» </a:t>
+            </a:r>
+            <a:r>
+              <a:rPr lang="it-IT" dirty="0" err="1"/>
+              <a:t>button</a:t>
+            </a:r>
+            <a:r>
+              <a:rPr lang="it-IT" dirty="0"/>
+              <a:t>: </a:t>
+            </a:r>
+            <a:r>
+              <a:rPr lang="it-IT" dirty="0" err="1"/>
+              <a:t>visualization</a:t>
+            </a:r>
+            <a:r>
+              <a:rPr lang="it-IT" dirty="0"/>
+              <a:t> page </a:t>
+            </a:r>
+            <a:r>
+              <a:rPr lang="it-IT" dirty="0" err="1"/>
+              <a:t>goes</a:t>
+            </a:r>
+            <a:r>
+              <a:rPr lang="it-IT" dirty="0"/>
+              <a:t> full screen;</a:t>
+            </a:r>
+          </a:p>
+          <a:p>
+            <a:r>
+              <a:rPr lang="it-IT" dirty="0"/>
+              <a:t>«Start» </a:t>
+            </a:r>
+            <a:r>
+              <a:rPr lang="it-IT" dirty="0" err="1"/>
+              <a:t>button</a:t>
+            </a:r>
+            <a:r>
+              <a:rPr lang="it-IT" dirty="0"/>
+              <a:t>: </a:t>
+            </a:r>
+            <a:r>
+              <a:rPr lang="it-IT" dirty="0" err="1"/>
+              <a:t>melodic</a:t>
+            </a:r>
+            <a:r>
+              <a:rPr lang="it-IT" dirty="0"/>
+              <a:t> </a:t>
+            </a:r>
+            <a:r>
+              <a:rPr lang="it-IT" dirty="0" err="1"/>
+              <a:t>contour</a:t>
+            </a:r>
+            <a:r>
+              <a:rPr lang="it-IT" dirty="0"/>
+              <a:t> </a:t>
+            </a:r>
+            <a:r>
+              <a:rPr lang="it-IT" dirty="0" err="1"/>
+              <a:t>visualization</a:t>
+            </a:r>
+            <a:r>
+              <a:rPr lang="it-IT" dirty="0"/>
+              <a:t> </a:t>
+            </a:r>
+            <a:r>
+              <a:rPr lang="it-IT" dirty="0" err="1"/>
+              <a:t>begins</a:t>
+            </a:r>
+            <a:r>
+              <a:rPr lang="it-IT" dirty="0"/>
+              <a:t>;</a:t>
+            </a:r>
+          </a:p>
+          <a:p>
+            <a:r>
+              <a:rPr lang="it-IT" dirty="0"/>
+              <a:t>«Reset» </a:t>
+            </a:r>
+            <a:r>
+              <a:rPr lang="it-IT" dirty="0" err="1"/>
+              <a:t>button</a:t>
+            </a:r>
+            <a:r>
+              <a:rPr lang="it-IT" dirty="0"/>
+              <a:t>: </a:t>
+            </a:r>
+            <a:r>
+              <a:rPr lang="it-IT" dirty="0" err="1"/>
+              <a:t>melodic</a:t>
+            </a:r>
+            <a:r>
+              <a:rPr lang="it-IT" dirty="0"/>
+              <a:t> </a:t>
+            </a:r>
+            <a:r>
+              <a:rPr lang="it-IT" dirty="0" err="1"/>
+              <a:t>contour</a:t>
+            </a:r>
+            <a:r>
+              <a:rPr lang="it-IT" dirty="0"/>
+              <a:t> </a:t>
+            </a:r>
+            <a:r>
+              <a:rPr lang="it-IT" dirty="0" err="1"/>
+              <a:t>visualization</a:t>
+            </a:r>
+            <a:r>
+              <a:rPr lang="it-IT" dirty="0"/>
+              <a:t> resets;</a:t>
+            </a:r>
+          </a:p>
+          <a:p>
             <a:endParaRPr lang="it-IT" dirty="0"/>
           </a:p>
           <a:p>
-            <a:r>
-              <a:rPr lang="it-IT" dirty="0"/>
-              <a:t>Control panel del synth</a:t>
-            </a:r>
-          </a:p>
-          <a:p>
-            <a:r>
-              <a:rPr lang="it-IT" dirty="0"/>
-              <a:t>Ottave X, Yin cui si suona</a:t>
-            </a:r>
-          </a:p>
-          <a:p>
-            <a:r>
-              <a:rPr lang="it-IT" dirty="0"/>
-              <a:t>Divisione tra CM e ACTAM parts necessaria? E obiettivi? O sono già chiari così?</a:t>
-            </a:r>
-          </a:p>
-          <a:p>
-            <a:r>
-              <a:rPr lang="it-IT" dirty="0"/>
-              <a:t>Aggiunte </a:t>
-            </a:r>
-            <a:r>
-              <a:rPr lang="it-IT" dirty="0" err="1"/>
-              <a:t>interface</a:t>
-            </a:r>
-            <a:r>
-              <a:rPr lang="it-IT" dirty="0"/>
-              <a:t>?</a:t>
-            </a:r>
-          </a:p>
-          <a:p>
-            <a:r>
-              <a:rPr lang="it-IT" dirty="0"/>
-              <a:t>Controllare la questione del perché apriamo l’index in </a:t>
-            </a:r>
-            <a:r>
-              <a:rPr lang="it-IT" dirty="0" err="1"/>
-              <a:t>chrome</a:t>
-            </a:r>
             <a:endParaRPr lang="it-IT" dirty="0"/>
           </a:p>
           <a:p>
-            <a:r>
-              <a:rPr lang="it-IT" dirty="0"/>
-              <a:t>Correzioni testo slide</a:t>
-            </a:r>
-          </a:p>
-          <a:p>
-            <a:r>
-              <a:rPr lang="it-IT" dirty="0"/>
-              <a:t>BIBLIOGRAFIA </a:t>
-            </a:r>
-            <a:r>
-              <a:rPr lang="it-IT" dirty="0" err="1"/>
-              <a:t>google</a:t>
-            </a:r>
-            <a:r>
-              <a:rPr lang="it-IT" dirty="0"/>
-              <a:t> </a:t>
-            </a:r>
-            <a:r>
-              <a:rPr lang="it-IT" dirty="0" err="1"/>
-              <a:t>scholar</a:t>
-            </a:r>
-            <a:r>
-              <a:rPr lang="it-IT" dirty="0"/>
-              <a:t> sarti </a:t>
-            </a:r>
-            <a:r>
-              <a:rPr lang="it-IT" dirty="0" err="1"/>
-              <a:t>brightenss</a:t>
-            </a:r>
             <a:endParaRPr lang="it-IT" dirty="0"/>
           </a:p>
           <a:p>
@@ -4607,7 +7502,339 @@
     </p:spTree>
     <p:extLst>
       <p:ext uri="{BB962C8B-B14F-4D97-AF65-F5344CB8AC3E}">
-        <p14:creationId xmlns:p14="http://schemas.microsoft.com/office/powerpoint/2010/main" val="494114130"/>
+        <p14:creationId xmlns:p14="http://schemas.microsoft.com/office/powerpoint/2010/main" val="648862868"/>
+      </p:ext>
+    </p:extLst>
+  </p:cSld>
+  <p:clrMapOvr>
+    <a:masterClrMapping/>
+  </p:clrMapOvr>
+</p:sld>
+</file>
+
+<file path=ppt/slides/slide16.xml><?xml version="1.0" encoding="utf-8"?>
+<p:sld xmlns:a="http://schemas.openxmlformats.org/drawingml/2006/main" xmlns:r="http://schemas.openxmlformats.org/officeDocument/2006/relationships" xmlns:p="http://schemas.openxmlformats.org/presentationml/2006/main">
+  <p:cSld>
+    <p:spTree>
+      <p:nvGrpSpPr>
+        <p:cNvPr id="1" name=""/>
+        <p:cNvGrpSpPr/>
+        <p:nvPr/>
+      </p:nvGrpSpPr>
+      <p:grpSpPr>
+        <a:xfrm>
+          <a:off x="0" y="0"/>
+          <a:ext cx="0" cy="0"/>
+          <a:chOff x="0" y="0"/>
+          <a:chExt cx="0" cy="0"/>
+        </a:xfrm>
+      </p:grpSpPr>
+      <p:sp>
+        <p:nvSpPr>
+          <p:cNvPr id="2" name="Titolo 1">
+            <a:extLst>
+              <a:ext uri="{FF2B5EF4-FFF2-40B4-BE49-F238E27FC236}">
+                <a16:creationId xmlns:a16="http://schemas.microsoft.com/office/drawing/2014/main" id="{9E00D50B-E546-4A97-8E91-3B5BBF9863BA}"/>
+              </a:ext>
+            </a:extLst>
+          </p:cNvPr>
+          <p:cNvSpPr>
+            <a:spLocks noGrp="1"/>
+          </p:cNvSpPr>
+          <p:nvPr>
+            <p:ph type="title"/>
+          </p:nvPr>
+        </p:nvSpPr>
+        <p:spPr/>
+        <p:txBody>
+          <a:bodyPr/>
+          <a:lstStyle/>
+          <a:p>
+            <a:r>
+              <a:rPr lang="it-IT" dirty="0"/>
+              <a:t>INTERFACE</a:t>
+            </a:r>
+          </a:p>
+        </p:txBody>
+      </p:sp>
+      <p:sp>
+        <p:nvSpPr>
+          <p:cNvPr id="3" name="Segnaposto contenuto 2">
+            <a:extLst>
+              <a:ext uri="{FF2B5EF4-FFF2-40B4-BE49-F238E27FC236}">
+                <a16:creationId xmlns:a16="http://schemas.microsoft.com/office/drawing/2014/main" id="{E89F8880-69B1-44C5-A746-0CAE59B7F1F0}"/>
+              </a:ext>
+            </a:extLst>
+          </p:cNvPr>
+          <p:cNvSpPr>
+            <a:spLocks noGrp="1"/>
+          </p:cNvSpPr>
+          <p:nvPr>
+            <p:ph idx="1"/>
+          </p:nvPr>
+        </p:nvSpPr>
+        <p:spPr>
+          <a:xfrm>
+            <a:off x="838200" y="1825625"/>
+            <a:ext cx="10515600" cy="4351338"/>
+          </a:xfrm>
+        </p:spPr>
+        <p:txBody>
+          <a:bodyPr>
+            <a:normAutofit/>
+          </a:bodyPr>
+          <a:lstStyle/>
+          <a:p>
+            <a:r>
+              <a:rPr lang="it-IT" dirty="0"/>
+              <a:t>A </a:t>
+            </a:r>
+            <a:r>
+              <a:rPr lang="it-IT" dirty="0" err="1"/>
+              <a:t>keyboard</a:t>
+            </a:r>
+            <a:r>
+              <a:rPr lang="it-IT" dirty="0"/>
+              <a:t> displays </a:t>
+            </a:r>
+            <a:r>
+              <a:rPr lang="it-IT" dirty="0" err="1"/>
+              <a:t>which</a:t>
+            </a:r>
+            <a:r>
+              <a:rPr lang="it-IT" dirty="0"/>
+              <a:t> of the piano notes </a:t>
+            </a:r>
+            <a:r>
+              <a:rPr lang="it-IT" dirty="0" err="1"/>
+              <a:t>between</a:t>
+            </a:r>
+            <a:r>
+              <a:rPr lang="it-IT" dirty="0"/>
+              <a:t> 2nd and 4th scale are </a:t>
+            </a:r>
+            <a:r>
+              <a:rPr lang="it-IT" dirty="0" err="1"/>
+              <a:t>played</a:t>
+            </a:r>
+            <a:r>
+              <a:rPr lang="it-IT" dirty="0"/>
+              <a:t>.</a:t>
+            </a:r>
+          </a:p>
+          <a:p>
+            <a:pPr marL="0" indent="0">
+              <a:buNone/>
+            </a:pPr>
+            <a:endParaRPr lang="it-IT" dirty="0"/>
+          </a:p>
+          <a:p>
+            <a:pPr marL="0" indent="0">
+              <a:buNone/>
+            </a:pPr>
+            <a:endParaRPr lang="it-IT" sz="4400" dirty="0">
+              <a:latin typeface="+mj-lt"/>
+            </a:endParaRPr>
+          </a:p>
+          <a:p>
+            <a:endParaRPr lang="it-IT" dirty="0"/>
+          </a:p>
+          <a:p>
+            <a:pPr marL="0" indent="0">
+              <a:buNone/>
+            </a:pPr>
+            <a:endParaRPr lang="it-IT" dirty="0"/>
+          </a:p>
+        </p:txBody>
+      </p:sp>
+    </p:spTree>
+    <p:extLst>
+      <p:ext uri="{BB962C8B-B14F-4D97-AF65-F5344CB8AC3E}">
+        <p14:creationId xmlns:p14="http://schemas.microsoft.com/office/powerpoint/2010/main" val="513937650"/>
+      </p:ext>
+    </p:extLst>
+  </p:cSld>
+  <p:clrMapOvr>
+    <a:masterClrMapping/>
+  </p:clrMapOvr>
+</p:sld>
+</file>
+
+<file path=ppt/slides/slide17.xml><?xml version="1.0" encoding="utf-8"?>
+<p:sld xmlns:a="http://schemas.openxmlformats.org/drawingml/2006/main" xmlns:r="http://schemas.openxmlformats.org/officeDocument/2006/relationships" xmlns:p="http://schemas.openxmlformats.org/presentationml/2006/main">
+  <p:cSld>
+    <p:spTree>
+      <p:nvGrpSpPr>
+        <p:cNvPr id="1" name=""/>
+        <p:cNvGrpSpPr/>
+        <p:nvPr/>
+      </p:nvGrpSpPr>
+      <p:grpSpPr>
+        <a:xfrm>
+          <a:off x="0" y="0"/>
+          <a:ext cx="0" cy="0"/>
+          <a:chOff x="0" y="0"/>
+          <a:chExt cx="0" cy="0"/>
+        </a:xfrm>
+      </p:grpSpPr>
+      <p:sp>
+        <p:nvSpPr>
+          <p:cNvPr id="2" name="Titolo 1">
+            <a:extLst>
+              <a:ext uri="{FF2B5EF4-FFF2-40B4-BE49-F238E27FC236}">
+                <a16:creationId xmlns:a16="http://schemas.microsoft.com/office/drawing/2014/main" id="{1EF83A25-2B97-4911-9270-CCD355DD30B5}"/>
+              </a:ext>
+            </a:extLst>
+          </p:cNvPr>
+          <p:cNvSpPr>
+            <a:spLocks noGrp="1"/>
+          </p:cNvSpPr>
+          <p:nvPr>
+            <p:ph type="title"/>
+          </p:nvPr>
+        </p:nvSpPr>
+        <p:spPr/>
+        <p:txBody>
+          <a:bodyPr/>
+          <a:lstStyle/>
+          <a:p>
+            <a:r>
+              <a:rPr lang="it-IT" dirty="0"/>
+              <a:t>INTERFACE: CONTROL PANEL</a:t>
+            </a:r>
+          </a:p>
+        </p:txBody>
+      </p:sp>
+      <p:sp>
+        <p:nvSpPr>
+          <p:cNvPr id="3" name="Segnaposto contenuto 2">
+            <a:extLst>
+              <a:ext uri="{FF2B5EF4-FFF2-40B4-BE49-F238E27FC236}">
+                <a16:creationId xmlns:a16="http://schemas.microsoft.com/office/drawing/2014/main" id="{D94A927F-7C09-4364-9AC7-AFBDCDA91279}"/>
+              </a:ext>
+            </a:extLst>
+          </p:cNvPr>
+          <p:cNvSpPr>
+            <a:spLocks noGrp="1"/>
+          </p:cNvSpPr>
+          <p:nvPr>
+            <p:ph idx="1"/>
+          </p:nvPr>
+        </p:nvSpPr>
+        <p:spPr/>
+        <p:txBody>
+          <a:bodyPr/>
+          <a:lstStyle/>
+          <a:p>
+            <a:r>
+              <a:rPr lang="it-IT" dirty="0"/>
+              <a:t>«</a:t>
+            </a:r>
+            <a:r>
+              <a:rPr lang="it-IT" dirty="0" err="1"/>
+              <a:t>Osc</a:t>
+            </a:r>
+            <a:r>
+              <a:rPr lang="it-IT" dirty="0"/>
+              <a:t>. </a:t>
+            </a:r>
+            <a:r>
+              <a:rPr lang="it-IT" dirty="0" err="1"/>
+              <a:t>Waveform</a:t>
+            </a:r>
+            <a:r>
+              <a:rPr lang="it-IT" dirty="0"/>
+              <a:t>» slider </a:t>
+            </a:r>
+          </a:p>
+          <a:p>
+            <a:r>
+              <a:rPr lang="it-IT" dirty="0"/>
+              <a:t>«</a:t>
+            </a:r>
+            <a:r>
+              <a:rPr lang="it-IT" dirty="0" err="1"/>
+              <a:t>Mod</a:t>
+            </a:r>
+            <a:r>
+              <a:rPr lang="it-IT" dirty="0"/>
+              <a:t> </a:t>
+            </a:r>
+            <a:r>
+              <a:rPr lang="it-IT" dirty="0" err="1"/>
+              <a:t>waveform</a:t>
+            </a:r>
+            <a:r>
+              <a:rPr lang="it-IT" dirty="0"/>
+              <a:t>» slider</a:t>
+            </a:r>
+          </a:p>
+          <a:p>
+            <a:r>
+              <a:rPr lang="it-IT" dirty="0"/>
+              <a:t>«Master» fader</a:t>
+            </a:r>
+          </a:p>
+          <a:p>
+            <a:r>
+              <a:rPr lang="it-IT" dirty="0"/>
+              <a:t> «</a:t>
+            </a:r>
+            <a:r>
+              <a:rPr lang="it-IT" dirty="0" err="1"/>
+              <a:t>Distortion</a:t>
+            </a:r>
+            <a:r>
+              <a:rPr lang="it-IT" dirty="0"/>
+              <a:t>» controls: </a:t>
+            </a:r>
+            <a:r>
+              <a:rPr lang="it-IT" dirty="0" err="1"/>
+              <a:t>drove</a:t>
+            </a:r>
+            <a:r>
+              <a:rPr lang="it-IT" dirty="0"/>
+              <a:t>, </a:t>
+            </a:r>
+            <a:r>
+              <a:rPr lang="it-IT" dirty="0" err="1"/>
+              <a:t>dist</a:t>
+            </a:r>
+            <a:r>
+              <a:rPr lang="it-IT" dirty="0"/>
+              <a:t> curve, q </a:t>
+            </a:r>
+            <a:r>
+              <a:rPr lang="it-IT" dirty="0" err="1"/>
+              <a:t>factor</a:t>
+            </a:r>
+            <a:r>
+              <a:rPr lang="it-IT" dirty="0"/>
+              <a:t>, </a:t>
+            </a:r>
+            <a:r>
+              <a:rPr lang="it-IT" dirty="0" err="1"/>
+              <a:t>oversample</a:t>
+            </a:r>
+            <a:r>
+              <a:rPr lang="it-IT" dirty="0"/>
+              <a:t>…. Space: delay time, delay gain, </a:t>
+            </a:r>
+            <a:r>
+              <a:rPr lang="it-IT" dirty="0" err="1"/>
+              <a:t>reverb</a:t>
+            </a:r>
+            <a:endParaRPr lang="it-IT" dirty="0"/>
+          </a:p>
+          <a:p>
+            <a:endParaRPr lang="it-IT" dirty="0"/>
+          </a:p>
+        </p:txBody>
+      </p:sp>
+    </p:spTree>
+    <p:extLst>
+      <p:ext uri="{BB962C8B-B14F-4D97-AF65-F5344CB8AC3E}">
+        <p14:creationId xmlns:p14="http://schemas.microsoft.com/office/powerpoint/2010/main" val="1746681615"/>
       </p:ext>
     </p:extLst>
   </p:cSld>
@@ -4834,8 +8061,8 @@
         </p:nvSpPr>
         <p:spPr>
           <a:xfrm>
-            <a:off x="838200" y="1209675"/>
-            <a:ext cx="10515600" cy="4505325"/>
+            <a:off x="1866900" y="2562225"/>
+            <a:ext cx="8077200" cy="2057400"/>
           </a:xfrm>
         </p:spPr>
         <p:txBody>
@@ -4857,37 +8084,6 @@
               <a:rPr lang="it-IT" dirty="0"/>
             </a:br>
             <a:endParaRPr lang="it-IT" dirty="0"/>
-          </a:p>
-        </p:txBody>
-      </p:sp>
-      <p:sp>
-        <p:nvSpPr>
-          <p:cNvPr id="3" name="Segnaposto contenuto 2">
-            <a:extLst>
-              <a:ext uri="{FF2B5EF4-FFF2-40B4-BE49-F238E27FC236}">
-                <a16:creationId xmlns:a16="http://schemas.microsoft.com/office/drawing/2014/main" id="{C938728F-3884-4C66-A45F-B2E978914294}"/>
-              </a:ext>
-            </a:extLst>
-          </p:cNvPr>
-          <p:cNvSpPr>
-            <a:spLocks noGrp="1"/>
-          </p:cNvSpPr>
-          <p:nvPr>
-            <p:ph idx="1"/>
-          </p:nvPr>
-        </p:nvSpPr>
-        <p:spPr/>
-        <p:txBody>
-          <a:bodyPr/>
-          <a:lstStyle/>
-          <a:p>
-            <a:pPr marL="0" indent="0">
-              <a:buNone/>
-            </a:pPr>
-            <a:r>
-              <a:rPr lang="it-IT" dirty="0"/>
-              <a:t>                                               </a:t>
-            </a:r>
           </a:p>
         </p:txBody>
       </p:sp>
@@ -4937,7 +8133,12 @@
             <p:ph type="title"/>
           </p:nvPr>
         </p:nvSpPr>
-        <p:spPr/>
+        <p:spPr>
+          <a:xfrm>
+            <a:off x="838200" y="327025"/>
+            <a:ext cx="10515600" cy="1325563"/>
+          </a:xfrm>
+        </p:spPr>
         <p:txBody>
           <a:bodyPr/>
           <a:lstStyle/>
@@ -5052,7 +8253,7 @@
           <a:p>
             <a:r>
               <a:rPr lang="it-IT" dirty="0"/>
-              <a:t>BASED ON SCALE BRIGHTNESS</a:t>
+              <a:t>BASED ON SCALE BRIGHTNESS…</a:t>
             </a:r>
           </a:p>
         </p:txBody>
@@ -5120,35 +8321,22 @@
             </a:r>
             <a:r>
               <a:rPr lang="en-US" dirty="0"/>
-              <a:t>. Order is based on lowering intervals too.                                                                                                                                                                               In </a:t>
+              <a:t>. (Order is based on lowering intervals too.)  Due to </a:t>
             </a:r>
             <a:r>
               <a:rPr lang="en-US" dirty="0" err="1"/>
-              <a:t>MicroSphere</a:t>
+              <a:t>Micro:bit’s</a:t>
             </a:r>
             <a:r>
               <a:rPr lang="en-US" dirty="0"/>
-              <a:t> the darkest mode is on the lowest position of the wrist, as intuition suggests.  The algorithm gives the user the two darkest modes matching the </a:t>
-            </a:r>
-            <a:r>
-              <a:rPr lang="en-US" dirty="0" err="1"/>
-              <a:t>quadriad</a:t>
-            </a:r>
+              <a:t> limitations(*) returned scales can be 2. </a:t>
+            </a:r>
+          </a:p>
+          <a:p>
             <a:r>
               <a:rPr lang="en-US" dirty="0"/>
-              <a:t> that is being played. The idea is to facilitate exploration of the more exotic spices of major harmony, often left </a:t>
-            </a:r>
-            <a:r>
-              <a:rPr lang="en-US" dirty="0" err="1"/>
-              <a:t>unconvered</a:t>
-            </a:r>
-            <a:r>
-              <a:rPr lang="en-US" dirty="0"/>
-              <a:t> by amateur musicians. </a:t>
-            </a:r>
-            <a:endParaRPr lang="it-IT" dirty="0"/>
-          </a:p>
-          <a:p>
+              <a:t>The algorithm gives the user the two darkest modes matching the seventh chord that is being played. The idea is to facilitate exploration of the more unused scales of major harmony.</a:t>
+            </a:r>
             <a:endParaRPr lang="it-IT" dirty="0"/>
           </a:p>
         </p:txBody>
@@ -5188,7 +8376,7 @@
           <p:cNvPr id="2" name="Titolo 1">
             <a:extLst>
               <a:ext uri="{FF2B5EF4-FFF2-40B4-BE49-F238E27FC236}">
-                <a16:creationId xmlns:a16="http://schemas.microsoft.com/office/drawing/2014/main" id="{563B6142-C404-4E91-A1A1-4B00EC9B58E2}"/>
+                <a16:creationId xmlns:a16="http://schemas.microsoft.com/office/drawing/2014/main" id="{E315AAEF-77E6-4BB1-BB44-D693E2188A97}"/>
               </a:ext>
             </a:extLst>
           </p:cNvPr>
@@ -5199,20 +8387,14 @@
             <p:ph type="title"/>
           </p:nvPr>
         </p:nvSpPr>
-        <p:spPr>
-          <a:xfrm>
-            <a:off x="838200" y="2828925"/>
-            <a:ext cx="10515600" cy="2076450"/>
-          </a:xfrm>
-        </p:spPr>
+        <p:spPr/>
         <p:txBody>
           <a:bodyPr/>
           <a:lstStyle/>
           <a:p>
-            <a:pPr algn="ctr"/>
-            <a:r>
-              <a:rPr lang="it-IT" dirty="0"/>
-              <a:t>HOW DOES IT WORK</a:t>
+            <a:r>
+              <a:rPr lang="it-IT" dirty="0"/>
+              <a:t>…AND ON SEVENTH CHORDS SPECIES</a:t>
             </a:r>
           </a:p>
         </p:txBody>
@@ -5222,7 +8404,7 @@
           <p:cNvPr id="3" name="Segnaposto contenuto 2">
             <a:extLst>
               <a:ext uri="{FF2B5EF4-FFF2-40B4-BE49-F238E27FC236}">
-                <a16:creationId xmlns:a16="http://schemas.microsoft.com/office/drawing/2014/main" id="{605569C8-CD93-420F-A232-27FF6AF5D2DF}"/>
+                <a16:creationId xmlns:a16="http://schemas.microsoft.com/office/drawing/2014/main" id="{361A6AF3-D2A4-497D-A8BA-BD03448FA0FD}"/>
               </a:ext>
             </a:extLst>
           </p:cNvPr>
@@ -5235,13 +8417,484 @@
         </p:nvSpPr>
         <p:spPr>
           <a:xfrm>
-            <a:off x="838200" y="939800"/>
-            <a:ext cx="10515600" cy="4351338"/>
+            <a:off x="838200" y="1390650"/>
+            <a:ext cx="10515600" cy="4786313"/>
           </a:xfrm>
         </p:spPr>
         <p:txBody>
-          <a:bodyPr/>
-          <a:lstStyle/>
+          <a:bodyPr>
+            <a:normAutofit fontScale="92500" lnSpcReduction="10000"/>
+          </a:bodyPr>
+          <a:lstStyle/>
+          <a:p>
+            <a:pPr marL="0" indent="0">
+              <a:buNone/>
+            </a:pPr>
+            <a:endParaRPr lang="it-IT" dirty="0"/>
+          </a:p>
+          <a:p>
+            <a:pPr marL="571500" indent="-571500">
+              <a:buFont typeface="+mj-lt"/>
+              <a:buAutoNum type="romanUcPeriod"/>
+            </a:pPr>
+            <a:r>
+              <a:rPr lang="it-IT" dirty="0"/>
+              <a:t>Major </a:t>
+            </a:r>
+            <a:r>
+              <a:rPr lang="it-IT" dirty="0" err="1"/>
+              <a:t>third</a:t>
+            </a:r>
+            <a:r>
+              <a:rPr lang="it-IT" dirty="0"/>
+              <a:t>, </a:t>
+            </a:r>
+            <a:r>
+              <a:rPr lang="it-IT" dirty="0" err="1"/>
+              <a:t>perfect</a:t>
+            </a:r>
+            <a:r>
+              <a:rPr lang="it-IT" dirty="0"/>
+              <a:t> </a:t>
+            </a:r>
+            <a:r>
+              <a:rPr lang="it-IT" dirty="0" err="1"/>
+              <a:t>fifth</a:t>
+            </a:r>
+            <a:r>
+              <a:rPr lang="it-IT" dirty="0"/>
+              <a:t>, minor </a:t>
+            </a:r>
+            <a:r>
+              <a:rPr lang="it-IT" dirty="0" err="1"/>
+              <a:t>seventh</a:t>
+            </a:r>
+            <a:r>
+              <a:rPr lang="it-IT" dirty="0"/>
+              <a:t>: </a:t>
+            </a:r>
+            <a:r>
+              <a:rPr lang="it-IT" dirty="0" err="1"/>
+              <a:t>it</a:t>
+            </a:r>
+            <a:r>
+              <a:rPr lang="it-IT" dirty="0"/>
+              <a:t> calls for a </a:t>
+            </a:r>
+            <a:r>
+              <a:rPr lang="it-IT" dirty="0" err="1"/>
+              <a:t>mixolydian</a:t>
+            </a:r>
+            <a:r>
+              <a:rPr lang="it-IT" dirty="0"/>
+              <a:t> scale </a:t>
+            </a:r>
+            <a:r>
+              <a:rPr lang="it-IT" dirty="0" err="1"/>
+              <a:t>built</a:t>
+            </a:r>
+            <a:r>
+              <a:rPr lang="it-IT" dirty="0"/>
+              <a:t> on first grade. </a:t>
+            </a:r>
+            <a:r>
+              <a:rPr lang="it-IT" dirty="0" err="1"/>
+              <a:t>Locrian</a:t>
+            </a:r>
+            <a:r>
+              <a:rPr lang="it-IT" dirty="0"/>
+              <a:t> on 3° grade and </a:t>
+            </a:r>
+            <a:r>
+              <a:rPr lang="it-IT" dirty="0" err="1"/>
+              <a:t>Phrygian</a:t>
+            </a:r>
+            <a:r>
+              <a:rPr lang="it-IT" dirty="0"/>
+              <a:t> on the 6° are </a:t>
+            </a:r>
+            <a:r>
+              <a:rPr lang="it-IT" dirty="0" err="1"/>
+              <a:t>preferred</a:t>
+            </a:r>
+            <a:r>
+              <a:rPr lang="it-IT" dirty="0"/>
+              <a:t>;</a:t>
+            </a:r>
+          </a:p>
+          <a:p>
+            <a:pPr marL="571500" indent="-571500">
+              <a:buFont typeface="+mj-lt"/>
+              <a:buAutoNum type="romanUcPeriod"/>
+            </a:pPr>
+            <a:r>
+              <a:rPr lang="it-IT" dirty="0"/>
+              <a:t>Minor </a:t>
+            </a:r>
+            <a:r>
+              <a:rPr lang="it-IT" dirty="0" err="1"/>
+              <a:t>third</a:t>
+            </a:r>
+            <a:r>
+              <a:rPr lang="it-IT" dirty="0"/>
+              <a:t>, </a:t>
+            </a:r>
+            <a:r>
+              <a:rPr lang="it-IT" dirty="0" err="1"/>
+              <a:t>perfect</a:t>
+            </a:r>
+            <a:r>
+              <a:rPr lang="it-IT" dirty="0"/>
+              <a:t> </a:t>
+            </a:r>
+            <a:r>
+              <a:rPr lang="it-IT" dirty="0" err="1"/>
+              <a:t>fifth</a:t>
+            </a:r>
+            <a:r>
+              <a:rPr lang="it-IT" dirty="0"/>
+              <a:t>, minor </a:t>
+            </a:r>
+            <a:r>
+              <a:rPr lang="it-IT" dirty="0" err="1"/>
+              <a:t>seventh</a:t>
+            </a:r>
+            <a:r>
+              <a:rPr lang="it-IT" dirty="0"/>
+              <a:t>: min7th </a:t>
+            </a:r>
+            <a:r>
+              <a:rPr lang="it-IT" dirty="0" err="1"/>
+              <a:t>chord</a:t>
+            </a:r>
+            <a:r>
+              <a:rPr lang="it-IT" dirty="0"/>
+              <a:t> </a:t>
+            </a:r>
+            <a:r>
+              <a:rPr lang="it-IT" dirty="0" err="1"/>
+              <a:t>have</a:t>
+            </a:r>
+            <a:r>
+              <a:rPr lang="it-IT" dirty="0"/>
+              <a:t> </a:t>
+            </a:r>
+            <a:r>
+              <a:rPr lang="it-IT" dirty="0" err="1"/>
+              <a:t>lots</a:t>
+            </a:r>
+            <a:r>
+              <a:rPr lang="it-IT" dirty="0"/>
+              <a:t> of </a:t>
+            </a:r>
+            <a:r>
+              <a:rPr lang="it-IT" dirty="0" err="1"/>
+              <a:t>compatible</a:t>
+            </a:r>
+            <a:r>
+              <a:rPr lang="it-IT" dirty="0"/>
+              <a:t> </a:t>
+            </a:r>
+            <a:r>
+              <a:rPr lang="it-IT" dirty="0" err="1"/>
+              <a:t>scales</a:t>
+            </a:r>
+            <a:r>
+              <a:rPr lang="it-IT" dirty="0"/>
+              <a:t>, so </a:t>
+            </a:r>
+            <a:r>
+              <a:rPr lang="it-IT" dirty="0" err="1"/>
+              <a:t>that</a:t>
+            </a:r>
+            <a:r>
+              <a:rPr lang="it-IT" dirty="0"/>
+              <a:t>, </a:t>
+            </a:r>
+            <a:r>
+              <a:rPr lang="it-IT" dirty="0" err="1"/>
+              <a:t>phrygian</a:t>
+            </a:r>
+            <a:r>
+              <a:rPr lang="it-IT" dirty="0"/>
+              <a:t> and </a:t>
+            </a:r>
+            <a:r>
+              <a:rPr lang="it-IT" dirty="0" err="1"/>
+              <a:t>aeolian</a:t>
+            </a:r>
+            <a:r>
+              <a:rPr lang="it-IT" dirty="0"/>
+              <a:t> </a:t>
+            </a:r>
+            <a:r>
+              <a:rPr lang="it-IT" dirty="0" err="1"/>
+              <a:t>built</a:t>
+            </a:r>
+            <a:r>
+              <a:rPr lang="it-IT" dirty="0"/>
+              <a:t> on the first grade are </a:t>
+            </a:r>
+            <a:r>
+              <a:rPr lang="it-IT" dirty="0" err="1"/>
+              <a:t>returned</a:t>
+            </a:r>
+            <a:r>
+              <a:rPr lang="it-IT" dirty="0"/>
+              <a:t>;</a:t>
+            </a:r>
+          </a:p>
+          <a:p>
+            <a:pPr marL="571500" indent="-571500">
+              <a:buFont typeface="+mj-lt"/>
+              <a:buAutoNum type="romanUcPeriod"/>
+            </a:pPr>
+            <a:r>
+              <a:rPr lang="it-IT" dirty="0"/>
+              <a:t>Minor </a:t>
+            </a:r>
+            <a:r>
+              <a:rPr lang="it-IT" dirty="0" err="1"/>
+              <a:t>third</a:t>
+            </a:r>
+            <a:r>
+              <a:rPr lang="it-IT" dirty="0"/>
+              <a:t>, </a:t>
+            </a:r>
+            <a:r>
+              <a:rPr lang="it-IT" dirty="0" err="1"/>
+              <a:t>diminished</a:t>
+            </a:r>
+            <a:r>
+              <a:rPr lang="it-IT" dirty="0"/>
+              <a:t> </a:t>
+            </a:r>
+            <a:r>
+              <a:rPr lang="it-IT" dirty="0" err="1"/>
+              <a:t>fifth</a:t>
+            </a:r>
+            <a:r>
+              <a:rPr lang="it-IT" dirty="0"/>
+              <a:t>, minor </a:t>
+            </a:r>
+            <a:r>
+              <a:rPr lang="it-IT" dirty="0" err="1"/>
+              <a:t>seventh</a:t>
+            </a:r>
+            <a:r>
+              <a:rPr lang="it-IT" dirty="0"/>
+              <a:t>: </a:t>
+            </a:r>
+            <a:r>
+              <a:rPr lang="it-IT" dirty="0" err="1"/>
+              <a:t>locrian</a:t>
+            </a:r>
+            <a:r>
+              <a:rPr lang="it-IT" dirty="0"/>
+              <a:t> scale </a:t>
+            </a:r>
+            <a:r>
+              <a:rPr lang="it-IT" dirty="0" err="1"/>
+              <a:t>is</a:t>
+            </a:r>
+            <a:r>
+              <a:rPr lang="it-IT" dirty="0"/>
+              <a:t> the </a:t>
+            </a:r>
+            <a:r>
+              <a:rPr lang="it-IT" dirty="0" err="1"/>
+              <a:t>characteristic</a:t>
+            </a:r>
+            <a:r>
+              <a:rPr lang="it-IT" dirty="0"/>
+              <a:t> one of </a:t>
+            </a:r>
+            <a:r>
+              <a:rPr lang="it-IT" dirty="0" err="1"/>
+              <a:t>this</a:t>
+            </a:r>
+            <a:r>
+              <a:rPr lang="it-IT" dirty="0"/>
+              <a:t> </a:t>
+            </a:r>
+            <a:r>
+              <a:rPr lang="it-IT" dirty="0" err="1"/>
+              <a:t>chord</a:t>
+            </a:r>
+            <a:r>
+              <a:rPr lang="it-IT" dirty="0"/>
+              <a:t>, </a:t>
+            </a:r>
+            <a:r>
+              <a:rPr lang="it-IT" dirty="0" err="1"/>
+              <a:t>phrygian</a:t>
+            </a:r>
+            <a:r>
+              <a:rPr lang="it-IT" dirty="0"/>
+              <a:t> on the 4° grade </a:t>
+            </a:r>
+            <a:r>
+              <a:rPr lang="it-IT" dirty="0" err="1"/>
+              <a:t>is</a:t>
+            </a:r>
+            <a:r>
+              <a:rPr lang="it-IT" dirty="0"/>
+              <a:t> the </a:t>
+            </a:r>
+            <a:r>
+              <a:rPr lang="it-IT" dirty="0" err="1"/>
+              <a:t>other</a:t>
+            </a:r>
+            <a:r>
+              <a:rPr lang="it-IT" dirty="0"/>
+              <a:t> one </a:t>
+            </a:r>
+            <a:r>
+              <a:rPr lang="it-IT" dirty="0" err="1"/>
+              <a:t>chosen</a:t>
+            </a:r>
+            <a:r>
+              <a:rPr lang="it-IT" dirty="0"/>
+              <a:t>;</a:t>
+            </a:r>
+          </a:p>
+          <a:p>
+            <a:pPr marL="571500" indent="-571500">
+              <a:buFont typeface="+mj-lt"/>
+              <a:buAutoNum type="romanUcPeriod"/>
+            </a:pPr>
+            <a:r>
+              <a:rPr lang="it-IT" dirty="0"/>
+              <a:t>Major </a:t>
+            </a:r>
+            <a:r>
+              <a:rPr lang="it-IT" dirty="0" err="1"/>
+              <a:t>third</a:t>
+            </a:r>
+            <a:r>
+              <a:rPr lang="it-IT" dirty="0"/>
+              <a:t>, </a:t>
+            </a:r>
+            <a:r>
+              <a:rPr lang="it-IT" dirty="0" err="1"/>
+              <a:t>perfect</a:t>
+            </a:r>
+            <a:r>
+              <a:rPr lang="it-IT" dirty="0"/>
+              <a:t> </a:t>
+            </a:r>
+            <a:r>
+              <a:rPr lang="it-IT" dirty="0" err="1"/>
+              <a:t>fifth</a:t>
+            </a:r>
+            <a:r>
+              <a:rPr lang="it-IT" dirty="0"/>
+              <a:t>, major </a:t>
+            </a:r>
+            <a:r>
+              <a:rPr lang="it-IT" dirty="0" err="1"/>
+              <a:t>seventh</a:t>
+            </a:r>
+            <a:r>
+              <a:rPr lang="it-IT" dirty="0"/>
+              <a:t>: </a:t>
+            </a:r>
+            <a:r>
+              <a:rPr lang="it-IT" dirty="0" err="1"/>
+              <a:t>lydian</a:t>
+            </a:r>
+            <a:r>
+              <a:rPr lang="it-IT" dirty="0"/>
+              <a:t> and </a:t>
+            </a:r>
+            <a:r>
+              <a:rPr lang="it-IT" dirty="0" err="1"/>
+              <a:t>ionian</a:t>
+            </a:r>
+            <a:r>
+              <a:rPr lang="it-IT" dirty="0"/>
+              <a:t> </a:t>
+            </a:r>
+            <a:r>
+              <a:rPr lang="it-IT" dirty="0" err="1"/>
+              <a:t>scales</a:t>
+            </a:r>
+            <a:r>
+              <a:rPr lang="it-IT" dirty="0"/>
+              <a:t> are </a:t>
+            </a:r>
+            <a:r>
+              <a:rPr lang="it-IT" dirty="0" err="1"/>
+              <a:t>typical</a:t>
+            </a:r>
+            <a:r>
+              <a:rPr lang="it-IT" dirty="0"/>
+              <a:t>, following the </a:t>
+            </a:r>
+            <a:r>
+              <a:rPr lang="it-IT" dirty="0" err="1"/>
+              <a:t>principle</a:t>
+            </a:r>
+            <a:r>
+              <a:rPr lang="it-IT" dirty="0"/>
+              <a:t> of the </a:t>
+            </a:r>
+            <a:r>
+              <a:rPr lang="it-IT" dirty="0" err="1"/>
+              <a:t>application</a:t>
+            </a:r>
+            <a:r>
+              <a:rPr lang="it-IT" dirty="0"/>
+              <a:t>, 3° grade </a:t>
+            </a:r>
+            <a:r>
+              <a:rPr lang="it-IT" dirty="0" err="1"/>
+              <a:t>phrygian</a:t>
+            </a:r>
+            <a:r>
+              <a:rPr lang="it-IT" dirty="0"/>
+              <a:t> and 7° </a:t>
+            </a:r>
+            <a:r>
+              <a:rPr lang="it-IT" dirty="0" err="1"/>
+              <a:t>locrian</a:t>
+            </a:r>
+            <a:r>
+              <a:rPr lang="it-IT" dirty="0"/>
+              <a:t> are </a:t>
+            </a:r>
+            <a:r>
+              <a:rPr lang="it-IT" dirty="0" err="1"/>
+              <a:t>returned</a:t>
+            </a:r>
+            <a:r>
+              <a:rPr lang="it-IT" dirty="0"/>
+              <a:t>.</a:t>
+            </a:r>
+          </a:p>
+          <a:p>
+            <a:pPr marL="571500" indent="-571500">
+              <a:buFont typeface="+mj-lt"/>
+              <a:buAutoNum type="romanUcPeriod"/>
+            </a:pPr>
+            <a:endParaRPr lang="it-IT" dirty="0"/>
+          </a:p>
+          <a:p>
+            <a:endParaRPr lang="it-IT" dirty="0"/>
+          </a:p>
+          <a:p>
+            <a:pPr marL="0" indent="0">
+              <a:buNone/>
+            </a:pPr>
+            <a:endParaRPr lang="it-IT" dirty="0"/>
+          </a:p>
+          <a:p>
+            <a:pPr marL="571500" indent="-571500">
+              <a:buFont typeface="+mj-lt"/>
+              <a:buAutoNum type="romanUcPeriod"/>
+            </a:pPr>
+            <a:endParaRPr lang="it-IT" dirty="0"/>
+          </a:p>
           <a:p>
             <a:endParaRPr lang="it-IT" dirty="0"/>
           </a:p>
@@ -5250,7 +8903,7 @@
     </p:spTree>
     <p:extLst>
       <p:ext uri="{BB962C8B-B14F-4D97-AF65-F5344CB8AC3E}">
-        <p14:creationId xmlns:p14="http://schemas.microsoft.com/office/powerpoint/2010/main" val="691623101"/>
+        <p14:creationId xmlns:p14="http://schemas.microsoft.com/office/powerpoint/2010/main" val="2630711253"/>
       </p:ext>
     </p:extLst>
   </p:cSld>
@@ -5277,308 +8930,1289 @@
           <a:chExt cx="0" cy="0"/>
         </a:xfrm>
       </p:grpSpPr>
-      <p:sp>
-        <p:nvSpPr>
-          <p:cNvPr id="2" name="Titolo 1">
-            <a:extLst>
-              <a:ext uri="{FF2B5EF4-FFF2-40B4-BE49-F238E27FC236}">
-                <a16:creationId xmlns:a16="http://schemas.microsoft.com/office/drawing/2014/main" id="{D17D1A15-B119-41AB-B9A7-7917CD141930}"/>
-              </a:ext>
-            </a:extLst>
-          </p:cNvPr>
-          <p:cNvSpPr>
-            <a:spLocks noGrp="1"/>
-          </p:cNvSpPr>
+      <p:graphicFrame>
+        <p:nvGraphicFramePr>
+          <p:cNvPr id="8" name="Tabella 7">
+            <a:extLst>
+              <a:ext uri="{FF2B5EF4-FFF2-40B4-BE49-F238E27FC236}">
+                <a16:creationId xmlns:a16="http://schemas.microsoft.com/office/drawing/2014/main" id="{C126FF8B-5878-4F9C-8F34-5A458F7558E2}"/>
+              </a:ext>
+            </a:extLst>
+          </p:cNvPr>
+          <p:cNvGraphicFramePr>
+            <a:graphicFrameLocks noGrp="1"/>
+          </p:cNvGraphicFramePr>
           <p:nvPr>
-            <p:ph type="title"/>
+            <p:extLst>
+              <p:ext uri="{D42A27DB-BD31-4B8C-83A1-F6EECF244321}">
+                <p14:modId xmlns:p14="http://schemas.microsoft.com/office/powerpoint/2010/main" val="2896550530"/>
+              </p:ext>
+            </p:extLst>
           </p:nvPr>
-        </p:nvSpPr>
-        <p:spPr/>
-        <p:txBody>
-          <a:bodyPr/>
-          <a:lstStyle/>
-          <a:p>
-            <a:r>
-              <a:rPr lang="it-IT" dirty="0"/>
-              <a:t>CODE DIVISION</a:t>
-            </a:r>
-          </a:p>
-        </p:txBody>
-      </p:sp>
-      <p:sp>
-        <p:nvSpPr>
-          <p:cNvPr id="3" name="Segnaposto contenuto 2">
-            <a:extLst>
-              <a:ext uri="{FF2B5EF4-FFF2-40B4-BE49-F238E27FC236}">
-                <a16:creationId xmlns:a16="http://schemas.microsoft.com/office/drawing/2014/main" id="{019652F2-13CA-49C3-98D3-CAA7F0AAA6FC}"/>
-              </a:ext>
-            </a:extLst>
-          </p:cNvPr>
-          <p:cNvSpPr>
-            <a:spLocks noGrp="1"/>
-          </p:cNvSpPr>
-          <p:nvPr>
-            <p:ph idx="1"/>
-          </p:nvPr>
-        </p:nvSpPr>
-        <p:spPr/>
-        <p:txBody>
-          <a:bodyPr/>
-          <a:lstStyle/>
-          <a:p>
-            <a:r>
-              <a:rPr lang="it-IT" dirty="0"/>
-              <a:t>BLE connection routine;</a:t>
-            </a:r>
-          </a:p>
-          <a:p>
-            <a:r>
-              <a:rPr lang="it-IT" dirty="0"/>
-              <a:t>PROCEDURE II: </a:t>
-            </a:r>
-            <a:r>
-              <a:rPr lang="it-IT" dirty="0" err="1"/>
-              <a:t>chord</a:t>
-            </a:r>
-            <a:r>
-              <a:rPr lang="it-IT" dirty="0"/>
-              <a:t> </a:t>
-            </a:r>
-            <a:r>
-              <a:rPr lang="it-IT" dirty="0" err="1"/>
-              <a:t>acquirement</a:t>
-            </a:r>
-            <a:r>
-              <a:rPr lang="it-IT" dirty="0"/>
-              <a:t> and </a:t>
-            </a:r>
-            <a:r>
-              <a:rPr lang="it-IT" dirty="0" err="1"/>
-              <a:t>elaboration</a:t>
-            </a:r>
-            <a:r>
-              <a:rPr lang="it-IT" dirty="0"/>
-              <a:t>;</a:t>
-            </a:r>
-          </a:p>
-          <a:p>
-            <a:r>
-              <a:rPr lang="it-IT" dirty="0" err="1"/>
-              <a:t>Returned</a:t>
-            </a:r>
-            <a:r>
-              <a:rPr lang="it-IT" dirty="0"/>
-              <a:t> </a:t>
-            </a:r>
-            <a:r>
-              <a:rPr lang="it-IT" dirty="0" err="1"/>
-              <a:t>scales</a:t>
-            </a:r>
-            <a:r>
-              <a:rPr lang="it-IT" dirty="0"/>
-              <a:t> are </a:t>
-            </a:r>
-            <a:r>
-              <a:rPr lang="it-IT" dirty="0" err="1"/>
-              <a:t>associated</a:t>
-            </a:r>
-            <a:r>
-              <a:rPr lang="it-IT" dirty="0"/>
-              <a:t> to </a:t>
-            </a:r>
-            <a:r>
-              <a:rPr lang="it-IT" dirty="0" err="1"/>
-              <a:t>Micro:bit’s</a:t>
-            </a:r>
-            <a:r>
-              <a:rPr lang="it-IT" dirty="0"/>
-              <a:t> </a:t>
-            </a:r>
-            <a:r>
-              <a:rPr lang="it-IT" dirty="0" err="1"/>
-              <a:t>accelerometer</a:t>
-            </a:r>
-            <a:r>
-              <a:rPr lang="it-IT" dirty="0"/>
-              <a:t> </a:t>
-            </a:r>
-            <a:r>
-              <a:rPr lang="it-IT" dirty="0" err="1"/>
-              <a:t>values</a:t>
-            </a:r>
-            <a:r>
-              <a:rPr lang="it-IT" dirty="0"/>
-              <a:t>;</a:t>
-            </a:r>
-          </a:p>
-          <a:p>
-            <a:r>
-              <a:rPr lang="it-IT" dirty="0" err="1"/>
-              <a:t>Accelerometer</a:t>
-            </a:r>
-            <a:r>
-              <a:rPr lang="it-IT" dirty="0"/>
-              <a:t> </a:t>
-            </a:r>
-            <a:r>
-              <a:rPr lang="it-IT" dirty="0" err="1"/>
-              <a:t>values</a:t>
-            </a:r>
-            <a:r>
-              <a:rPr lang="it-IT" dirty="0"/>
-              <a:t> are </a:t>
-            </a:r>
-            <a:r>
-              <a:rPr lang="it-IT" dirty="0" err="1"/>
-              <a:t>mapped</a:t>
-            </a:r>
-            <a:r>
-              <a:rPr lang="it-IT" dirty="0"/>
-              <a:t> on 3 </a:t>
-            </a:r>
-            <a:r>
-              <a:rPr lang="it-IT" dirty="0" err="1"/>
-              <a:t>axis</a:t>
-            </a:r>
-            <a:r>
-              <a:rPr lang="it-IT" dirty="0"/>
-              <a:t>: side up </a:t>
-            </a:r>
-            <a:r>
-              <a:rPr lang="it-IT" dirty="0" err="1"/>
-              <a:t>is</a:t>
-            </a:r>
-            <a:r>
-              <a:rPr lang="it-IT" dirty="0"/>
-              <a:t> </a:t>
-            </a:r>
-            <a:r>
-              <a:rPr lang="it-IT" dirty="0" err="1"/>
-              <a:t>forced</a:t>
-            </a:r>
-            <a:r>
-              <a:rPr lang="it-IT" dirty="0"/>
-              <a:t> to be </a:t>
-            </a:r>
-            <a:r>
-              <a:rPr lang="it-IT" dirty="0" err="1"/>
-              <a:t>necessary</a:t>
-            </a:r>
-            <a:r>
-              <a:rPr lang="it-IT" dirty="0"/>
-              <a:t> for mapping, </a:t>
-            </a:r>
-            <a:r>
-              <a:rPr lang="it-IT" dirty="0" err="1"/>
-              <a:t>tilting</a:t>
-            </a:r>
-            <a:r>
-              <a:rPr lang="it-IT" dirty="0"/>
-              <a:t> </a:t>
-            </a:r>
-            <a:r>
-              <a:rPr lang="it-IT" dirty="0" err="1"/>
-              <a:t>is</a:t>
-            </a:r>
-            <a:r>
-              <a:rPr lang="it-IT" dirty="0"/>
-              <a:t> </a:t>
-            </a:r>
-            <a:r>
-              <a:rPr lang="it-IT" dirty="0" err="1"/>
-              <a:t>associated</a:t>
-            </a:r>
-            <a:r>
-              <a:rPr lang="it-IT" dirty="0"/>
-              <a:t> to notes, pitching </a:t>
-            </a:r>
-            <a:r>
-              <a:rPr lang="it-IT" dirty="0" err="1"/>
-              <a:t>is</a:t>
-            </a:r>
-            <a:r>
-              <a:rPr lang="it-IT" dirty="0"/>
-              <a:t> </a:t>
-            </a:r>
-            <a:r>
-              <a:rPr lang="it-IT" dirty="0" err="1"/>
-              <a:t>associated</a:t>
-            </a:r>
-            <a:r>
-              <a:rPr lang="it-IT" dirty="0"/>
-              <a:t> to scale </a:t>
-            </a:r>
-            <a:r>
-              <a:rPr lang="it-IT" dirty="0" err="1"/>
-              <a:t>changes</a:t>
-            </a:r>
-            <a:r>
-              <a:rPr lang="it-IT" dirty="0"/>
-              <a:t>;</a:t>
-            </a:r>
-          </a:p>
-          <a:p>
-            <a:r>
-              <a:rPr lang="it-IT" dirty="0" err="1"/>
-              <a:t>Mapped</a:t>
-            </a:r>
-            <a:r>
-              <a:rPr lang="it-IT" dirty="0"/>
-              <a:t> </a:t>
-            </a:r>
-            <a:r>
-              <a:rPr lang="it-IT" dirty="0" err="1"/>
-              <a:t>accelerometer</a:t>
-            </a:r>
-            <a:r>
-              <a:rPr lang="it-IT" dirty="0"/>
-              <a:t> </a:t>
-            </a:r>
-            <a:r>
-              <a:rPr lang="it-IT" dirty="0" err="1"/>
-              <a:t>values</a:t>
-            </a:r>
-            <a:r>
-              <a:rPr lang="it-IT" dirty="0"/>
-              <a:t> trigger WAPI </a:t>
-            </a:r>
-            <a:r>
-              <a:rPr lang="it-IT" dirty="0" err="1"/>
-              <a:t>synthetiser</a:t>
-            </a:r>
-            <a:r>
-              <a:rPr lang="it-IT" dirty="0"/>
-              <a:t>;</a:t>
-            </a:r>
-          </a:p>
-          <a:p>
-            <a:r>
-              <a:rPr lang="it-IT" dirty="0"/>
-              <a:t>Interface </a:t>
-            </a:r>
-            <a:r>
-              <a:rPr lang="it-IT" dirty="0" err="1"/>
-              <a:t>reacts</a:t>
-            </a:r>
-            <a:r>
-              <a:rPr lang="it-IT" dirty="0"/>
-              <a:t> on synth and </a:t>
-            </a:r>
-            <a:r>
-              <a:rPr lang="it-IT" dirty="0" err="1"/>
-              <a:t>scales</a:t>
-            </a:r>
-            <a:r>
-              <a:rPr lang="it-IT" dirty="0"/>
-              <a:t> </a:t>
-            </a:r>
-            <a:r>
-              <a:rPr lang="it-IT" dirty="0" err="1"/>
-              <a:t>behaviour</a:t>
-            </a:r>
-            <a:r>
-              <a:rPr lang="it-IT" dirty="0"/>
-              <a:t>.</a:t>
+        </p:nvGraphicFramePr>
+        <p:xfrm>
+          <a:off x="-1" y="1857375"/>
+          <a:ext cx="12192000" cy="5000625"/>
+        </p:xfrm>
+        <a:graphic>
+          <a:graphicData uri="http://schemas.openxmlformats.org/drawingml/2006/table">
+            <a:tbl>
+              <a:tblPr bandRow="1">
+                <a:tableStyleId>{5C22544A-7EE6-4342-B048-85BDC9FD1C3A}</a:tableStyleId>
+              </a:tblPr>
+              <a:tblGrid>
+                <a:gridCol w="1524000">
+                  <a:extLst>
+                    <a:ext uri="{9D8B030D-6E8A-4147-A177-3AD203B41FA5}">
+                      <a16:colId xmlns:a16="http://schemas.microsoft.com/office/drawing/2014/main" val="3113542546"/>
+                    </a:ext>
+                  </a:extLst>
+                </a:gridCol>
+                <a:gridCol w="1524000">
+                  <a:extLst>
+                    <a:ext uri="{9D8B030D-6E8A-4147-A177-3AD203B41FA5}">
+                      <a16:colId xmlns:a16="http://schemas.microsoft.com/office/drawing/2014/main" val="4188582931"/>
+                    </a:ext>
+                  </a:extLst>
+                </a:gridCol>
+                <a:gridCol w="1524000">
+                  <a:extLst>
+                    <a:ext uri="{9D8B030D-6E8A-4147-A177-3AD203B41FA5}">
+                      <a16:colId xmlns:a16="http://schemas.microsoft.com/office/drawing/2014/main" val="2267664695"/>
+                    </a:ext>
+                  </a:extLst>
+                </a:gridCol>
+                <a:gridCol w="1524000">
+                  <a:extLst>
+                    <a:ext uri="{9D8B030D-6E8A-4147-A177-3AD203B41FA5}">
+                      <a16:colId xmlns:a16="http://schemas.microsoft.com/office/drawing/2014/main" val="4187844874"/>
+                    </a:ext>
+                  </a:extLst>
+                </a:gridCol>
+                <a:gridCol w="1524000">
+                  <a:extLst>
+                    <a:ext uri="{9D8B030D-6E8A-4147-A177-3AD203B41FA5}">
+                      <a16:colId xmlns:a16="http://schemas.microsoft.com/office/drawing/2014/main" val="1622366438"/>
+                    </a:ext>
+                  </a:extLst>
+                </a:gridCol>
+                <a:gridCol w="1524000">
+                  <a:extLst>
+                    <a:ext uri="{9D8B030D-6E8A-4147-A177-3AD203B41FA5}">
+                      <a16:colId xmlns:a16="http://schemas.microsoft.com/office/drawing/2014/main" val="574341544"/>
+                    </a:ext>
+                  </a:extLst>
+                </a:gridCol>
+                <a:gridCol w="1524000">
+                  <a:extLst>
+                    <a:ext uri="{9D8B030D-6E8A-4147-A177-3AD203B41FA5}">
+                      <a16:colId xmlns:a16="http://schemas.microsoft.com/office/drawing/2014/main" val="545300003"/>
+                    </a:ext>
+                  </a:extLst>
+                </a:gridCol>
+                <a:gridCol w="1524000">
+                  <a:extLst>
+                    <a:ext uri="{9D8B030D-6E8A-4147-A177-3AD203B41FA5}">
+                      <a16:colId xmlns:a16="http://schemas.microsoft.com/office/drawing/2014/main" val="1781884097"/>
+                    </a:ext>
+                  </a:extLst>
+                </a:gridCol>
+              </a:tblGrid>
+              <a:tr h="1000125">
+                <a:tc>
+                  <a:txBody>
+                    <a:bodyPr/>
+                    <a:lstStyle/>
+                    <a:p>
+                      <a:r>
+                        <a:rPr lang="it-IT" dirty="0"/>
+                        <a:t>          GRADE</a:t>
+                      </a:r>
+                    </a:p>
+                    <a:p>
+                      <a:endParaRPr lang="it-IT" dirty="0"/>
+                    </a:p>
+                    <a:p>
+                      <a:r>
+                        <a:rPr lang="it-IT" dirty="0"/>
+                        <a:t>CHORD</a:t>
+                      </a:r>
+                    </a:p>
+                  </a:txBody>
+                  <a:tcPr>
+                    <a:lnTlToBr w="12700" cap="flat" cmpd="sng" algn="ctr">
+                      <a:solidFill>
+                        <a:schemeClr val="tx1"/>
+                      </a:solidFill>
+                      <a:prstDash val="solid"/>
+                      <a:round/>
+                      <a:headEnd type="none" w="med" len="med"/>
+                      <a:tailEnd type="none" w="med" len="med"/>
+                    </a:lnTlToBr>
+                  </a:tcPr>
+                </a:tc>
+                <a:tc>
+                  <a:txBody>
+                    <a:bodyPr/>
+                    <a:lstStyle/>
+                    <a:p>
+                      <a:pPr algn="ctr"/>
+                      <a:r>
+                        <a:rPr lang="it-IT" dirty="0"/>
+                        <a:t> First</a:t>
+                      </a:r>
+                    </a:p>
+                    <a:p>
+                      <a:pPr algn="ctr"/>
+                      <a:endParaRPr lang="it-IT" dirty="0"/>
+                    </a:p>
+                    <a:p>
+                      <a:pPr algn="ctr"/>
+                      <a:r>
+                        <a:rPr lang="it-IT" dirty="0" err="1"/>
+                        <a:t>Sharpened</a:t>
+                      </a:r>
+                      <a:endParaRPr lang="it-IT" dirty="0"/>
+                    </a:p>
+                  </a:txBody>
+                  <a:tcPr/>
+                </a:tc>
+                <a:tc>
+                  <a:txBody>
+                    <a:bodyPr/>
+                    <a:lstStyle/>
+                    <a:p>
+                      <a:pPr algn="ctr"/>
+                      <a:r>
+                        <a:rPr lang="it-IT" dirty="0"/>
+                        <a:t>Second</a:t>
+                      </a:r>
+                    </a:p>
+                    <a:p>
+                      <a:pPr algn="ctr"/>
+                      <a:endParaRPr lang="it-IT" dirty="0"/>
+                    </a:p>
+                    <a:p>
+                      <a:pPr algn="ctr"/>
+                      <a:r>
+                        <a:rPr lang="it-IT" dirty="0" err="1"/>
+                        <a:t>Sharpened</a:t>
+                      </a:r>
+                      <a:endParaRPr lang="it-IT" dirty="0"/>
+                    </a:p>
+                  </a:txBody>
+                  <a:tcPr/>
+                </a:tc>
+                <a:tc>
+                  <a:txBody>
+                    <a:bodyPr/>
+                    <a:lstStyle/>
+                    <a:p>
+                      <a:pPr algn="ctr"/>
+                      <a:r>
+                        <a:rPr lang="it-IT" dirty="0"/>
+                        <a:t>Third</a:t>
+                      </a:r>
+                    </a:p>
+                    <a:p>
+                      <a:pPr algn="ctr"/>
+                      <a:endParaRPr lang="it-IT" dirty="0"/>
+                    </a:p>
+                    <a:p>
+                      <a:pPr algn="ctr"/>
+                      <a:r>
+                        <a:rPr lang="it-IT" dirty="0" err="1"/>
+                        <a:t>Sharpened</a:t>
+                      </a:r>
+                      <a:endParaRPr lang="it-IT" dirty="0"/>
+                    </a:p>
+                  </a:txBody>
+                  <a:tcPr/>
+                </a:tc>
+                <a:tc>
+                  <a:txBody>
+                    <a:bodyPr/>
+                    <a:lstStyle/>
+                    <a:p>
+                      <a:pPr algn="ctr"/>
+                      <a:r>
+                        <a:rPr lang="it-IT" dirty="0" err="1"/>
+                        <a:t>Fourth</a:t>
+                      </a:r>
+                      <a:endParaRPr lang="it-IT" dirty="0"/>
+                    </a:p>
+                    <a:p>
+                      <a:pPr algn="ctr"/>
+                      <a:endParaRPr lang="it-IT" dirty="0"/>
+                    </a:p>
+                    <a:p>
+                      <a:pPr algn="ctr"/>
+                      <a:r>
+                        <a:rPr lang="it-IT" dirty="0" err="1"/>
+                        <a:t>Sharpened</a:t>
+                      </a:r>
+                      <a:endParaRPr lang="it-IT" dirty="0"/>
+                    </a:p>
+                  </a:txBody>
+                  <a:tcPr/>
+                </a:tc>
+                <a:tc>
+                  <a:txBody>
+                    <a:bodyPr/>
+                    <a:lstStyle/>
+                    <a:p>
+                      <a:pPr algn="ctr"/>
+                      <a:r>
+                        <a:rPr lang="it-IT" dirty="0"/>
+                        <a:t>Fifth</a:t>
+                      </a:r>
+                    </a:p>
+                    <a:p>
+                      <a:pPr algn="ctr"/>
+                      <a:endParaRPr lang="it-IT" dirty="0"/>
+                    </a:p>
+                    <a:p>
+                      <a:pPr algn="ctr"/>
+                      <a:r>
+                        <a:rPr lang="it-IT" dirty="0" err="1"/>
+                        <a:t>Sharpened</a:t>
+                      </a:r>
+                      <a:endParaRPr lang="it-IT" dirty="0"/>
+                    </a:p>
+                  </a:txBody>
+                  <a:tcPr/>
+                </a:tc>
+                <a:tc>
+                  <a:txBody>
+                    <a:bodyPr/>
+                    <a:lstStyle/>
+                    <a:p>
+                      <a:pPr algn="ctr"/>
+                      <a:r>
+                        <a:rPr lang="it-IT" dirty="0"/>
+                        <a:t>Sixth</a:t>
+                      </a:r>
+                    </a:p>
+                    <a:p>
+                      <a:pPr algn="ctr"/>
+                      <a:endParaRPr lang="it-IT" dirty="0"/>
+                    </a:p>
+                    <a:p>
+                      <a:pPr algn="ctr"/>
+                      <a:r>
+                        <a:rPr lang="it-IT" dirty="0" err="1"/>
+                        <a:t>Sharpened</a:t>
+                      </a:r>
+                      <a:endParaRPr lang="it-IT" dirty="0"/>
+                    </a:p>
+                  </a:txBody>
+                  <a:tcPr/>
+                </a:tc>
+                <a:tc>
+                  <a:txBody>
+                    <a:bodyPr/>
+                    <a:lstStyle/>
+                    <a:p>
+                      <a:pPr algn="ctr"/>
+                      <a:r>
+                        <a:rPr lang="it-IT" dirty="0" err="1"/>
+                        <a:t>Seventh</a:t>
+                      </a:r>
+                      <a:endParaRPr lang="it-IT" dirty="0"/>
+                    </a:p>
+                    <a:p>
+                      <a:pPr algn="ctr"/>
+                      <a:endParaRPr lang="it-IT" dirty="0"/>
+                    </a:p>
+                    <a:p>
+                      <a:pPr algn="just"/>
+                      <a:r>
+                        <a:rPr lang="it-IT" dirty="0" err="1"/>
+                        <a:t>Sharpened</a:t>
+                      </a:r>
+                      <a:endParaRPr lang="it-IT" dirty="0"/>
+                    </a:p>
+                  </a:txBody>
+                  <a:tcPr/>
+                </a:tc>
+                <a:extLst>
+                  <a:ext uri="{0D108BD9-81ED-4DB2-BD59-A6C34878D82A}">
+                    <a16:rowId xmlns:a16="http://schemas.microsoft.com/office/drawing/2014/main" val="629498341"/>
+                  </a:ext>
+                </a:extLst>
+              </a:tr>
+              <a:tr h="1000125">
+                <a:tc>
+                  <a:txBody>
+                    <a:bodyPr/>
+                    <a:lstStyle/>
+                    <a:p>
+                      <a:endParaRPr lang="it-IT" dirty="0"/>
+                    </a:p>
+                    <a:p>
+                      <a:pPr algn="ctr"/>
+                      <a:r>
+                        <a:rPr lang="it-IT" dirty="0"/>
+                        <a:t>X7</a:t>
+                      </a:r>
+                    </a:p>
+                  </a:txBody>
+                  <a:tcPr/>
+                </a:tc>
+                <a:tc>
+                  <a:txBody>
+                    <a:bodyPr/>
+                    <a:lstStyle/>
+                    <a:p>
+                      <a:pPr algn="ctr"/>
+                      <a:endParaRPr lang="it-IT" dirty="0"/>
+                    </a:p>
+                    <a:p>
+                      <a:pPr algn="ctr"/>
+                      <a:r>
+                        <a:rPr lang="it-IT" dirty="0" err="1">
+                          <a:solidFill>
+                            <a:schemeClr val="accent6"/>
+                          </a:solidFill>
+                        </a:rPr>
+                        <a:t>Mixolydian</a:t>
+                      </a:r>
+                      <a:endParaRPr lang="it-IT" dirty="0">
+                        <a:solidFill>
+                          <a:schemeClr val="accent6"/>
+                        </a:solidFill>
+                      </a:endParaRPr>
+                    </a:p>
+                  </a:txBody>
+                  <a:tcPr/>
+                </a:tc>
+                <a:tc>
+                  <a:txBody>
+                    <a:bodyPr/>
+                    <a:lstStyle/>
+                    <a:p>
+                      <a:pPr algn="ctr"/>
+                      <a:endParaRPr lang="it-IT" dirty="0"/>
+                    </a:p>
+                    <a:p>
+                      <a:pPr algn="ctr"/>
+                      <a:r>
+                        <a:rPr lang="it-IT" dirty="0" err="1"/>
+                        <a:t>Aeolian</a:t>
+                      </a:r>
+                      <a:endParaRPr lang="it-IT" dirty="0"/>
+                    </a:p>
+                  </a:txBody>
+                  <a:tcPr/>
+                </a:tc>
+                <a:tc>
+                  <a:txBody>
+                    <a:bodyPr/>
+                    <a:lstStyle/>
+                    <a:p>
+                      <a:pPr algn="ctr"/>
+                      <a:endParaRPr lang="it-IT" dirty="0"/>
+                    </a:p>
+                    <a:p>
+                      <a:pPr algn="ctr"/>
+                      <a:r>
+                        <a:rPr lang="it-IT" dirty="0" err="1">
+                          <a:solidFill>
+                            <a:srgbClr val="FF0000"/>
+                          </a:solidFill>
+                        </a:rPr>
+                        <a:t>Locrian</a:t>
+                      </a:r>
+                      <a:endParaRPr lang="it-IT" dirty="0">
+                        <a:solidFill>
+                          <a:srgbClr val="FF0000"/>
+                        </a:solidFill>
+                      </a:endParaRPr>
+                    </a:p>
+                  </a:txBody>
+                  <a:tcPr/>
+                </a:tc>
+                <a:tc>
+                  <a:txBody>
+                    <a:bodyPr/>
+                    <a:lstStyle/>
+                    <a:p>
+                      <a:pPr algn="ctr"/>
+                      <a:endParaRPr lang="it-IT" dirty="0"/>
+                    </a:p>
+                    <a:p>
+                      <a:pPr algn="ctr"/>
+                      <a:r>
+                        <a:rPr lang="it-IT" dirty="0" err="1"/>
+                        <a:t>Ionian</a:t>
+                      </a:r>
+                      <a:endParaRPr lang="it-IT" dirty="0"/>
+                    </a:p>
+                  </a:txBody>
+                  <a:tcPr/>
+                </a:tc>
+                <a:tc>
+                  <a:txBody>
+                    <a:bodyPr/>
+                    <a:lstStyle/>
+                    <a:p>
+                      <a:pPr algn="ctr"/>
+                      <a:endParaRPr lang="it-IT" dirty="0"/>
+                    </a:p>
+                    <a:p>
+                      <a:pPr algn="ctr"/>
+                      <a:r>
+                        <a:rPr lang="it-IT" dirty="0"/>
+                        <a:t>Dorian</a:t>
+                      </a:r>
+                    </a:p>
+                  </a:txBody>
+                  <a:tcPr/>
+                </a:tc>
+                <a:tc>
+                  <a:txBody>
+                    <a:bodyPr/>
+                    <a:lstStyle/>
+                    <a:p>
+                      <a:pPr algn="ctr"/>
+                      <a:r>
+                        <a:rPr lang="it-IT" dirty="0" err="1">
+                          <a:solidFill>
+                            <a:srgbClr val="FF0000"/>
+                          </a:solidFill>
+                        </a:rPr>
+                        <a:t>Phrygian</a:t>
+                      </a:r>
+                      <a:endParaRPr lang="it-IT" dirty="0">
+                        <a:solidFill>
+                          <a:srgbClr val="FF0000"/>
+                        </a:solidFill>
+                      </a:endParaRPr>
+                    </a:p>
+                    <a:p>
+                      <a:pPr algn="ctr"/>
+                      <a:endParaRPr lang="it-IT" dirty="0"/>
+                    </a:p>
+                    <a:p>
+                      <a:pPr algn="ctr"/>
+                      <a:r>
+                        <a:rPr lang="it-IT" dirty="0" err="1"/>
+                        <a:t>Lydian</a:t>
+                      </a:r>
+                      <a:endParaRPr lang="it-IT" dirty="0"/>
+                    </a:p>
+                  </a:txBody>
+                  <a:tcPr/>
+                </a:tc>
+                <a:tc>
+                  <a:txBody>
+                    <a:bodyPr/>
+                    <a:lstStyle/>
+                    <a:p>
+                      <a:endParaRPr lang="it-IT" dirty="0"/>
+                    </a:p>
+                  </a:txBody>
+                  <a:tcPr>
+                    <a:lnTlToBr w="12700" cap="flat" cmpd="sng" algn="ctr">
+                      <a:noFill/>
+                      <a:prstDash val="solid"/>
+                      <a:round/>
+                      <a:headEnd type="none" w="med" len="med"/>
+                      <a:tailEnd type="none" w="med" len="med"/>
+                    </a:lnTlToBr>
+                    <a:lnBlToTr w="12700" cap="flat" cmpd="sng" algn="ctr">
+                      <a:solidFill>
+                        <a:schemeClr val="tx1"/>
+                      </a:solidFill>
+                      <a:prstDash val="solid"/>
+                      <a:round/>
+                      <a:headEnd type="none" w="med" len="med"/>
+                      <a:tailEnd type="none" w="med" len="med"/>
+                    </a:lnBlToTr>
+                  </a:tcPr>
+                </a:tc>
+                <a:extLst>
+                  <a:ext uri="{0D108BD9-81ED-4DB2-BD59-A6C34878D82A}">
+                    <a16:rowId xmlns:a16="http://schemas.microsoft.com/office/drawing/2014/main" val="2679965010"/>
+                  </a:ext>
+                </a:extLst>
+              </a:tr>
+              <a:tr h="1000125">
+                <a:tc>
+                  <a:txBody>
+                    <a:bodyPr/>
+                    <a:lstStyle/>
+                    <a:p>
+                      <a:pPr algn="ctr"/>
+                      <a:endParaRPr lang="it-IT" dirty="0"/>
+                    </a:p>
+                    <a:p>
+                      <a:pPr algn="ctr"/>
+                      <a:r>
+                        <a:rPr lang="it-IT" dirty="0"/>
+                        <a:t>Xmin7</a:t>
+                      </a:r>
+                    </a:p>
+                  </a:txBody>
+                  <a:tcPr/>
+                </a:tc>
+                <a:tc>
+                  <a:txBody>
+                    <a:bodyPr/>
+                    <a:lstStyle/>
+                    <a:p>
+                      <a:pPr algn="ctr"/>
+                      <a:r>
+                        <a:rPr lang="it-IT" dirty="0" err="1">
+                          <a:solidFill>
+                            <a:schemeClr val="accent6"/>
+                          </a:solidFill>
+                        </a:rPr>
+                        <a:t>Dor</a:t>
+                      </a:r>
+                      <a:r>
+                        <a:rPr lang="it-IT" dirty="0"/>
+                        <a:t>, </a:t>
+                      </a:r>
+                      <a:r>
+                        <a:rPr lang="it-IT" u="sng" dirty="0" err="1">
+                          <a:solidFill>
+                            <a:srgbClr val="FF0000"/>
+                          </a:solidFill>
+                        </a:rPr>
+                        <a:t>Phr</a:t>
+                      </a:r>
+                      <a:r>
+                        <a:rPr lang="it-IT" dirty="0"/>
+                        <a:t>, </a:t>
+                      </a:r>
+                      <a:r>
+                        <a:rPr lang="it-IT" u="sng" dirty="0" err="1">
+                          <a:solidFill>
+                            <a:srgbClr val="FF0000"/>
+                          </a:solidFill>
+                        </a:rPr>
+                        <a:t>Aeol</a:t>
+                      </a:r>
+                      <a:endParaRPr lang="it-IT" u="sng" dirty="0">
+                        <a:solidFill>
+                          <a:srgbClr val="FF0000"/>
+                        </a:solidFill>
+                      </a:endParaRPr>
+                    </a:p>
+                    <a:p>
+                      <a:pPr algn="ctr"/>
+                      <a:endParaRPr lang="it-IT" dirty="0">
+                        <a:solidFill>
+                          <a:srgbClr val="FF0000"/>
+                        </a:solidFill>
+                      </a:endParaRPr>
+                    </a:p>
+                    <a:p>
+                      <a:pPr algn="ctr"/>
+                      <a:r>
+                        <a:rPr lang="it-IT" dirty="0" err="1">
+                          <a:solidFill>
+                            <a:schemeClr val="tx1"/>
+                          </a:solidFill>
+                        </a:rPr>
+                        <a:t>Lydian</a:t>
+                      </a:r>
+                      <a:endParaRPr lang="it-IT" dirty="0">
+                        <a:solidFill>
+                          <a:schemeClr val="tx1"/>
+                        </a:solidFill>
+                      </a:endParaRPr>
+                    </a:p>
+                  </a:txBody>
+                  <a:tcPr/>
+                </a:tc>
+                <a:tc>
+                  <a:txBody>
+                    <a:bodyPr/>
+                    <a:lstStyle/>
+                    <a:p>
+                      <a:pPr algn="ctr"/>
+                      <a:r>
+                        <a:rPr lang="it-IT" dirty="0" err="1"/>
+                        <a:t>Locr</a:t>
+                      </a:r>
+                      <a:r>
+                        <a:rPr lang="it-IT" dirty="0"/>
+                        <a:t>, </a:t>
+                      </a:r>
+                      <a:r>
+                        <a:rPr lang="it-IT" dirty="0" err="1"/>
+                        <a:t>Phry</a:t>
+                      </a:r>
+                      <a:endParaRPr lang="it-IT" dirty="0"/>
+                    </a:p>
+                    <a:p>
+                      <a:pPr algn="ctr"/>
+                      <a:endParaRPr lang="it-IT" dirty="0"/>
+                    </a:p>
+                    <a:p>
+                      <a:pPr algn="ctr"/>
+                      <a:r>
+                        <a:rPr lang="it-IT" dirty="0" err="1"/>
+                        <a:t>Ionian</a:t>
+                      </a:r>
+                      <a:r>
+                        <a:rPr lang="it-IT" dirty="0"/>
+                        <a:t>, </a:t>
+                      </a:r>
+                      <a:r>
+                        <a:rPr lang="it-IT" dirty="0" err="1"/>
+                        <a:t>Lydian</a:t>
+                      </a:r>
+                      <a:endParaRPr lang="it-IT" dirty="0"/>
+                    </a:p>
+                  </a:txBody>
+                  <a:tcPr/>
+                </a:tc>
+                <a:tc>
+                  <a:txBody>
+                    <a:bodyPr/>
+                    <a:lstStyle/>
+                    <a:p>
+                      <a:pPr algn="ctr"/>
+                      <a:endParaRPr lang="it-IT" dirty="0"/>
+                    </a:p>
+                  </a:txBody>
+                  <a:tcPr>
+                    <a:lnBlToTr w="12700" cap="flat" cmpd="sng" algn="ctr">
+                      <a:solidFill>
+                        <a:schemeClr val="tx1"/>
+                      </a:solidFill>
+                      <a:prstDash val="solid"/>
+                      <a:round/>
+                      <a:headEnd type="none" w="med" len="med"/>
+                      <a:tailEnd type="none" w="med" len="med"/>
+                    </a:lnBlToTr>
+                  </a:tcPr>
+                </a:tc>
+                <a:tc>
+                  <a:txBody>
+                    <a:bodyPr/>
+                    <a:lstStyle/>
+                    <a:p>
+                      <a:pPr algn="ctr"/>
+                      <a:endParaRPr lang="it-IT" dirty="0"/>
+                    </a:p>
+                    <a:p>
+                      <a:pPr algn="ctr"/>
+                      <a:r>
+                        <a:rPr lang="it-IT" dirty="0"/>
+                        <a:t>Mix, </a:t>
+                      </a:r>
+                      <a:r>
+                        <a:rPr lang="it-IT" dirty="0" err="1"/>
+                        <a:t>Dor</a:t>
+                      </a:r>
+                      <a:r>
+                        <a:rPr lang="it-IT" dirty="0"/>
+                        <a:t>, </a:t>
+                      </a:r>
+                      <a:r>
+                        <a:rPr lang="it-IT" dirty="0" err="1"/>
+                        <a:t>Aeol</a:t>
+                      </a:r>
+                      <a:endParaRPr lang="it-IT" dirty="0"/>
+                    </a:p>
+                  </a:txBody>
+                  <a:tcPr/>
+                </a:tc>
+                <a:tc>
+                  <a:txBody>
+                    <a:bodyPr/>
+                    <a:lstStyle/>
+                    <a:p>
+                      <a:r>
+                        <a:rPr lang="it-IT" dirty="0" err="1"/>
+                        <a:t>Locr</a:t>
+                      </a:r>
+                      <a:r>
+                        <a:rPr lang="it-IT" dirty="0"/>
+                        <a:t>, </a:t>
+                      </a:r>
+                      <a:r>
+                        <a:rPr lang="it-IT" dirty="0" err="1"/>
+                        <a:t>Phr</a:t>
+                      </a:r>
+                      <a:r>
+                        <a:rPr lang="it-IT" dirty="0"/>
+                        <a:t>, </a:t>
+                      </a:r>
+                      <a:r>
+                        <a:rPr lang="it-IT" dirty="0" err="1"/>
+                        <a:t>Aeol</a:t>
+                      </a:r>
+                      <a:endParaRPr lang="it-IT" dirty="0"/>
+                    </a:p>
+                    <a:p>
+                      <a:endParaRPr lang="it-IT" dirty="0"/>
+                    </a:p>
+                    <a:p>
+                      <a:r>
+                        <a:rPr lang="it-IT" dirty="0" err="1"/>
+                        <a:t>Ionian</a:t>
+                      </a:r>
+                      <a:r>
+                        <a:rPr lang="it-IT" dirty="0"/>
+                        <a:t>, </a:t>
+                      </a:r>
+                      <a:r>
+                        <a:rPr lang="it-IT" dirty="0" err="1"/>
+                        <a:t>Lydian</a:t>
+                      </a:r>
+                      <a:endParaRPr lang="it-IT" dirty="0"/>
+                    </a:p>
+                  </a:txBody>
+                  <a:tcPr/>
+                </a:tc>
+                <a:tc>
+                  <a:txBody>
+                    <a:bodyPr/>
+                    <a:lstStyle/>
+                    <a:p>
+                      <a:pPr algn="ctr"/>
+                      <a:r>
+                        <a:rPr lang="it-IT" dirty="0" err="1"/>
+                        <a:t>Locrian</a:t>
+                      </a:r>
+                      <a:endParaRPr lang="it-IT" dirty="0"/>
+                    </a:p>
+                    <a:p>
+                      <a:pPr algn="ctr"/>
+                      <a:endParaRPr lang="it-IT" dirty="0"/>
+                    </a:p>
+                    <a:p>
+                      <a:pPr algn="ctr"/>
+                      <a:r>
+                        <a:rPr lang="it-IT" dirty="0" err="1"/>
+                        <a:t>Ion</a:t>
+                      </a:r>
+                      <a:r>
+                        <a:rPr lang="it-IT" dirty="0"/>
+                        <a:t>, </a:t>
+                      </a:r>
+                      <a:r>
+                        <a:rPr lang="it-IT" dirty="0" err="1"/>
+                        <a:t>Dor</a:t>
+                      </a:r>
+                      <a:r>
+                        <a:rPr lang="it-IT" dirty="0"/>
+                        <a:t>, Mix</a:t>
+                      </a:r>
+                    </a:p>
+                  </a:txBody>
+                  <a:tcPr/>
+                </a:tc>
+                <a:tc>
+                  <a:txBody>
+                    <a:bodyPr/>
+                    <a:lstStyle/>
+                    <a:p>
+                      <a:endParaRPr lang="it-IT" dirty="0"/>
+                    </a:p>
+                  </a:txBody>
+                  <a:tcPr>
+                    <a:lnBlToTr w="12700" cap="flat" cmpd="sng" algn="ctr">
+                      <a:solidFill>
+                        <a:schemeClr val="tx1"/>
+                      </a:solidFill>
+                      <a:prstDash val="solid"/>
+                      <a:round/>
+                      <a:headEnd type="none" w="med" len="med"/>
+                      <a:tailEnd type="none" w="med" len="med"/>
+                    </a:lnBlToTr>
+                  </a:tcPr>
+                </a:tc>
+                <a:extLst>
+                  <a:ext uri="{0D108BD9-81ED-4DB2-BD59-A6C34878D82A}">
+                    <a16:rowId xmlns:a16="http://schemas.microsoft.com/office/drawing/2014/main" val="476101537"/>
+                  </a:ext>
+                </a:extLst>
+              </a:tr>
+              <a:tr h="1000125">
+                <a:tc>
+                  <a:txBody>
+                    <a:bodyPr/>
+                    <a:lstStyle/>
+                    <a:p>
+                      <a:pPr algn="ctr"/>
+                      <a:endParaRPr lang="it-IT" dirty="0"/>
+                    </a:p>
+                    <a:p>
+                      <a:pPr algn="ctr"/>
+                      <a:r>
+                        <a:rPr lang="it-IT" dirty="0"/>
+                        <a:t>Xmin7/b5</a:t>
+                      </a:r>
+                    </a:p>
+                  </a:txBody>
+                  <a:tcPr/>
+                </a:tc>
+                <a:tc>
+                  <a:txBody>
+                    <a:bodyPr/>
+                    <a:lstStyle/>
+                    <a:p>
+                      <a:pPr algn="ctr"/>
+                      <a:r>
+                        <a:rPr lang="it-IT" u="sng" dirty="0" err="1">
+                          <a:solidFill>
+                            <a:srgbClr val="FF0000"/>
+                          </a:solidFill>
+                        </a:rPr>
+                        <a:t>Locrian</a:t>
+                      </a:r>
+                      <a:endParaRPr lang="it-IT" u="sng" dirty="0">
+                        <a:solidFill>
+                          <a:srgbClr val="FF0000"/>
+                        </a:solidFill>
+                      </a:endParaRPr>
+                    </a:p>
+                    <a:p>
+                      <a:pPr algn="ctr"/>
+                      <a:endParaRPr lang="it-IT" dirty="0">
+                        <a:solidFill>
+                          <a:srgbClr val="FF0000"/>
+                        </a:solidFill>
+                      </a:endParaRPr>
+                    </a:p>
+                    <a:p>
+                      <a:pPr algn="ctr"/>
+                      <a:r>
+                        <a:rPr lang="it-IT" dirty="0" err="1">
+                          <a:solidFill>
+                            <a:schemeClr val="tx1"/>
+                          </a:solidFill>
+                        </a:rPr>
+                        <a:t>Ionian</a:t>
+                      </a:r>
+                      <a:endParaRPr lang="it-IT" dirty="0">
+                        <a:solidFill>
+                          <a:schemeClr val="tx1"/>
+                        </a:solidFill>
+                      </a:endParaRPr>
+                    </a:p>
+                  </a:txBody>
+                  <a:tcPr/>
+                </a:tc>
+                <a:tc>
+                  <a:txBody>
+                    <a:bodyPr/>
+                    <a:lstStyle/>
+                    <a:p>
+                      <a:pPr algn="ctr"/>
+                      <a:r>
+                        <a:rPr lang="it-IT" dirty="0"/>
+                        <a:t>--</a:t>
+                      </a:r>
+                    </a:p>
+                    <a:p>
+                      <a:pPr algn="ctr"/>
+                      <a:endParaRPr lang="it-IT" dirty="0"/>
+                    </a:p>
+                    <a:p>
+                      <a:pPr algn="ctr"/>
+                      <a:r>
+                        <a:rPr lang="it-IT" dirty="0"/>
+                        <a:t>Dorian</a:t>
+                      </a:r>
+                    </a:p>
+                  </a:txBody>
+                  <a:tcPr/>
+                </a:tc>
+                <a:tc>
+                  <a:txBody>
+                    <a:bodyPr/>
+                    <a:lstStyle/>
+                    <a:p>
+                      <a:endParaRPr lang="it-IT" dirty="0"/>
+                    </a:p>
+                  </a:txBody>
+                  <a:tcPr>
+                    <a:lnBlToTr w="12700" cap="flat" cmpd="sng" algn="ctr">
+                      <a:solidFill>
+                        <a:schemeClr val="tx1"/>
+                      </a:solidFill>
+                      <a:prstDash val="solid"/>
+                      <a:round/>
+                      <a:headEnd type="none" w="med" len="med"/>
+                      <a:tailEnd type="none" w="med" len="med"/>
+                    </a:lnBlToTr>
+                  </a:tcPr>
+                </a:tc>
+                <a:tc>
+                  <a:txBody>
+                    <a:bodyPr/>
+                    <a:lstStyle/>
+                    <a:p>
+                      <a:pPr algn="ctr"/>
+                      <a:r>
+                        <a:rPr lang="it-IT" dirty="0" err="1">
+                          <a:solidFill>
+                            <a:srgbClr val="FF0000"/>
+                          </a:solidFill>
+                        </a:rPr>
+                        <a:t>Phrygian</a:t>
+                      </a:r>
+                      <a:endParaRPr lang="it-IT" dirty="0">
+                        <a:solidFill>
+                          <a:srgbClr val="FF0000"/>
+                        </a:solidFill>
+                      </a:endParaRPr>
+                    </a:p>
+                    <a:p>
+                      <a:pPr algn="ctr"/>
+                      <a:endParaRPr lang="it-IT" dirty="0"/>
+                    </a:p>
+                    <a:p>
+                      <a:pPr algn="ctr"/>
+                      <a:r>
+                        <a:rPr lang="it-IT" dirty="0" err="1"/>
+                        <a:t>Lydian</a:t>
+                      </a:r>
+                      <a:endParaRPr lang="it-IT" dirty="0"/>
+                    </a:p>
+                  </a:txBody>
+                  <a:tcPr/>
+                </a:tc>
+                <a:tc>
+                  <a:txBody>
+                    <a:bodyPr/>
+                    <a:lstStyle/>
+                    <a:p>
+                      <a:pPr algn="ctr"/>
+                      <a:r>
+                        <a:rPr lang="it-IT" dirty="0"/>
+                        <a:t>--</a:t>
+                      </a:r>
+                    </a:p>
+                    <a:p>
+                      <a:pPr algn="ctr"/>
+                      <a:endParaRPr lang="it-IT" dirty="0"/>
+                    </a:p>
+                    <a:p>
+                      <a:pPr algn="ctr"/>
+                      <a:r>
+                        <a:rPr lang="it-IT" dirty="0" err="1"/>
+                        <a:t>Mixolydian</a:t>
+                      </a:r>
+                      <a:endParaRPr lang="it-IT" dirty="0"/>
+                    </a:p>
+                  </a:txBody>
+                  <a:tcPr/>
+                </a:tc>
+                <a:tc>
+                  <a:txBody>
+                    <a:bodyPr/>
+                    <a:lstStyle/>
+                    <a:p>
+                      <a:pPr algn="ctr"/>
+                      <a:r>
+                        <a:rPr lang="it-IT" dirty="0"/>
+                        <a:t>--</a:t>
+                      </a:r>
+                    </a:p>
+                    <a:p>
+                      <a:pPr algn="ctr"/>
+                      <a:endParaRPr lang="it-IT" dirty="0"/>
+                    </a:p>
+                    <a:p>
+                      <a:pPr algn="ctr"/>
+                      <a:r>
+                        <a:rPr lang="it-IT" dirty="0" err="1"/>
+                        <a:t>Aeolian</a:t>
+                      </a:r>
+                      <a:endParaRPr lang="it-IT" dirty="0"/>
+                    </a:p>
+                  </a:txBody>
+                  <a:tcPr/>
+                </a:tc>
+                <a:tc>
+                  <a:txBody>
+                    <a:bodyPr/>
+                    <a:lstStyle/>
+                    <a:p>
+                      <a:endParaRPr lang="it-IT" dirty="0"/>
+                    </a:p>
+                  </a:txBody>
+                  <a:tcPr>
+                    <a:lnBlToTr w="12700" cap="flat" cmpd="sng" algn="ctr">
+                      <a:solidFill>
+                        <a:schemeClr val="tx1"/>
+                      </a:solidFill>
+                      <a:prstDash val="solid"/>
+                      <a:round/>
+                      <a:headEnd type="none" w="med" len="med"/>
+                      <a:tailEnd type="none" w="med" len="med"/>
+                    </a:lnBlToTr>
+                  </a:tcPr>
+                </a:tc>
+                <a:extLst>
+                  <a:ext uri="{0D108BD9-81ED-4DB2-BD59-A6C34878D82A}">
+                    <a16:rowId xmlns:a16="http://schemas.microsoft.com/office/drawing/2014/main" val="933871691"/>
+                  </a:ext>
+                </a:extLst>
+              </a:tr>
+              <a:tr h="1000125">
+                <a:tc>
+                  <a:txBody>
+                    <a:bodyPr/>
+                    <a:lstStyle/>
+                    <a:p>
+                      <a:pPr algn="ctr"/>
+                      <a:endParaRPr lang="it-IT" dirty="0"/>
+                    </a:p>
+                    <a:p>
+                      <a:pPr algn="ctr"/>
+                      <a:r>
+                        <a:rPr lang="it-IT" dirty="0"/>
+                        <a:t>Xmaj7</a:t>
+                      </a:r>
+                    </a:p>
+                  </a:txBody>
+                  <a:tcPr/>
+                </a:tc>
+                <a:tc>
+                  <a:txBody>
+                    <a:bodyPr/>
+                    <a:lstStyle/>
+                    <a:p>
+                      <a:pPr algn="ctr"/>
+                      <a:endParaRPr lang="it-IT" dirty="0"/>
+                    </a:p>
+                    <a:p>
+                      <a:pPr algn="ctr"/>
+                      <a:r>
+                        <a:rPr lang="it-IT" dirty="0" err="1">
+                          <a:solidFill>
+                            <a:schemeClr val="accent6"/>
+                          </a:solidFill>
+                        </a:rPr>
+                        <a:t>Ionian</a:t>
+                      </a:r>
+                      <a:r>
+                        <a:rPr lang="it-IT" dirty="0"/>
+                        <a:t>, </a:t>
+                      </a:r>
+                      <a:r>
+                        <a:rPr lang="it-IT" dirty="0" err="1">
+                          <a:solidFill>
+                            <a:schemeClr val="accent6"/>
+                          </a:solidFill>
+                        </a:rPr>
+                        <a:t>Lydian</a:t>
+                      </a:r>
+                      <a:endParaRPr lang="it-IT" dirty="0">
+                        <a:solidFill>
+                          <a:schemeClr val="accent6"/>
+                        </a:solidFill>
+                      </a:endParaRPr>
+                    </a:p>
+                    <a:p>
+                      <a:pPr algn="ctr"/>
+                      <a:endParaRPr lang="it-IT" dirty="0"/>
+                    </a:p>
+                  </a:txBody>
+                  <a:tcPr/>
+                </a:tc>
+                <a:tc>
+                  <a:txBody>
+                    <a:bodyPr/>
+                    <a:lstStyle/>
+                    <a:p>
+                      <a:pPr algn="ctr"/>
+                      <a:endParaRPr lang="it-IT" dirty="0"/>
+                    </a:p>
+                    <a:p>
+                      <a:pPr algn="ctr"/>
+                      <a:r>
+                        <a:rPr lang="it-IT" dirty="0"/>
+                        <a:t>Mix, </a:t>
+                      </a:r>
+                      <a:r>
+                        <a:rPr lang="it-IT" dirty="0" err="1"/>
+                        <a:t>Dor</a:t>
+                      </a:r>
+                      <a:endParaRPr lang="it-IT" dirty="0"/>
+                    </a:p>
+                  </a:txBody>
+                  <a:tcPr/>
+                </a:tc>
+                <a:tc>
+                  <a:txBody>
+                    <a:bodyPr/>
+                    <a:lstStyle/>
+                    <a:p>
+                      <a:pPr algn="ctr"/>
+                      <a:endParaRPr lang="it-IT" dirty="0"/>
+                    </a:p>
+                    <a:p>
+                      <a:pPr algn="ctr"/>
+                      <a:r>
+                        <a:rPr lang="it-IT" dirty="0" err="1">
+                          <a:solidFill>
+                            <a:srgbClr val="FF0000"/>
+                          </a:solidFill>
+                        </a:rPr>
+                        <a:t>Phry</a:t>
+                      </a:r>
+                      <a:r>
+                        <a:rPr lang="it-IT" dirty="0"/>
+                        <a:t>, </a:t>
+                      </a:r>
+                      <a:r>
+                        <a:rPr lang="it-IT" dirty="0" err="1"/>
+                        <a:t>Aeol</a:t>
+                      </a:r>
+                      <a:endParaRPr lang="it-IT" dirty="0"/>
+                    </a:p>
+                  </a:txBody>
+                  <a:tcPr/>
+                </a:tc>
+                <a:tc>
+                  <a:txBody>
+                    <a:bodyPr/>
+                    <a:lstStyle/>
+                    <a:p>
+                      <a:pPr algn="ctr"/>
+                      <a:r>
+                        <a:rPr lang="it-IT" dirty="0" err="1"/>
+                        <a:t>Lydian</a:t>
+                      </a:r>
+                      <a:endParaRPr lang="it-IT" dirty="0"/>
+                    </a:p>
+                    <a:p>
+                      <a:pPr algn="ctr"/>
+                      <a:endParaRPr lang="it-IT" dirty="0"/>
+                    </a:p>
+                    <a:p>
+                      <a:pPr algn="ctr"/>
+                      <a:r>
+                        <a:rPr lang="it-IT" dirty="0" err="1"/>
+                        <a:t>Locrian</a:t>
+                      </a:r>
+                      <a:endParaRPr lang="it-IT" dirty="0"/>
+                    </a:p>
+                  </a:txBody>
+                  <a:tcPr/>
+                </a:tc>
+                <a:tc>
+                  <a:txBody>
+                    <a:bodyPr/>
+                    <a:lstStyle/>
+                    <a:p>
+                      <a:pPr algn="ctr"/>
+                      <a:endParaRPr lang="it-IT" dirty="0"/>
+                    </a:p>
+                    <a:p>
+                      <a:pPr algn="ctr"/>
+                      <a:r>
+                        <a:rPr lang="it-IT" dirty="0" err="1"/>
+                        <a:t>Mixolydian</a:t>
+                      </a:r>
+                      <a:endParaRPr lang="it-IT" dirty="0"/>
+                    </a:p>
+                  </a:txBody>
+                  <a:tcPr/>
+                </a:tc>
+                <a:tc>
+                  <a:txBody>
+                    <a:bodyPr/>
+                    <a:lstStyle/>
+                    <a:p>
+                      <a:pPr algn="ctr"/>
+                      <a:endParaRPr lang="it-IT" dirty="0"/>
+                    </a:p>
+                    <a:p>
+                      <a:pPr algn="ctr"/>
+                      <a:r>
+                        <a:rPr lang="it-IT" dirty="0" err="1"/>
+                        <a:t>Dor</a:t>
+                      </a:r>
+                      <a:r>
+                        <a:rPr lang="it-IT" dirty="0"/>
+                        <a:t>, </a:t>
+                      </a:r>
+                      <a:r>
+                        <a:rPr lang="it-IT" dirty="0" err="1"/>
+                        <a:t>Aeol</a:t>
+                      </a:r>
+                      <a:endParaRPr lang="it-IT" dirty="0"/>
+                    </a:p>
+                  </a:txBody>
+                  <a:tcPr/>
+                </a:tc>
+                <a:tc>
+                  <a:txBody>
+                    <a:bodyPr/>
+                    <a:lstStyle/>
+                    <a:p>
+                      <a:pPr algn="ctr"/>
+                      <a:endParaRPr lang="it-IT" dirty="0"/>
+                    </a:p>
+                    <a:p>
+                      <a:pPr algn="ctr"/>
+                      <a:r>
+                        <a:rPr lang="it-IT" dirty="0" err="1">
+                          <a:solidFill>
+                            <a:srgbClr val="FF0000"/>
+                          </a:solidFill>
+                        </a:rPr>
+                        <a:t>Locrian</a:t>
+                      </a:r>
+                      <a:endParaRPr lang="it-IT" dirty="0"/>
+                    </a:p>
+                  </a:txBody>
+                  <a:tcPr/>
+                </a:tc>
+                <a:extLst>
+                  <a:ext uri="{0D108BD9-81ED-4DB2-BD59-A6C34878D82A}">
+                    <a16:rowId xmlns:a16="http://schemas.microsoft.com/office/drawing/2014/main" val="2388954602"/>
+                  </a:ext>
+                </a:extLst>
+              </a:tr>
+            </a:tbl>
+          </a:graphicData>
+        </a:graphic>
+      </p:graphicFrame>
+      <p:sp>
+        <p:nvSpPr>
+          <p:cNvPr id="4" name="CasellaDiTesto 3">
+            <a:extLst>
+              <a:ext uri="{FF2B5EF4-FFF2-40B4-BE49-F238E27FC236}">
+                <a16:creationId xmlns:a16="http://schemas.microsoft.com/office/drawing/2014/main" id="{4F3DB7D8-678F-4300-8BF5-588063FDC9BC}"/>
+              </a:ext>
+            </a:extLst>
+          </p:cNvPr>
+          <p:cNvSpPr txBox="1"/>
+          <p:nvPr/>
+        </p:nvSpPr>
+        <p:spPr>
+          <a:xfrm>
+            <a:off x="247649" y="523875"/>
+            <a:ext cx="11696700" cy="769441"/>
+          </a:xfrm>
+          <a:prstGeom prst="rect">
+            <a:avLst/>
+          </a:prstGeom>
+          <a:noFill/>
+        </p:spPr>
+        <p:txBody>
+          <a:bodyPr wrap="square" rtlCol="0">
+            <a:spAutoFit/>
+          </a:bodyPr>
+          <a:lstStyle/>
+          <a:p>
+            <a:r>
+              <a:rPr lang="it-IT" sz="4400" dirty="0">
+                <a:latin typeface="+mj-lt"/>
+              </a:rPr>
+              <a:t>TABLE OF CHORDS AND MATCHING SCALES</a:t>
             </a:r>
           </a:p>
         </p:txBody>
@@ -5586,7 +10220,7 @@
     </p:spTree>
     <p:extLst>
       <p:ext uri="{BB962C8B-B14F-4D97-AF65-F5344CB8AC3E}">
-        <p14:creationId xmlns:p14="http://schemas.microsoft.com/office/powerpoint/2010/main" val="4144326192"/>
+        <p14:creationId xmlns:p14="http://schemas.microsoft.com/office/powerpoint/2010/main" val="2151944220"/>
       </p:ext>
     </p:extLst>
   </p:cSld>
@@ -5618,7 +10252,7 @@
           <p:cNvPr id="2" name="Titolo 1">
             <a:extLst>
               <a:ext uri="{FF2B5EF4-FFF2-40B4-BE49-F238E27FC236}">
-                <a16:creationId xmlns:a16="http://schemas.microsoft.com/office/drawing/2014/main" id="{40E3CDC2-242E-48B7-9CBA-1ED10523E8D6}"/>
+                <a16:creationId xmlns:a16="http://schemas.microsoft.com/office/drawing/2014/main" id="{563B6142-C404-4E91-A1A1-4B00EC9B58E2}"/>
               </a:ext>
             </a:extLst>
           </p:cNvPr>
@@ -5629,206 +10263,20 @@
             <p:ph type="title"/>
           </p:nvPr>
         </p:nvSpPr>
-        <p:spPr/>
+        <p:spPr>
+          <a:xfrm>
+            <a:off x="838200" y="2390775"/>
+            <a:ext cx="10515600" cy="2076450"/>
+          </a:xfrm>
+        </p:spPr>
         <p:txBody>
           <a:bodyPr/>
           <a:lstStyle/>
           <a:p>
-            <a:r>
-              <a:rPr lang="it-IT" dirty="0"/>
-              <a:t>BLE CONNECTION ROUTINE</a:t>
-            </a:r>
-          </a:p>
-        </p:txBody>
-      </p:sp>
-      <p:sp>
-        <p:nvSpPr>
-          <p:cNvPr id="3" name="Segnaposto contenuto 2">
-            <a:extLst>
-              <a:ext uri="{FF2B5EF4-FFF2-40B4-BE49-F238E27FC236}">
-                <a16:creationId xmlns:a16="http://schemas.microsoft.com/office/drawing/2014/main" id="{D272D41E-EE78-4C80-8F45-90F534CB9D57}"/>
-              </a:ext>
-            </a:extLst>
-          </p:cNvPr>
-          <p:cNvSpPr>
-            <a:spLocks noGrp="1"/>
-          </p:cNvSpPr>
-          <p:nvPr>
-            <p:ph idx="1"/>
-          </p:nvPr>
-        </p:nvSpPr>
-        <p:spPr/>
-        <p:txBody>
-          <a:bodyPr/>
-          <a:lstStyle/>
-          <a:p>
-            <a:r>
-              <a:rPr lang="it-IT" dirty="0" err="1"/>
-              <a:t>Based</a:t>
-            </a:r>
-            <a:r>
-              <a:rPr lang="it-IT" dirty="0"/>
-              <a:t> on client(MB)/server(PC) model, </a:t>
-            </a:r>
-            <a:r>
-              <a:rPr lang="it-IT" dirty="0" err="1"/>
-              <a:t>where</a:t>
-            </a:r>
-            <a:r>
-              <a:rPr lang="it-IT" dirty="0"/>
-              <a:t> the PC </a:t>
-            </a:r>
-            <a:r>
-              <a:rPr lang="it-IT" dirty="0" err="1"/>
-              <a:t>asks</a:t>
-            </a:r>
-            <a:r>
-              <a:rPr lang="it-IT" dirty="0"/>
-              <a:t> for </a:t>
-            </a:r>
-            <a:r>
-              <a:rPr lang="it-IT" dirty="0" err="1"/>
-              <a:t>Micro:bit</a:t>
-            </a:r>
-            <a:r>
-              <a:rPr lang="it-IT" dirty="0"/>
-              <a:t> data; </a:t>
-            </a:r>
-          </a:p>
-          <a:p>
-            <a:r>
-              <a:rPr lang="it-IT" dirty="0"/>
-              <a:t>Bluetooth Low Energy antenna </a:t>
-            </a:r>
-            <a:r>
-              <a:rPr lang="it-IT" dirty="0" err="1"/>
-              <a:t>is</a:t>
-            </a:r>
-            <a:r>
-              <a:rPr lang="it-IT" dirty="0"/>
-              <a:t> </a:t>
-            </a:r>
-            <a:r>
-              <a:rPr lang="it-IT" dirty="0" err="1"/>
-              <a:t>implemented</a:t>
-            </a:r>
-            <a:r>
-              <a:rPr lang="it-IT" dirty="0"/>
-              <a:t> in </a:t>
-            </a:r>
-            <a:r>
-              <a:rPr lang="it-IT" dirty="0" err="1"/>
-              <a:t>Micro:bit</a:t>
-            </a:r>
-            <a:r>
-              <a:rPr lang="it-IT" dirty="0"/>
-              <a:t>;</a:t>
-            </a:r>
-          </a:p>
-          <a:p>
-            <a:r>
-              <a:rPr lang="it-IT" dirty="0"/>
-              <a:t>The firmware </a:t>
-            </a:r>
-            <a:r>
-              <a:rPr lang="it-IT" dirty="0" err="1"/>
-              <a:t>activates</a:t>
-            </a:r>
-            <a:r>
-              <a:rPr lang="it-IT" dirty="0"/>
-              <a:t> the </a:t>
-            </a:r>
-            <a:r>
-              <a:rPr lang="it-IT" dirty="0" err="1"/>
-              <a:t>needed</a:t>
-            </a:r>
-            <a:r>
-              <a:rPr lang="it-IT" dirty="0"/>
-              <a:t> antenna services on start of the </a:t>
-            </a:r>
-            <a:r>
-              <a:rPr lang="it-IT" dirty="0" err="1"/>
-              <a:t>microprocessor</a:t>
-            </a:r>
-            <a:r>
-              <a:rPr lang="it-IT" dirty="0"/>
-              <a:t>;</a:t>
-            </a:r>
-          </a:p>
-          <a:p>
-            <a:r>
-              <a:rPr lang="it-IT" dirty="0"/>
-              <a:t>The code </a:t>
-            </a:r>
-            <a:r>
-              <a:rPr lang="it-IT" dirty="0" err="1"/>
-              <a:t>generates</a:t>
-            </a:r>
-            <a:r>
-              <a:rPr lang="it-IT" dirty="0"/>
-              <a:t> a window to trigger the </a:t>
-            </a:r>
-            <a:r>
-              <a:rPr lang="it-IT" dirty="0" err="1"/>
-              <a:t>search</a:t>
-            </a:r>
-            <a:r>
-              <a:rPr lang="it-IT" dirty="0"/>
-              <a:t> for </a:t>
-            </a:r>
-            <a:r>
-              <a:rPr lang="it-IT" dirty="0" err="1"/>
-              <a:t>available</a:t>
-            </a:r>
-            <a:r>
-              <a:rPr lang="it-IT" dirty="0"/>
-              <a:t> BLE devices;</a:t>
-            </a:r>
-          </a:p>
-          <a:p>
-            <a:r>
-              <a:rPr lang="it-IT" dirty="0"/>
-              <a:t>No </a:t>
-            </a:r>
-            <a:r>
-              <a:rPr lang="it-IT" dirty="0" err="1"/>
-              <a:t>pairing</a:t>
-            </a:r>
-            <a:r>
-              <a:rPr lang="it-IT" dirty="0"/>
-              <a:t> </a:t>
-            </a:r>
-            <a:r>
-              <a:rPr lang="it-IT" dirty="0" err="1"/>
-              <a:t>is</a:t>
-            </a:r>
-            <a:r>
-              <a:rPr lang="it-IT" dirty="0"/>
-              <a:t> </a:t>
-            </a:r>
-            <a:r>
-              <a:rPr lang="it-IT" dirty="0" err="1"/>
-              <a:t>required</a:t>
-            </a:r>
-            <a:r>
-              <a:rPr lang="it-IT" dirty="0"/>
-              <a:t> by firmware, connection </a:t>
-            </a:r>
-            <a:r>
-              <a:rPr lang="it-IT" dirty="0" err="1"/>
-              <a:t>is</a:t>
-            </a:r>
-            <a:r>
-              <a:rPr lang="it-IT" dirty="0"/>
-              <a:t> </a:t>
-            </a:r>
-            <a:r>
-              <a:rPr lang="it-IT" dirty="0" err="1"/>
-              <a:t>established</a:t>
-            </a:r>
-            <a:r>
-              <a:rPr lang="it-IT" dirty="0"/>
-              <a:t>;</a:t>
+            <a:pPr algn="ctr"/>
+            <a:r>
+              <a:rPr lang="it-IT" dirty="0"/>
+              <a:t>HOW DOES IT WORK</a:t>
             </a:r>
           </a:p>
         </p:txBody>
@@ -5836,7 +10284,7 @@
     </p:spTree>
     <p:extLst>
       <p:ext uri="{BB962C8B-B14F-4D97-AF65-F5344CB8AC3E}">
-        <p14:creationId xmlns:p14="http://schemas.microsoft.com/office/powerpoint/2010/main" val="956465476"/>
+        <p14:creationId xmlns:p14="http://schemas.microsoft.com/office/powerpoint/2010/main" val="691623101"/>
       </p:ext>
     </p:extLst>
   </p:cSld>
@@ -5868,7 +10316,7 @@
           <p:cNvPr id="2" name="Titolo 1">
             <a:extLst>
               <a:ext uri="{FF2B5EF4-FFF2-40B4-BE49-F238E27FC236}">
-                <a16:creationId xmlns:a16="http://schemas.microsoft.com/office/drawing/2014/main" id="{0740BA19-585A-4429-8AF2-C0D11D567417}"/>
+                <a16:creationId xmlns:a16="http://schemas.microsoft.com/office/drawing/2014/main" id="{D17D1A15-B119-41AB-B9A7-7917CD141930}"/>
               </a:ext>
             </a:extLst>
           </p:cNvPr>
@@ -5886,7 +10334,7 @@
           <a:p>
             <a:r>
               <a:rPr lang="it-IT" dirty="0"/>
-              <a:t>PROCEDURE II</a:t>
+              <a:t>CODE DIVISION</a:t>
             </a:r>
           </a:p>
         </p:txBody>
@@ -5896,7 +10344,7 @@
           <p:cNvPr id="3" name="Segnaposto contenuto 2">
             <a:extLst>
               <a:ext uri="{FF2B5EF4-FFF2-40B4-BE49-F238E27FC236}">
-                <a16:creationId xmlns:a16="http://schemas.microsoft.com/office/drawing/2014/main" id="{CFCA187B-5127-4D6C-BF91-79BE8F7E784F}"/>
+                <a16:creationId xmlns:a16="http://schemas.microsoft.com/office/drawing/2014/main" id="{019652F2-13CA-49C3-98D3-CAA7F0AAA6FC}"/>
               </a:ext>
             </a:extLst>
           </p:cNvPr>
@@ -5914,7 +10362,13 @@
           <a:p>
             <a:r>
               <a:rPr lang="it-IT" dirty="0"/>
-              <a:t>A </a:t>
+              <a:t>BLE connection routine;</a:t>
+            </a:r>
+          </a:p>
+          <a:p>
+            <a:r>
+              <a:rPr lang="it-IT" dirty="0"/>
+              <a:t>PROCEDURE II: </a:t>
             </a:r>
             <a:r>
               <a:rPr lang="it-IT" dirty="0" err="1"/>
@@ -5922,15 +10376,115 @@
             </a:r>
             <a:r>
               <a:rPr lang="it-IT" dirty="0"/>
-              <a:t> (</a:t>
-            </a:r>
-            <a:r>
-              <a:rPr lang="it-IT" dirty="0" err="1"/>
-              <a:t>quadriad</a:t>
-            </a:r>
-            <a:r>
-              <a:rPr lang="it-IT" dirty="0"/>
-              <a:t>) </a:t>
+              <a:t> </a:t>
+            </a:r>
+            <a:r>
+              <a:rPr lang="it-IT" dirty="0" err="1"/>
+              <a:t>acquirement</a:t>
+            </a:r>
+            <a:r>
+              <a:rPr lang="it-IT" dirty="0"/>
+              <a:t> and </a:t>
+            </a:r>
+            <a:r>
+              <a:rPr lang="it-IT" dirty="0" err="1"/>
+              <a:t>elaboration</a:t>
+            </a:r>
+            <a:r>
+              <a:rPr lang="it-IT" dirty="0"/>
+              <a:t>;</a:t>
+            </a:r>
+          </a:p>
+          <a:p>
+            <a:r>
+              <a:rPr lang="it-IT" dirty="0" err="1"/>
+              <a:t>Returned</a:t>
+            </a:r>
+            <a:r>
+              <a:rPr lang="it-IT" dirty="0"/>
+              <a:t> </a:t>
+            </a:r>
+            <a:r>
+              <a:rPr lang="it-IT" dirty="0" err="1"/>
+              <a:t>scales</a:t>
+            </a:r>
+            <a:r>
+              <a:rPr lang="it-IT" dirty="0"/>
+              <a:t> are </a:t>
+            </a:r>
+            <a:r>
+              <a:rPr lang="it-IT" dirty="0" err="1"/>
+              <a:t>associated</a:t>
+            </a:r>
+            <a:r>
+              <a:rPr lang="it-IT" dirty="0"/>
+              <a:t> to </a:t>
+            </a:r>
+            <a:r>
+              <a:rPr lang="it-IT" dirty="0" err="1"/>
+              <a:t>Micro:bit’s</a:t>
+            </a:r>
+            <a:r>
+              <a:rPr lang="it-IT" dirty="0"/>
+              <a:t> </a:t>
+            </a:r>
+            <a:r>
+              <a:rPr lang="it-IT" dirty="0" err="1"/>
+              <a:t>accelerometer</a:t>
+            </a:r>
+            <a:r>
+              <a:rPr lang="it-IT" dirty="0"/>
+              <a:t> </a:t>
+            </a:r>
+            <a:r>
+              <a:rPr lang="it-IT" dirty="0" err="1"/>
+              <a:t>values</a:t>
+            </a:r>
+            <a:r>
+              <a:rPr lang="it-IT" dirty="0"/>
+              <a:t>;</a:t>
+            </a:r>
+          </a:p>
+          <a:p>
+            <a:r>
+              <a:rPr lang="it-IT" dirty="0" err="1"/>
+              <a:t>Accelerometer</a:t>
+            </a:r>
+            <a:r>
+              <a:rPr lang="it-IT" dirty="0"/>
+              <a:t> </a:t>
+            </a:r>
+            <a:r>
+              <a:rPr lang="it-IT" dirty="0" err="1"/>
+              <a:t>values</a:t>
+            </a:r>
+            <a:r>
+              <a:rPr lang="it-IT" dirty="0"/>
+              <a:t> </a:t>
+            </a:r>
+            <a:r>
+              <a:rPr lang="it-IT" dirty="0" err="1"/>
+              <a:t>that</a:t>
+            </a:r>
+            <a:r>
+              <a:rPr lang="it-IT" dirty="0"/>
+              <a:t> are </a:t>
+            </a:r>
+            <a:r>
+              <a:rPr lang="it-IT" dirty="0" err="1"/>
+              <a:t>mapped</a:t>
+            </a:r>
+            <a:r>
+              <a:rPr lang="it-IT" dirty="0"/>
+              <a:t> on 3 </a:t>
+            </a:r>
+            <a:r>
+              <a:rPr lang="it-IT" dirty="0" err="1"/>
+              <a:t>axis</a:t>
+            </a:r>
+            <a:r>
+              <a:rPr lang="it-IT" dirty="0"/>
+              <a:t>: z&gt;0 </a:t>
             </a:r>
             <a:r>
               <a:rPr lang="it-IT" dirty="0" err="1"/>
@@ -5942,15 +10496,63 @@
             </a:r>
             <a:r>
               <a:rPr lang="it-IT" dirty="0" err="1"/>
-              <a:t>played</a:t>
-            </a:r>
-            <a:r>
-              <a:rPr lang="it-IT" dirty="0"/>
-              <a:t> on a MIDI </a:t>
-            </a:r>
-            <a:r>
-              <a:rPr lang="it-IT" dirty="0" err="1"/>
-              <a:t>keyboard</a:t>
+              <a:t>necessary</a:t>
+            </a:r>
+            <a:r>
+              <a:rPr lang="it-IT" dirty="0"/>
+              <a:t> for the synth to be </a:t>
+            </a:r>
+            <a:r>
+              <a:rPr lang="it-IT" dirty="0" err="1"/>
+              <a:t>triggered</a:t>
+            </a:r>
+            <a:r>
+              <a:rPr lang="it-IT" dirty="0"/>
+              <a:t>, </a:t>
+            </a:r>
+            <a:r>
+              <a:rPr lang="it-IT" dirty="0" err="1"/>
+              <a:t>tilting</a:t>
+            </a:r>
+            <a:r>
+              <a:rPr lang="it-IT" dirty="0"/>
+              <a:t> </a:t>
+            </a:r>
+            <a:r>
+              <a:rPr lang="it-IT" dirty="0" err="1"/>
+              <a:t>is</a:t>
+            </a:r>
+            <a:r>
+              <a:rPr lang="it-IT" dirty="0"/>
+              <a:t> </a:t>
+            </a:r>
+            <a:r>
+              <a:rPr lang="it-IT" dirty="0" err="1"/>
+              <a:t>associated</a:t>
+            </a:r>
+            <a:r>
+              <a:rPr lang="it-IT" dirty="0"/>
+              <a:t> to notes, pitching </a:t>
+            </a:r>
+            <a:r>
+              <a:rPr lang="it-IT" dirty="0" err="1"/>
+              <a:t>is</a:t>
+            </a:r>
+            <a:r>
+              <a:rPr lang="it-IT" dirty="0"/>
+              <a:t> </a:t>
+            </a:r>
+            <a:r>
+              <a:rPr lang="it-IT" dirty="0" err="1"/>
+              <a:t>associated</a:t>
+            </a:r>
+            <a:r>
+              <a:rPr lang="it-IT" dirty="0"/>
+              <a:t> to scale </a:t>
+            </a:r>
+            <a:r>
+              <a:rPr lang="it-IT" dirty="0" err="1"/>
+              <a:t>changes</a:t>
             </a:r>
             <a:r>
               <a:rPr lang="it-IT" dirty="0"/>
@@ -5959,20 +10561,8 @@
           </a:p>
           <a:p>
             <a:r>
-              <a:rPr lang="it-IT" dirty="0"/>
-              <a:t>MIDI notes are </a:t>
-            </a:r>
-            <a:r>
-              <a:rPr lang="it-IT" dirty="0" err="1"/>
-              <a:t>scanned</a:t>
-            </a:r>
-            <a:r>
-              <a:rPr lang="it-IT" dirty="0"/>
-              <a:t>, </a:t>
-            </a:r>
-            <a:r>
-              <a:rPr lang="it-IT" dirty="0" err="1"/>
-              <a:t>finding</a:t>
+              <a:rPr lang="it-IT" dirty="0" err="1"/>
+              <a:t>Mapped</a:t>
             </a:r>
             <a:r>
               <a:rPr lang="it-IT" dirty="0"/>
@@ -5980,7 +10570,7 @@
             </a:r>
             <a:r>
               <a:rPr lang="it-IT" dirty="0" err="1"/>
-              <a:t>distances</a:t>
+              <a:t>accelerometer</a:t>
             </a:r>
             <a:r>
               <a:rPr lang="it-IT" dirty="0"/>
@@ -5988,23 +10578,37 @@
             </a:r>
             <a:r>
               <a:rPr lang="it-IT" dirty="0" err="1"/>
-              <a:t>between</a:t>
-            </a:r>
-            <a:r>
-              <a:rPr lang="it-IT" dirty="0"/>
-              <a:t> the root, </a:t>
-            </a:r>
-            <a:r>
-              <a:rPr lang="it-IT" dirty="0" err="1"/>
-              <a:t>supposed</a:t>
-            </a:r>
-            <a:r>
-              <a:rPr lang="it-IT" dirty="0"/>
-              <a:t> in first position, and </a:t>
-            </a:r>
-            <a:r>
-              <a:rPr lang="it-IT" dirty="0" err="1"/>
-              <a:t>other</a:t>
+              <a:t>values</a:t>
+            </a:r>
+            <a:r>
+              <a:rPr lang="it-IT" dirty="0"/>
+              <a:t> trigger WAPI </a:t>
+            </a:r>
+            <a:r>
+              <a:rPr lang="it-IT" dirty="0" err="1"/>
+              <a:t>synthetiser</a:t>
+            </a:r>
+            <a:r>
+              <a:rPr lang="it-IT" dirty="0"/>
+              <a:t>;</a:t>
+            </a:r>
+          </a:p>
+          <a:p>
+            <a:r>
+              <a:rPr lang="it-IT" dirty="0"/>
+              <a:t>Interface </a:t>
+            </a:r>
+            <a:r>
+              <a:rPr lang="it-IT" dirty="0" err="1"/>
+              <a:t>reacts</a:t>
+            </a:r>
+            <a:r>
+              <a:rPr lang="it-IT" dirty="0"/>
+              <a:t> on synth and </a:t>
+            </a:r>
+            <a:r>
+              <a:rPr lang="it-IT" dirty="0" err="1"/>
+              <a:t>scales</a:t>
             </a:r>
             <a:r>
               <a:rPr lang="it-IT" dirty="0"/>
@@ -6012,184 +10616,19 @@
             </a:r>
             <a:r>
               <a:rPr lang="it-IT" dirty="0" err="1"/>
-              <a:t>components</a:t>
-            </a:r>
-            <a:r>
-              <a:rPr lang="it-IT" dirty="0"/>
-              <a:t> </a:t>
-            </a:r>
-            <a:r>
-              <a:rPr lang="it-IT" dirty="0" err="1"/>
-              <a:t>consequently</a:t>
-            </a:r>
-            <a:r>
-              <a:rPr lang="it-IT" dirty="0"/>
-              <a:t> </a:t>
-            </a:r>
-            <a:r>
-              <a:rPr lang="it-IT" dirty="0" err="1"/>
-              <a:t>finding</a:t>
-            </a:r>
-            <a:r>
-              <a:rPr lang="it-IT" dirty="0"/>
-              <a:t> the </a:t>
-            </a:r>
-            <a:r>
-              <a:rPr lang="it-IT" dirty="0" err="1"/>
-              <a:t>type</a:t>
-            </a:r>
-            <a:r>
-              <a:rPr lang="it-IT" dirty="0"/>
-              <a:t> of the </a:t>
-            </a:r>
-            <a:r>
-              <a:rPr lang="it-IT" dirty="0" err="1"/>
-              <a:t>chord</a:t>
-            </a:r>
-            <a:r>
-              <a:rPr lang="it-IT" dirty="0"/>
-              <a:t>;</a:t>
-            </a:r>
-          </a:p>
-          <a:p>
-            <a:r>
-              <a:rPr lang="it-IT" dirty="0" err="1"/>
-              <a:t>Intervals</a:t>
-            </a:r>
-            <a:r>
-              <a:rPr lang="it-IT" dirty="0"/>
-              <a:t> </a:t>
-            </a:r>
-            <a:r>
-              <a:rPr lang="it-IT" dirty="0" err="1"/>
-              <a:t>found</a:t>
-            </a:r>
-            <a:r>
-              <a:rPr lang="it-IT" dirty="0"/>
-              <a:t> are </a:t>
-            </a:r>
-            <a:r>
-              <a:rPr lang="it-IT" dirty="0" err="1"/>
-              <a:t>confronted</a:t>
-            </a:r>
-            <a:r>
-              <a:rPr lang="it-IT" dirty="0"/>
-              <a:t> with sets of </a:t>
-            </a:r>
-            <a:r>
-              <a:rPr lang="it-IT" dirty="0" err="1"/>
-              <a:t>diationic</a:t>
-            </a:r>
-            <a:r>
-              <a:rPr lang="it-IT" dirty="0"/>
-              <a:t> </a:t>
-            </a:r>
-            <a:r>
-              <a:rPr lang="it-IT" dirty="0" err="1"/>
-              <a:t>harmony</a:t>
-            </a:r>
-            <a:r>
-              <a:rPr lang="it-IT" dirty="0"/>
-              <a:t> </a:t>
-            </a:r>
-            <a:r>
-              <a:rPr lang="it-IT" dirty="0" err="1"/>
-              <a:t>scales</a:t>
-            </a:r>
-            <a:r>
-              <a:rPr lang="it-IT" dirty="0"/>
-              <a:t>;</a:t>
-            </a:r>
-          </a:p>
-          <a:p>
-            <a:r>
-              <a:rPr lang="it-IT" dirty="0"/>
-              <a:t>Matches are </a:t>
-            </a:r>
-            <a:r>
-              <a:rPr lang="it-IT" dirty="0" err="1"/>
-              <a:t>ordered</a:t>
-            </a:r>
-            <a:r>
-              <a:rPr lang="it-IT" dirty="0"/>
-              <a:t> in </a:t>
-            </a:r>
-            <a:r>
-              <a:rPr lang="it-IT" dirty="0" err="1"/>
-              <a:t>brightness</a:t>
-            </a:r>
-            <a:r>
-              <a:rPr lang="it-IT" dirty="0"/>
-              <a:t>;</a:t>
-            </a:r>
-          </a:p>
-          <a:p>
-            <a:r>
-              <a:rPr lang="it-IT" dirty="0"/>
-              <a:t>Two </a:t>
-            </a:r>
-            <a:r>
-              <a:rPr lang="it-IT" dirty="0" err="1"/>
-              <a:t>darkest</a:t>
-            </a:r>
-            <a:r>
-              <a:rPr lang="it-IT" dirty="0"/>
-              <a:t> </a:t>
-            </a:r>
-            <a:r>
-              <a:rPr lang="it-IT" dirty="0" err="1"/>
-              <a:t>scales</a:t>
-            </a:r>
-            <a:r>
-              <a:rPr lang="it-IT" dirty="0"/>
-              <a:t> from X </a:t>
-            </a:r>
-            <a:r>
-              <a:rPr lang="it-IT" dirty="0" err="1"/>
-              <a:t>octave</a:t>
-            </a:r>
-            <a:r>
-              <a:rPr lang="it-IT" dirty="0"/>
-              <a:t> to Y </a:t>
-            </a:r>
-            <a:r>
-              <a:rPr lang="it-IT" dirty="0" err="1"/>
-              <a:t>octave</a:t>
-            </a:r>
-            <a:r>
-              <a:rPr lang="it-IT" dirty="0"/>
-              <a:t> are </a:t>
-            </a:r>
-            <a:r>
-              <a:rPr lang="it-IT" dirty="0" err="1"/>
-              <a:t>returned</a:t>
+              <a:t>behaviour</a:t>
             </a:r>
             <a:r>
               <a:rPr lang="it-IT" dirty="0"/>
               <a:t>.</a:t>
             </a:r>
-          </a:p>
-          <a:p>
-            <a:endParaRPr lang="it-IT" dirty="0"/>
-          </a:p>
-          <a:p>
-            <a:endParaRPr lang="it-IT" dirty="0"/>
-          </a:p>
-          <a:p>
-            <a:pPr marL="0" indent="0">
-              <a:buNone/>
-            </a:pPr>
-            <a:endParaRPr lang="it-IT" u="sng" dirty="0"/>
-          </a:p>
-          <a:p>
-            <a:endParaRPr lang="it-IT" dirty="0"/>
           </a:p>
         </p:txBody>
       </p:sp>
     </p:spTree>
     <p:extLst>
       <p:ext uri="{BB962C8B-B14F-4D97-AF65-F5344CB8AC3E}">
-        <p14:creationId xmlns:p14="http://schemas.microsoft.com/office/powerpoint/2010/main" val="711612120"/>
+        <p14:creationId xmlns:p14="http://schemas.microsoft.com/office/powerpoint/2010/main" val="4144326192"/>
       </p:ext>
     </p:extLst>
   </p:cSld>
